--- a/Bài 2/LATEX_CO_BAN_BAI_2.pptx
+++ b/Bài 2/LATEX_CO_BAN_BAI_2.pptx
@@ -14,6 +14,7 @@
     <p:sldId id="262" r:id="rId8"/>
     <p:sldId id="263" r:id="rId9"/>
     <p:sldId id="264" r:id="rId10"/>
+    <p:sldId id="265" r:id="rId11"/>
   </p:sldIdLst>
   <p:sldSz cx="12192000" cy="6858000"/>
   <p:notesSz cx="6858000" cy="9144000"/>
@@ -112,6 +113,11 @@
       </a:defRPr>
     </a:lvl9pPr>
   </p:defaultTextStyle>
+  <p:extLst>
+    <p:ext uri="{EFAFB233-063F-42B5-8137-9DF3F51BA10A}">
+      <p15:sldGuideLst xmlns:p15="http://schemas.microsoft.com/office/powerpoint/2012/main"/>
+    </p:ext>
+  </p:extLst>
 </p:presentation>
 </file>
 
@@ -5960,6 +5966,74 @@
 </p:sld>
 </file>
 
+<file path=ppt/slides/slide10.xml><?xml version="1.0" encoding="utf-8"?>
+<p:sld xmlns:a="http://schemas.openxmlformats.org/drawingml/2006/main" xmlns:r="http://schemas.openxmlformats.org/officeDocument/2006/relationships" xmlns:p="http://schemas.openxmlformats.org/presentationml/2006/main">
+  <p:cSld>
+    <p:spTree>
+      <p:nvGrpSpPr>
+        <p:cNvPr id="1" name=""/>
+        <p:cNvGrpSpPr/>
+        <p:nvPr/>
+      </p:nvGrpSpPr>
+      <p:grpSpPr>
+        <a:xfrm>
+          <a:off x="0" y="0"/>
+          <a:ext cx="0" cy="0"/>
+          <a:chOff x="0" y="0"/>
+          <a:chExt cx="0" cy="0"/>
+        </a:xfrm>
+      </p:grpSpPr>
+      <p:sp>
+        <p:nvSpPr>
+          <p:cNvPr id="2" name="Title 1"/>
+          <p:cNvSpPr>
+            <a:spLocks noGrp="1"/>
+          </p:cNvSpPr>
+          <p:nvPr>
+            <p:ph type="title"/>
+          </p:nvPr>
+        </p:nvSpPr>
+        <p:spPr/>
+        <p:txBody>
+          <a:bodyPr/>
+          <a:lstStyle/>
+          <a:p>
+            <a:endParaRPr lang="vi-VN"/>
+          </a:p>
+        </p:txBody>
+      </p:sp>
+      <p:sp>
+        <p:nvSpPr>
+          <p:cNvPr id="3" name="Content Placeholder 2"/>
+          <p:cNvSpPr>
+            <a:spLocks noGrp="1"/>
+          </p:cNvSpPr>
+          <p:nvPr>
+            <p:ph idx="1"/>
+          </p:nvPr>
+        </p:nvSpPr>
+        <p:spPr/>
+        <p:txBody>
+          <a:bodyPr/>
+          <a:lstStyle/>
+          <a:p>
+            <a:endParaRPr lang="vi-VN"/>
+          </a:p>
+        </p:txBody>
+      </p:sp>
+    </p:spTree>
+    <p:extLst>
+      <p:ext uri="{BB962C8B-B14F-4D97-AF65-F5344CB8AC3E}">
+        <p14:creationId xmlns:p14="http://schemas.microsoft.com/office/powerpoint/2010/main" val="1549622419"/>
+      </p:ext>
+    </p:extLst>
+  </p:cSld>
+  <p:clrMapOvr>
+    <a:masterClrMapping/>
+  </p:clrMapOvr>
+</p:sld>
+</file>
+
 <file path=ppt/slides/slide2.xml><?xml version="1.0" encoding="utf-8"?>
 <p:sld xmlns:a="http://schemas.openxmlformats.org/drawingml/2006/main" xmlns:r="http://schemas.openxmlformats.org/officeDocument/2006/relationships" xmlns:p="http://schemas.openxmlformats.org/presentationml/2006/main">
   <p:cSld>
@@ -7078,6 +7152,63 @@
           <a:xfrm>
             <a:off x="552103" y="3982238"/>
             <a:ext cx="4650385" cy="1619331"/>
+          </a:xfrm>
+          <a:prstGeom prst="rect">
+            <a:avLst/>
+          </a:prstGeom>
+        </p:spPr>
+      </p:pic>
+      <p:sp>
+        <p:nvSpPr>
+          <p:cNvPr id="7" name="TextBox 6"/>
+          <p:cNvSpPr txBox="1"/>
+          <p:nvPr/>
+        </p:nvSpPr>
+        <p:spPr>
+          <a:xfrm>
+            <a:off x="5202488" y="1562273"/>
+            <a:ext cx="4746812" cy="446276"/>
+          </a:xfrm>
+          <a:prstGeom prst="rect">
+            <a:avLst/>
+          </a:prstGeom>
+          <a:noFill/>
+        </p:spPr>
+        <p:txBody>
+          <a:bodyPr wrap="none" rtlCol="0">
+            <a:spAutoFit/>
+          </a:bodyPr>
+          <a:lstStyle/>
+          <a:p>
+            <a:r>
+              <a:rPr lang="vi-VN" sz="2300" dirty="0" smtClean="0"/>
+              <a:t>\underline </a:t>
+            </a:r>
+            <a:r>
+              <a:rPr lang="vi-VN" sz="2300" dirty="0"/>
+              <a:t>{Đây là dòng gạch dưới}</a:t>
+            </a:r>
+          </a:p>
+        </p:txBody>
+      </p:sp>
+      <p:pic>
+        <p:nvPicPr>
+          <p:cNvPr id="8" name="Picture 7"/>
+          <p:cNvPicPr>
+            <a:picLocks noChangeAspect="1"/>
+          </p:cNvPicPr>
+          <p:nvPr/>
+        </p:nvPicPr>
+        <p:blipFill>
+          <a:blip r:embed="rId4"/>
+          <a:stretch>
+            <a:fillRect/>
+          </a:stretch>
+        </p:blipFill>
+        <p:spPr>
+          <a:xfrm>
+            <a:off x="5449189" y="2147622"/>
+            <a:ext cx="4253410" cy="1198555"/>
           </a:xfrm>
           <a:prstGeom prst="rect">
             <a:avLst/>

--- a/Bài 2/LATEX_CO_BAN_BAI_2.pptx
+++ b/Bài 2/LATEX_CO_BAN_BAI_2.pptx
@@ -14,7 +14,19 @@
     <p:sldId id="262" r:id="rId8"/>
     <p:sldId id="263" r:id="rId9"/>
     <p:sldId id="264" r:id="rId10"/>
-    <p:sldId id="265" r:id="rId11"/>
+    <p:sldId id="273" r:id="rId11"/>
+    <p:sldId id="274" r:id="rId12"/>
+    <p:sldId id="276" r:id="rId13"/>
+    <p:sldId id="265" r:id="rId14"/>
+    <p:sldId id="266" r:id="rId15"/>
+    <p:sldId id="270" r:id="rId16"/>
+    <p:sldId id="271" r:id="rId17"/>
+    <p:sldId id="269" r:id="rId18"/>
+    <p:sldId id="267" r:id="rId19"/>
+    <p:sldId id="268" r:id="rId20"/>
+    <p:sldId id="272" r:id="rId21"/>
+    <p:sldId id="275" r:id="rId22"/>
+    <p:sldId id="277" r:id="rId23"/>
   </p:sldIdLst>
   <p:sldSz cx="12192000" cy="6858000"/>
   <p:notesSz cx="6858000" cy="9144000"/>
@@ -6021,10 +6033,971 @@
           </a:p>
         </p:txBody>
       </p:sp>
+      <p:pic>
+        <p:nvPicPr>
+          <p:cNvPr id="4" name="Picture 3"/>
+          <p:cNvPicPr>
+            <a:picLocks noChangeAspect="1"/>
+          </p:cNvPicPr>
+          <p:nvPr/>
+        </p:nvPicPr>
+        <p:blipFill>
+          <a:blip r:embed="rId2"/>
+          <a:stretch>
+            <a:fillRect/>
+          </a:stretch>
+        </p:blipFill>
+        <p:spPr>
+          <a:xfrm>
+            <a:off x="485192" y="698505"/>
+            <a:ext cx="8980952" cy="5342857"/>
+          </a:xfrm>
+          <a:prstGeom prst="rect">
+            <a:avLst/>
+          </a:prstGeom>
+        </p:spPr>
+      </p:pic>
+    </p:spTree>
+    <p:extLst>
+      <p:ext uri="{BB962C8B-B14F-4D97-AF65-F5344CB8AC3E}">
+        <p14:creationId xmlns:p14="http://schemas.microsoft.com/office/powerpoint/2010/main" val="19904176"/>
+      </p:ext>
+    </p:extLst>
+  </p:cSld>
+  <p:clrMapOvr>
+    <a:masterClrMapping/>
+  </p:clrMapOvr>
+</p:sld>
+</file>
+
+<file path=ppt/slides/slide11.xml><?xml version="1.0" encoding="utf-8"?>
+<p:sld xmlns:a="http://schemas.openxmlformats.org/drawingml/2006/main" xmlns:r="http://schemas.openxmlformats.org/officeDocument/2006/relationships" xmlns:p="http://schemas.openxmlformats.org/presentationml/2006/main">
+  <p:cSld>
+    <p:spTree>
+      <p:nvGrpSpPr>
+        <p:cNvPr id="1" name=""/>
+        <p:cNvGrpSpPr/>
+        <p:nvPr/>
+      </p:nvGrpSpPr>
+      <p:grpSpPr>
+        <a:xfrm>
+          <a:off x="0" y="0"/>
+          <a:ext cx="0" cy="0"/>
+          <a:chOff x="0" y="0"/>
+          <a:chExt cx="0" cy="0"/>
+        </a:xfrm>
+      </p:grpSpPr>
+      <p:sp>
+        <p:nvSpPr>
+          <p:cNvPr id="2" name="Title 1"/>
+          <p:cNvSpPr>
+            <a:spLocks noGrp="1"/>
+          </p:cNvSpPr>
+          <p:nvPr>
+            <p:ph type="title"/>
+          </p:nvPr>
+        </p:nvSpPr>
+        <p:spPr/>
+        <p:txBody>
+          <a:bodyPr/>
+          <a:lstStyle/>
+          <a:p>
+            <a:r>
+              <a:rPr lang="vi-VN" dirty="0" smtClean="0"/>
+              <a:t>LATEX HỖ TRỢ CÁC LOẠI PHÔNG MẶC ĐỊNH </a:t>
+            </a:r>
+            <a:endParaRPr lang="vi-VN" dirty="0"/>
+          </a:p>
+        </p:txBody>
+      </p:sp>
+      <p:pic>
+        <p:nvPicPr>
+          <p:cNvPr id="4" name="Picture 3"/>
+          <p:cNvPicPr>
+            <a:picLocks noChangeAspect="1"/>
+          </p:cNvPicPr>
+          <p:nvPr/>
+        </p:nvPicPr>
+        <p:blipFill>
+          <a:blip r:embed="rId2"/>
+          <a:stretch>
+            <a:fillRect/>
+          </a:stretch>
+        </p:blipFill>
+        <p:spPr>
+          <a:xfrm>
+            <a:off x="677334" y="2315134"/>
+            <a:ext cx="9132173" cy="3441721"/>
+          </a:xfrm>
+          <a:prstGeom prst="rect">
+            <a:avLst/>
+          </a:prstGeom>
+        </p:spPr>
+      </p:pic>
+    </p:spTree>
+    <p:extLst>
+      <p:ext uri="{BB962C8B-B14F-4D97-AF65-F5344CB8AC3E}">
+        <p14:creationId xmlns:p14="http://schemas.microsoft.com/office/powerpoint/2010/main" val="3928896088"/>
+      </p:ext>
+    </p:extLst>
+  </p:cSld>
+  <p:clrMapOvr>
+    <a:masterClrMapping/>
+  </p:clrMapOvr>
+</p:sld>
+</file>
+
+<file path=ppt/slides/slide12.xml><?xml version="1.0" encoding="utf-8"?>
+<p:sld xmlns:a="http://schemas.openxmlformats.org/drawingml/2006/main" xmlns:r="http://schemas.openxmlformats.org/officeDocument/2006/relationships" xmlns:p="http://schemas.openxmlformats.org/presentationml/2006/main">
+  <p:cSld>
+    <p:spTree>
+      <p:nvGrpSpPr>
+        <p:cNvPr id="1" name=""/>
+        <p:cNvGrpSpPr/>
+        <p:nvPr/>
+      </p:nvGrpSpPr>
+      <p:grpSpPr>
+        <a:xfrm>
+          <a:off x="0" y="0"/>
+          <a:ext cx="0" cy="0"/>
+          <a:chOff x="0" y="0"/>
+          <a:chExt cx="0" cy="0"/>
+        </a:xfrm>
+      </p:grpSpPr>
+      <p:sp>
+        <p:nvSpPr>
+          <p:cNvPr id="2" name="Title 1"/>
+          <p:cNvSpPr>
+            <a:spLocks noGrp="1"/>
+          </p:cNvSpPr>
+          <p:nvPr>
+            <p:ph type="title"/>
+          </p:nvPr>
+        </p:nvSpPr>
+        <p:spPr/>
+        <p:txBody>
+          <a:bodyPr/>
+          <a:lstStyle/>
+          <a:p>
+            <a:r>
+              <a:rPr lang="vi-VN" dirty="0" smtClean="0"/>
+              <a:t>ĐỔI MÀU CHỮ TRONG LATEX</a:t>
+            </a:r>
+            <a:endParaRPr lang="vi-VN" dirty="0"/>
+          </a:p>
+        </p:txBody>
+      </p:sp>
+      <p:sp>
+        <p:nvSpPr>
+          <p:cNvPr id="3" name="Content Placeholder 2"/>
+          <p:cNvSpPr>
+            <a:spLocks noGrp="1"/>
+          </p:cNvSpPr>
+          <p:nvPr>
+            <p:ph idx="1"/>
+          </p:nvPr>
+        </p:nvSpPr>
+        <p:spPr>
+          <a:xfrm>
+            <a:off x="677334" y="1774223"/>
+            <a:ext cx="8596668" cy="3880773"/>
+          </a:xfrm>
+        </p:spPr>
+        <p:txBody>
+          <a:bodyPr>
+            <a:normAutofit fontScale="92500"/>
+          </a:bodyPr>
+          <a:lstStyle/>
+          <a:p>
+            <a:pPr marL="0" indent="0">
+              <a:buNone/>
+            </a:pPr>
+            <a:r>
+              <a:rPr lang="vi-VN" sz="3600" dirty="0" smtClean="0"/>
+              <a:t>Thêm gói :</a:t>
+            </a:r>
+          </a:p>
+          <a:p>
+            <a:pPr marL="0" indent="0">
+              <a:buNone/>
+            </a:pPr>
+            <a:r>
+              <a:rPr lang="vi-VN" sz="3600" dirty="0" smtClean="0"/>
+              <a:t>				 </a:t>
+            </a:r>
+            <a:r>
+              <a:rPr lang="vi-VN" sz="3600" b="1" dirty="0" smtClean="0"/>
+              <a:t>\usepackage{color}</a:t>
+            </a:r>
+          </a:p>
+          <a:p>
+            <a:pPr marL="0" indent="0">
+              <a:buNone/>
+            </a:pPr>
+            <a:r>
+              <a:rPr lang="vi-VN" sz="3600" dirty="0" smtClean="0"/>
+              <a:t>Lệnh:</a:t>
+            </a:r>
+          </a:p>
+          <a:p>
+            <a:pPr marL="0" indent="0">
+              <a:buNone/>
+            </a:pPr>
+            <a:r>
+              <a:rPr lang="vi-VN" sz="3600" b="1" dirty="0"/>
+              <a:t>\pagecolor{tên màu</a:t>
+            </a:r>
+            <a:r>
+              <a:rPr lang="vi-VN" sz="3600" b="1" dirty="0" smtClean="0"/>
+              <a:t>} </a:t>
+            </a:r>
+            <a:r>
+              <a:rPr lang="vi-VN" sz="3600" dirty="0" smtClean="0"/>
+              <a:t>cho page</a:t>
+            </a:r>
+          </a:p>
+          <a:p>
+            <a:pPr marL="0" indent="0">
+              <a:buNone/>
+            </a:pPr>
+            <a:r>
+              <a:rPr lang="vi-VN" sz="3600" b="1" dirty="0" smtClean="0"/>
+              <a:t>\</a:t>
+            </a:r>
+            <a:r>
+              <a:rPr lang="vi-VN" sz="3600" b="1" dirty="0"/>
+              <a:t>textcolor{tên màu}{văn bản</a:t>
+            </a:r>
+            <a:r>
+              <a:rPr lang="vi-VN" sz="3600" b="1" dirty="0" smtClean="0"/>
+              <a:t>} </a:t>
+            </a:r>
+            <a:r>
+              <a:rPr lang="vi-VN" sz="3600" dirty="0" smtClean="0"/>
+              <a:t>Đổ màu cho</a:t>
+            </a:r>
+          </a:p>
+          <a:p>
+            <a:pPr marL="0" indent="0">
+              <a:buNone/>
+            </a:pPr>
+            <a:r>
+              <a:rPr lang="vi-VN" sz="3600" dirty="0"/>
+              <a:t>v</a:t>
+            </a:r>
+            <a:r>
+              <a:rPr lang="vi-VN" sz="3600" dirty="0" smtClean="0"/>
+              <a:t>ăn bản nhất định </a:t>
+            </a:r>
+          </a:p>
+          <a:p>
+            <a:pPr marL="0" indent="0">
+              <a:buNone/>
+            </a:pPr>
+            <a:endParaRPr lang="vi-VN" sz="3600" b="1" dirty="0"/>
+          </a:p>
+        </p:txBody>
+      </p:sp>
+    </p:spTree>
+    <p:extLst>
+      <p:ext uri="{BB962C8B-B14F-4D97-AF65-F5344CB8AC3E}">
+        <p14:creationId xmlns:p14="http://schemas.microsoft.com/office/powerpoint/2010/main" val="1053932247"/>
+      </p:ext>
+    </p:extLst>
+  </p:cSld>
+  <p:clrMapOvr>
+    <a:masterClrMapping/>
+  </p:clrMapOvr>
+</p:sld>
+</file>
+
+<file path=ppt/slides/slide13.xml><?xml version="1.0" encoding="utf-8"?>
+<p:sld xmlns:a="http://schemas.openxmlformats.org/drawingml/2006/main" xmlns:r="http://schemas.openxmlformats.org/officeDocument/2006/relationships" xmlns:p="http://schemas.openxmlformats.org/presentationml/2006/main">
+  <p:cSld>
+    <p:spTree>
+      <p:nvGrpSpPr>
+        <p:cNvPr id="1" name=""/>
+        <p:cNvGrpSpPr/>
+        <p:nvPr/>
+      </p:nvGrpSpPr>
+      <p:grpSpPr>
+        <a:xfrm>
+          <a:off x="0" y="0"/>
+          <a:ext cx="0" cy="0"/>
+          <a:chOff x="0" y="0"/>
+          <a:chExt cx="0" cy="0"/>
+        </a:xfrm>
+      </p:grpSpPr>
+      <p:sp>
+        <p:nvSpPr>
+          <p:cNvPr id="3" name="Content Placeholder 2"/>
+          <p:cNvSpPr>
+            <a:spLocks noGrp="1"/>
+          </p:cNvSpPr>
+          <p:nvPr>
+            <p:ph idx="1"/>
+          </p:nvPr>
+        </p:nvSpPr>
+        <p:spPr>
+          <a:xfrm>
+            <a:off x="678547" y="1930400"/>
+            <a:ext cx="8596668" cy="3880773"/>
+          </a:xfrm>
+        </p:spPr>
+        <p:txBody>
+          <a:bodyPr>
+            <a:normAutofit lnSpcReduction="10000"/>
+          </a:bodyPr>
+          <a:lstStyle/>
+          <a:p>
+            <a:pPr marL="0" indent="0">
+              <a:buNone/>
+            </a:pPr>
+            <a:r>
+              <a:rPr lang="vi-VN" sz="2800" dirty="0" smtClean="0"/>
+              <a:t>Trong Latex có 3 cách xuống dòng </a:t>
+            </a:r>
+            <a:endParaRPr lang="vi-VN" sz="2800" dirty="0"/>
+          </a:p>
+          <a:p>
+            <a:pPr marL="0" indent="0">
+              <a:buNone/>
+            </a:pPr>
+            <a:r>
+              <a:rPr lang="vi-VN" sz="2800" dirty="0" smtClean="0"/>
+              <a:t>+ Sử dụng enter</a:t>
+            </a:r>
+          </a:p>
+          <a:p>
+            <a:pPr marL="0" indent="0">
+              <a:buNone/>
+            </a:pPr>
+            <a:r>
+              <a:rPr lang="vi-VN" sz="2800" dirty="0" smtClean="0"/>
+              <a:t>+ Sử dụng lệnh \par (xuống dòng tự canh tab cho dòng đầu tiên)</a:t>
+            </a:r>
+          </a:p>
+          <a:p>
+            <a:pPr marL="0" indent="0">
+              <a:buNone/>
+            </a:pPr>
+            <a:r>
+              <a:rPr lang="vi-VN" sz="2800" dirty="0" smtClean="0"/>
+              <a:t>+ Sử dụng dụng lệnh \\</a:t>
+            </a:r>
+          </a:p>
+          <a:p>
+            <a:pPr marL="0" indent="0">
+              <a:buNone/>
+            </a:pPr>
+            <a:r>
+              <a:rPr lang="vi-VN" sz="2800" dirty="0" smtClean="0"/>
+              <a:t>Tuy nhiên dù tạo khoảng xuống dòng nhiều lần bằng enter trong văn bản nhưng latex chỉ chấp nhận xuống dòng 1 khoảng cách</a:t>
+            </a:r>
+          </a:p>
+        </p:txBody>
+      </p:sp>
+      <p:sp>
+        <p:nvSpPr>
+          <p:cNvPr id="4" name="Title 3"/>
+          <p:cNvSpPr>
+            <a:spLocks noGrp="1"/>
+          </p:cNvSpPr>
+          <p:nvPr>
+            <p:ph type="title"/>
+          </p:nvPr>
+        </p:nvSpPr>
+        <p:spPr/>
+        <p:txBody>
+          <a:bodyPr/>
+          <a:lstStyle/>
+          <a:p>
+            <a:r>
+              <a:rPr lang="vi-VN" dirty="0" smtClean="0"/>
+              <a:t>DẤU XUỐNG DÒNG TRONG LATEX</a:t>
+            </a:r>
+            <a:endParaRPr lang="vi-VN" dirty="0"/>
+          </a:p>
+        </p:txBody>
+      </p:sp>
     </p:spTree>
     <p:extLst>
       <p:ext uri="{BB962C8B-B14F-4D97-AF65-F5344CB8AC3E}">
         <p14:creationId xmlns:p14="http://schemas.microsoft.com/office/powerpoint/2010/main" val="1549622419"/>
+      </p:ext>
+    </p:extLst>
+  </p:cSld>
+  <p:clrMapOvr>
+    <a:masterClrMapping/>
+  </p:clrMapOvr>
+</p:sld>
+</file>
+
+<file path=ppt/slides/slide14.xml><?xml version="1.0" encoding="utf-8"?>
+<p:sld xmlns:a="http://schemas.openxmlformats.org/drawingml/2006/main" xmlns:r="http://schemas.openxmlformats.org/officeDocument/2006/relationships" xmlns:p="http://schemas.openxmlformats.org/presentationml/2006/main">
+  <p:cSld>
+    <p:spTree>
+      <p:nvGrpSpPr>
+        <p:cNvPr id="1" name=""/>
+        <p:cNvGrpSpPr/>
+        <p:nvPr/>
+      </p:nvGrpSpPr>
+      <p:grpSpPr>
+        <a:xfrm>
+          <a:off x="0" y="0"/>
+          <a:ext cx="0" cy="0"/>
+          <a:chOff x="0" y="0"/>
+          <a:chExt cx="0" cy="0"/>
+        </a:xfrm>
+      </p:grpSpPr>
+      <p:sp>
+        <p:nvSpPr>
+          <p:cNvPr id="2" name="Title 1"/>
+          <p:cNvSpPr>
+            <a:spLocks noGrp="1"/>
+          </p:cNvSpPr>
+          <p:nvPr>
+            <p:ph type="title"/>
+          </p:nvPr>
+        </p:nvSpPr>
+        <p:spPr/>
+        <p:txBody>
+          <a:bodyPr/>
+          <a:lstStyle/>
+          <a:p>
+            <a:r>
+              <a:rPr lang="vi-VN" dirty="0" smtClean="0"/>
+              <a:t>ĐỊNH DẠNG ĐOẠN VĂN BẢN</a:t>
+            </a:r>
+            <a:endParaRPr lang="vi-VN" dirty="0"/>
+          </a:p>
+        </p:txBody>
+      </p:sp>
+      <p:sp>
+        <p:nvSpPr>
+          <p:cNvPr id="3" name="Content Placeholder 2"/>
+          <p:cNvSpPr>
+            <a:spLocks noGrp="1"/>
+          </p:cNvSpPr>
+          <p:nvPr>
+            <p:ph idx="1"/>
+          </p:nvPr>
+        </p:nvSpPr>
+        <p:spPr>
+          <a:xfrm>
+            <a:off x="806123" y="1838618"/>
+            <a:ext cx="9033335" cy="3880773"/>
+          </a:xfrm>
+        </p:spPr>
+        <p:txBody>
+          <a:bodyPr>
+            <a:normAutofit/>
+          </a:bodyPr>
+          <a:lstStyle/>
+          <a:p>
+            <a:pPr marL="0" indent="0">
+              <a:buNone/>
+            </a:pPr>
+            <a:r>
+              <a:rPr lang="vi-VN" sz="3200" dirty="0" smtClean="0"/>
+              <a:t>Một đoạn văn bản trong LaTeX sẽ được canh tab xuống dòng sẵn , bạn có thể tùy chỉnh khoảng cách tab bằng lệnh </a:t>
+            </a:r>
+          </a:p>
+          <a:p>
+            <a:pPr marL="0" indent="0" algn="ctr">
+              <a:buNone/>
+            </a:pPr>
+            <a:r>
+              <a:rPr lang="vi-VN" sz="3600" b="1" dirty="0" smtClean="0"/>
+              <a:t>\</a:t>
+            </a:r>
+            <a:r>
+              <a:rPr lang="vi-VN" sz="3600" b="1" dirty="0"/>
+              <a:t>setlength{\</a:t>
+            </a:r>
+            <a:r>
+              <a:rPr lang="vi-VN" sz="3600" b="1" dirty="0" smtClean="0"/>
+              <a:t>parindent}{1cm}</a:t>
+            </a:r>
+          </a:p>
+          <a:p>
+            <a:pPr marL="0" indent="0">
+              <a:buNone/>
+            </a:pPr>
+            <a:r>
+              <a:rPr lang="vi-VN" sz="3200" dirty="0" smtClean="0"/>
+              <a:t>Có thể tùy chỉnh 1cm thành nhiều nhiều kích cỡ khác nhau , lệnh trên hỗ trợ các đơn vị như cm , em , ..</a:t>
+            </a:r>
+            <a:endParaRPr lang="vi-VN" sz="3200" dirty="0"/>
+          </a:p>
+        </p:txBody>
+      </p:sp>
+    </p:spTree>
+    <p:extLst>
+      <p:ext uri="{BB962C8B-B14F-4D97-AF65-F5344CB8AC3E}">
+        <p14:creationId xmlns:p14="http://schemas.microsoft.com/office/powerpoint/2010/main" val="2491533627"/>
+      </p:ext>
+    </p:extLst>
+  </p:cSld>
+  <p:clrMapOvr>
+    <a:masterClrMapping/>
+  </p:clrMapOvr>
+</p:sld>
+</file>
+
+<file path=ppt/slides/slide15.xml><?xml version="1.0" encoding="utf-8"?>
+<p:sld xmlns:a="http://schemas.openxmlformats.org/drawingml/2006/main" xmlns:r="http://schemas.openxmlformats.org/officeDocument/2006/relationships" xmlns:p="http://schemas.openxmlformats.org/presentationml/2006/main">
+  <p:cSld>
+    <p:spTree>
+      <p:nvGrpSpPr>
+        <p:cNvPr id="1" name=""/>
+        <p:cNvGrpSpPr/>
+        <p:nvPr/>
+      </p:nvGrpSpPr>
+      <p:grpSpPr>
+        <a:xfrm>
+          <a:off x="0" y="0"/>
+          <a:ext cx="0" cy="0"/>
+          <a:chOff x="0" y="0"/>
+          <a:chExt cx="0" cy="0"/>
+        </a:xfrm>
+      </p:grpSpPr>
+      <p:pic>
+        <p:nvPicPr>
+          <p:cNvPr id="4" name="Picture 3"/>
+          <p:cNvPicPr>
+            <a:picLocks noChangeAspect="1"/>
+          </p:cNvPicPr>
+          <p:nvPr/>
+        </p:nvPicPr>
+        <p:blipFill>
+          <a:blip r:embed="rId2"/>
+          <a:stretch>
+            <a:fillRect/>
+          </a:stretch>
+        </p:blipFill>
+        <p:spPr>
+          <a:xfrm>
+            <a:off x="1012791" y="982052"/>
+            <a:ext cx="8106058" cy="4718600"/>
+          </a:xfrm>
+          <a:prstGeom prst="rect">
+            <a:avLst/>
+          </a:prstGeom>
+        </p:spPr>
+      </p:pic>
+    </p:spTree>
+    <p:extLst>
+      <p:ext uri="{BB962C8B-B14F-4D97-AF65-F5344CB8AC3E}">
+        <p14:creationId xmlns:p14="http://schemas.microsoft.com/office/powerpoint/2010/main" val="2487004915"/>
+      </p:ext>
+    </p:extLst>
+  </p:cSld>
+  <p:clrMapOvr>
+    <a:masterClrMapping/>
+  </p:clrMapOvr>
+</p:sld>
+</file>
+
+<file path=ppt/slides/slide16.xml><?xml version="1.0" encoding="utf-8"?>
+<p:sld xmlns:a="http://schemas.openxmlformats.org/drawingml/2006/main" xmlns:r="http://schemas.openxmlformats.org/officeDocument/2006/relationships" xmlns:p="http://schemas.openxmlformats.org/presentationml/2006/main">
+  <p:cSld>
+    <p:spTree>
+      <p:nvGrpSpPr>
+        <p:cNvPr id="1" name=""/>
+        <p:cNvGrpSpPr/>
+        <p:nvPr/>
+      </p:nvGrpSpPr>
+      <p:grpSpPr>
+        <a:xfrm>
+          <a:off x="0" y="0"/>
+          <a:ext cx="0" cy="0"/>
+          <a:chOff x="0" y="0"/>
+          <a:chExt cx="0" cy="0"/>
+        </a:xfrm>
+      </p:grpSpPr>
+      <p:pic>
+        <p:nvPicPr>
+          <p:cNvPr id="2050" name="Picture 2" descr="ParagraphFormattingEx2.png"/>
+          <p:cNvPicPr>
+            <a:picLocks noChangeAspect="1" noChangeArrowheads="1"/>
+          </p:cNvPicPr>
+          <p:nvPr/>
+        </p:nvPicPr>
+        <p:blipFill>
+          <a:blip r:embed="rId2">
+            <a:extLst>
+              <a:ext uri="{28A0092B-C50C-407E-A947-70E740481C1C}">
+                <a14:useLocalDpi xmlns:a14="http://schemas.microsoft.com/office/drawing/2010/main" val="0"/>
+              </a:ext>
+            </a:extLst>
+          </a:blip>
+          <a:srcRect/>
+          <a:stretch>
+            <a:fillRect/>
+          </a:stretch>
+        </p:blipFill>
+        <p:spPr bwMode="auto">
+          <a:xfrm>
+            <a:off x="680565" y="1740417"/>
+            <a:ext cx="9068743" cy="3063401"/>
+          </a:xfrm>
+          <a:prstGeom prst="rect">
+            <a:avLst/>
+          </a:prstGeom>
+          <a:noFill/>
+          <a:extLst>
+            <a:ext uri="{909E8E84-426E-40DD-AFC4-6F175D3DCCD1}">
+              <a14:hiddenFill xmlns:a14="http://schemas.microsoft.com/office/drawing/2010/main">
+                <a:solidFill>
+                  <a:srgbClr val="FFFFFF"/>
+                </a:solidFill>
+              </a14:hiddenFill>
+            </a:ext>
+          </a:extLst>
+        </p:spPr>
+      </p:pic>
+    </p:spTree>
+    <p:extLst>
+      <p:ext uri="{BB962C8B-B14F-4D97-AF65-F5344CB8AC3E}">
+        <p14:creationId xmlns:p14="http://schemas.microsoft.com/office/powerpoint/2010/main" val="1278210418"/>
+      </p:ext>
+    </p:extLst>
+  </p:cSld>
+  <p:clrMapOvr>
+    <a:masterClrMapping/>
+  </p:clrMapOvr>
+</p:sld>
+</file>
+
+<file path=ppt/slides/slide17.xml><?xml version="1.0" encoding="utf-8"?>
+<p:sld xmlns:a="http://schemas.openxmlformats.org/drawingml/2006/main" xmlns:r="http://schemas.openxmlformats.org/officeDocument/2006/relationships" xmlns:p="http://schemas.openxmlformats.org/presentationml/2006/main">
+  <p:cSld>
+    <p:spTree>
+      <p:nvGrpSpPr>
+        <p:cNvPr id="1" name=""/>
+        <p:cNvGrpSpPr/>
+        <p:nvPr/>
+      </p:nvGrpSpPr>
+      <p:grpSpPr>
+        <a:xfrm>
+          <a:off x="0" y="0"/>
+          <a:ext cx="0" cy="0"/>
+          <a:chOff x="0" y="0"/>
+          <a:chExt cx="0" cy="0"/>
+        </a:xfrm>
+      </p:grpSpPr>
+      <p:pic>
+        <p:nvPicPr>
+          <p:cNvPr id="4098" name="Picture 2" descr="Paragraph-layout.png"/>
+          <p:cNvPicPr>
+            <a:picLocks noChangeAspect="1" noChangeArrowheads="1"/>
+          </p:cNvPicPr>
+          <p:nvPr/>
+        </p:nvPicPr>
+        <p:blipFill>
+          <a:blip r:embed="rId2">
+            <a:extLst>
+              <a:ext uri="{28A0092B-C50C-407E-A947-70E740481C1C}">
+                <a14:useLocalDpi xmlns:a14="http://schemas.microsoft.com/office/drawing/2010/main" val="0"/>
+              </a:ext>
+            </a:extLst>
+          </a:blip>
+          <a:srcRect/>
+          <a:stretch>
+            <a:fillRect/>
+          </a:stretch>
+        </p:blipFill>
+        <p:spPr bwMode="auto">
+          <a:xfrm>
+            <a:off x="310120" y="1805825"/>
+            <a:ext cx="9426307" cy="3165420"/>
+          </a:xfrm>
+          <a:prstGeom prst="rect">
+            <a:avLst/>
+          </a:prstGeom>
+          <a:noFill/>
+          <a:extLst>
+            <a:ext uri="{909E8E84-426E-40DD-AFC4-6F175D3DCCD1}">
+              <a14:hiddenFill xmlns:a14="http://schemas.microsoft.com/office/drawing/2010/main">
+                <a:solidFill>
+                  <a:srgbClr val="FFFFFF"/>
+                </a:solidFill>
+              </a14:hiddenFill>
+            </a:ext>
+          </a:extLst>
+        </p:spPr>
+      </p:pic>
+    </p:spTree>
+    <p:extLst>
+      <p:ext uri="{BB962C8B-B14F-4D97-AF65-F5344CB8AC3E}">
+        <p14:creationId xmlns:p14="http://schemas.microsoft.com/office/powerpoint/2010/main" val="2487751303"/>
+      </p:ext>
+    </p:extLst>
+  </p:cSld>
+  <p:clrMapOvr>
+    <a:masterClrMapping/>
+  </p:clrMapOvr>
+</p:sld>
+</file>
+
+<file path=ppt/slides/slide18.xml><?xml version="1.0" encoding="utf-8"?>
+<p:sld xmlns:a="http://schemas.openxmlformats.org/drawingml/2006/main" xmlns:r="http://schemas.openxmlformats.org/officeDocument/2006/relationships" xmlns:p="http://schemas.openxmlformats.org/presentationml/2006/main">
+  <p:cSld>
+    <p:spTree>
+      <p:nvGrpSpPr>
+        <p:cNvPr id="1" name=""/>
+        <p:cNvGrpSpPr/>
+        <p:nvPr/>
+      </p:nvGrpSpPr>
+      <p:grpSpPr>
+        <a:xfrm>
+          <a:off x="0" y="0"/>
+          <a:ext cx="0" cy="0"/>
+          <a:chOff x="0" y="0"/>
+          <a:chExt cx="0" cy="0"/>
+        </a:xfrm>
+      </p:grpSpPr>
+      <p:sp>
+        <p:nvSpPr>
+          <p:cNvPr id="2" name="Title 1"/>
+          <p:cNvSpPr>
+            <a:spLocks noGrp="1"/>
+          </p:cNvSpPr>
+          <p:nvPr>
+            <p:ph type="title"/>
+          </p:nvPr>
+        </p:nvSpPr>
+        <p:spPr/>
+        <p:txBody>
+          <a:bodyPr/>
+          <a:lstStyle/>
+          <a:p>
+            <a:r>
+              <a:rPr lang="vi-VN" dirty="0"/>
+              <a:t>ĐỊNH DẠNG ĐOẠN VĂN BẢN</a:t>
+            </a:r>
+          </a:p>
+        </p:txBody>
+      </p:sp>
+      <p:sp>
+        <p:nvSpPr>
+          <p:cNvPr id="3" name="Content Placeholder 2"/>
+          <p:cNvSpPr>
+            <a:spLocks noGrp="1"/>
+          </p:cNvSpPr>
+          <p:nvPr>
+            <p:ph idx="1"/>
+          </p:nvPr>
+        </p:nvSpPr>
+        <p:spPr>
+          <a:xfrm>
+            <a:off x="677334" y="1930400"/>
+            <a:ext cx="8596668" cy="1340834"/>
+          </a:xfrm>
+        </p:spPr>
+        <p:txBody>
+          <a:bodyPr>
+            <a:normAutofit lnSpcReduction="10000"/>
+          </a:bodyPr>
+          <a:lstStyle/>
+          <a:p>
+            <a:pPr marL="0" indent="0">
+              <a:buNone/>
+            </a:pPr>
+            <a:r>
+              <a:rPr lang="vi-VN" sz="3200" dirty="0" smtClean="0"/>
+              <a:t>Chủ động tab đầu hàng dòng bằng lệnh:</a:t>
+            </a:r>
+          </a:p>
+          <a:p>
+            <a:pPr marL="0" indent="0" algn="ctr">
+              <a:buNone/>
+            </a:pPr>
+            <a:r>
+              <a:rPr lang="vi-VN" sz="4400" b="1" dirty="0" smtClean="0"/>
+              <a:t>\indent</a:t>
+            </a:r>
+          </a:p>
+          <a:p>
+            <a:pPr marL="0" indent="0" algn="ctr">
+              <a:buNone/>
+            </a:pPr>
+            <a:endParaRPr lang="vi-VN" sz="4400" b="1" dirty="0"/>
+          </a:p>
+          <a:p>
+            <a:pPr marL="0" indent="0" algn="ctr">
+              <a:buNone/>
+            </a:pPr>
+            <a:endParaRPr lang="vi-VN" sz="4400" b="1" dirty="0" smtClean="0"/>
+          </a:p>
+          <a:p>
+            <a:pPr marL="0" indent="0" algn="ctr">
+              <a:buNone/>
+            </a:pPr>
+            <a:endParaRPr lang="vi-VN" sz="4400" b="1" dirty="0" smtClean="0"/>
+          </a:p>
+          <a:p>
+            <a:pPr marL="0" indent="0" algn="ctr">
+              <a:buNone/>
+            </a:pPr>
+            <a:endParaRPr lang="vi-VN" sz="4400" b="1" dirty="0"/>
+          </a:p>
+        </p:txBody>
+      </p:sp>
+      <p:sp>
+        <p:nvSpPr>
+          <p:cNvPr id="6" name="TextBox 5"/>
+          <p:cNvSpPr txBox="1"/>
+          <p:nvPr/>
+        </p:nvSpPr>
+        <p:spPr>
+          <a:xfrm>
+            <a:off x="677334" y="3618964"/>
+            <a:ext cx="7701566" cy="1261884"/>
+          </a:xfrm>
+          <a:prstGeom prst="rect">
+            <a:avLst/>
+          </a:prstGeom>
+          <a:noFill/>
+        </p:spPr>
+        <p:txBody>
+          <a:bodyPr wrap="square" rtlCol="0">
+            <a:spAutoFit/>
+          </a:bodyPr>
+          <a:lstStyle/>
+          <a:p>
+            <a:r>
+              <a:rPr lang="vi-VN" sz="3200" dirty="0" smtClean="0"/>
+              <a:t>Và chủ động không tab bằng lệnh:</a:t>
+            </a:r>
+          </a:p>
+          <a:p>
+            <a:pPr algn="ctr"/>
+            <a:r>
+              <a:rPr lang="vi-VN" sz="4400" b="1" dirty="0" smtClean="0"/>
+              <a:t>    \noindent</a:t>
+            </a:r>
+            <a:endParaRPr lang="vi-VN" sz="4400" b="1" dirty="0"/>
+          </a:p>
+        </p:txBody>
+      </p:sp>
+    </p:spTree>
+    <p:extLst>
+      <p:ext uri="{BB962C8B-B14F-4D97-AF65-F5344CB8AC3E}">
+        <p14:creationId xmlns:p14="http://schemas.microsoft.com/office/powerpoint/2010/main" val="642104998"/>
+      </p:ext>
+    </p:extLst>
+  </p:cSld>
+  <p:clrMapOvr>
+    <a:masterClrMapping/>
+  </p:clrMapOvr>
+</p:sld>
+</file>
+
+<file path=ppt/slides/slide19.xml><?xml version="1.0" encoding="utf-8"?>
+<p:sld xmlns:a="http://schemas.openxmlformats.org/drawingml/2006/main" xmlns:r="http://schemas.openxmlformats.org/officeDocument/2006/relationships" xmlns:p="http://schemas.openxmlformats.org/presentationml/2006/main">
+  <p:cSld>
+    <p:spTree>
+      <p:nvGrpSpPr>
+        <p:cNvPr id="1" name=""/>
+        <p:cNvGrpSpPr/>
+        <p:nvPr/>
+      </p:nvGrpSpPr>
+      <p:grpSpPr>
+        <a:xfrm>
+          <a:off x="0" y="0"/>
+          <a:ext cx="0" cy="0"/>
+          <a:chOff x="0" y="0"/>
+          <a:chExt cx="0" cy="0"/>
+        </a:xfrm>
+      </p:grpSpPr>
+      <p:sp>
+        <p:nvSpPr>
+          <p:cNvPr id="2" name="Title 1"/>
+          <p:cNvSpPr>
+            <a:spLocks noGrp="1"/>
+          </p:cNvSpPr>
+          <p:nvPr>
+            <p:ph type="title"/>
+          </p:nvPr>
+        </p:nvSpPr>
+        <p:spPr/>
+        <p:txBody>
+          <a:bodyPr/>
+          <a:lstStyle/>
+          <a:p>
+            <a:r>
+              <a:rPr lang="vi-VN" dirty="0" smtClean="0"/>
+              <a:t>ĐỊNH DẠNG ĐOẠN VĂN BẢN</a:t>
+            </a:r>
+            <a:endParaRPr lang="vi-VN" dirty="0"/>
+          </a:p>
+        </p:txBody>
+      </p:sp>
+      <p:sp>
+        <p:nvSpPr>
+          <p:cNvPr id="3" name="Content Placeholder 2"/>
+          <p:cNvSpPr>
+            <a:spLocks noGrp="1"/>
+          </p:cNvSpPr>
+          <p:nvPr>
+            <p:ph idx="1"/>
+          </p:nvPr>
+        </p:nvSpPr>
+        <p:spPr>
+          <a:xfrm>
+            <a:off x="806124" y="1838618"/>
+            <a:ext cx="8596668" cy="3880773"/>
+          </a:xfrm>
+        </p:spPr>
+        <p:txBody>
+          <a:bodyPr>
+            <a:normAutofit/>
+          </a:bodyPr>
+          <a:lstStyle/>
+          <a:p>
+            <a:pPr marL="0" indent="0">
+              <a:buNone/>
+            </a:pPr>
+            <a:r>
+              <a:rPr lang="vi-VN" sz="2800" dirty="0" smtClean="0"/>
+              <a:t>Tương tự , bạn có thể điều chỉnh khoảng cách giữa 2 dòng bằng lệnh</a:t>
+            </a:r>
+          </a:p>
+          <a:p>
+            <a:pPr marL="0" indent="0" algn="ctr">
+              <a:buNone/>
+            </a:pPr>
+            <a:r>
+              <a:rPr lang="vi-VN" sz="3200" b="1" dirty="0" smtClean="0"/>
+              <a:t>\</a:t>
+            </a:r>
+            <a:r>
+              <a:rPr lang="vi-VN" sz="3200" b="1" dirty="0"/>
+              <a:t>setlength</a:t>
+            </a:r>
+            <a:r>
+              <a:rPr lang="vi-VN" sz="3200" b="1" dirty="0" smtClean="0"/>
+              <a:t>{\parskip}{1cm}</a:t>
+            </a:r>
+          </a:p>
+          <a:p>
+            <a:pPr marL="0" indent="0">
+              <a:buNone/>
+            </a:pPr>
+            <a:r>
+              <a:rPr lang="vi-VN" sz="2800" dirty="0" smtClean="0"/>
+              <a:t>Có thể tùy chỉnh 1cm thành nhiều nhiều kích cỡ khác nhau , lệnh trên hỗ trợ các đơn vị như cm , em , ..</a:t>
+            </a:r>
+            <a:endParaRPr lang="vi-VN" sz="2800" dirty="0"/>
+          </a:p>
+        </p:txBody>
+      </p:sp>
+    </p:spTree>
+    <p:extLst>
+      <p:ext uri="{BB962C8B-B14F-4D97-AF65-F5344CB8AC3E}">
+        <p14:creationId xmlns:p14="http://schemas.microsoft.com/office/powerpoint/2010/main" val="2223102301"/>
       </p:ext>
     </p:extLst>
   </p:cSld>
@@ -6102,6 +7075,346 @@
       </p:par>
     </p:tnLst>
   </p:timing>
+</p:sld>
+</file>
+
+<file path=ppt/slides/slide20.xml><?xml version="1.0" encoding="utf-8"?>
+<p:sld xmlns:a="http://schemas.openxmlformats.org/drawingml/2006/main" xmlns:r="http://schemas.openxmlformats.org/officeDocument/2006/relationships" xmlns:p="http://schemas.openxmlformats.org/presentationml/2006/main">
+  <p:cSld>
+    <p:spTree>
+      <p:nvGrpSpPr>
+        <p:cNvPr id="1" name=""/>
+        <p:cNvGrpSpPr/>
+        <p:nvPr/>
+      </p:nvGrpSpPr>
+      <p:grpSpPr>
+        <a:xfrm>
+          <a:off x="0" y="0"/>
+          <a:ext cx="0" cy="0"/>
+          <a:chOff x="0" y="0"/>
+          <a:chExt cx="0" cy="0"/>
+        </a:xfrm>
+      </p:grpSpPr>
+      <p:sp>
+        <p:nvSpPr>
+          <p:cNvPr id="2" name="Title 1"/>
+          <p:cNvSpPr>
+            <a:spLocks noGrp="1"/>
+          </p:cNvSpPr>
+          <p:nvPr>
+            <p:ph type="title"/>
+          </p:nvPr>
+        </p:nvSpPr>
+        <p:spPr/>
+        <p:txBody>
+          <a:bodyPr/>
+          <a:lstStyle/>
+          <a:p>
+            <a:r>
+              <a:rPr lang="vi-VN" dirty="0" smtClean="0"/>
+              <a:t>KHOẢNG CÁCH GIỮA CÁC HÀNG</a:t>
+            </a:r>
+            <a:endParaRPr lang="vi-VN" dirty="0"/>
+          </a:p>
+        </p:txBody>
+      </p:sp>
+      <p:sp>
+        <p:nvSpPr>
+          <p:cNvPr id="3" name="Content Placeholder 2"/>
+          <p:cNvSpPr>
+            <a:spLocks noGrp="1"/>
+          </p:cNvSpPr>
+          <p:nvPr>
+            <p:ph idx="1"/>
+          </p:nvPr>
+        </p:nvSpPr>
+        <p:spPr>
+          <a:xfrm>
+            <a:off x="677333" y="2160589"/>
+            <a:ext cx="9896221" cy="3880773"/>
+          </a:xfrm>
+        </p:spPr>
+        <p:txBody>
+          <a:bodyPr>
+            <a:normAutofit/>
+          </a:bodyPr>
+          <a:lstStyle/>
+          <a:p>
+            <a:pPr marL="0" indent="0">
+              <a:buNone/>
+            </a:pPr>
+            <a:r>
+              <a:rPr lang="vi-VN" sz="3200" dirty="0" smtClean="0"/>
+              <a:t>Tùy chỉnh khoảng các giữa các hàng bằng lệnh :</a:t>
+            </a:r>
+          </a:p>
+          <a:p>
+            <a:pPr marL="0" indent="0" algn="ctr">
+              <a:lnSpc>
+                <a:spcPct val="150000"/>
+              </a:lnSpc>
+              <a:buNone/>
+            </a:pPr>
+            <a:r>
+              <a:rPr lang="vi-VN" sz="3200" b="1" dirty="0" smtClean="0"/>
+              <a:t>\renewcommand{\baselinestretch}{1.5}</a:t>
+            </a:r>
+          </a:p>
+          <a:p>
+            <a:pPr marL="0" indent="0">
+              <a:lnSpc>
+                <a:spcPct val="150000"/>
+              </a:lnSpc>
+              <a:buNone/>
+            </a:pPr>
+            <a:r>
+              <a:rPr lang="vi-VN" sz="3200" dirty="0" smtClean="0"/>
+              <a:t>Trong đó 1.5 là độ lớn khoảng cách của dòng so với mặc định</a:t>
+            </a:r>
+            <a:endParaRPr lang="vi-VN" sz="3200" dirty="0"/>
+          </a:p>
+        </p:txBody>
+      </p:sp>
+    </p:spTree>
+    <p:extLst>
+      <p:ext uri="{BB962C8B-B14F-4D97-AF65-F5344CB8AC3E}">
+        <p14:creationId xmlns:p14="http://schemas.microsoft.com/office/powerpoint/2010/main" val="509810798"/>
+      </p:ext>
+    </p:extLst>
+  </p:cSld>
+  <p:clrMapOvr>
+    <a:masterClrMapping/>
+  </p:clrMapOvr>
+</p:sld>
+</file>
+
+<file path=ppt/slides/slide21.xml><?xml version="1.0" encoding="utf-8"?>
+<p:sld xmlns:a="http://schemas.openxmlformats.org/drawingml/2006/main" xmlns:r="http://schemas.openxmlformats.org/officeDocument/2006/relationships" xmlns:p="http://schemas.openxmlformats.org/presentationml/2006/main">
+  <p:cSld>
+    <p:spTree>
+      <p:nvGrpSpPr>
+        <p:cNvPr id="1" name=""/>
+        <p:cNvGrpSpPr/>
+        <p:nvPr/>
+      </p:nvGrpSpPr>
+      <p:grpSpPr>
+        <a:xfrm>
+          <a:off x="0" y="0"/>
+          <a:ext cx="0" cy="0"/>
+          <a:chOff x="0" y="0"/>
+          <a:chExt cx="0" cy="0"/>
+        </a:xfrm>
+      </p:grpSpPr>
+      <p:sp>
+        <p:nvSpPr>
+          <p:cNvPr id="2" name="Title 1"/>
+          <p:cNvSpPr>
+            <a:spLocks noGrp="1"/>
+          </p:cNvSpPr>
+          <p:nvPr>
+            <p:ph type="title"/>
+          </p:nvPr>
+        </p:nvSpPr>
+        <p:spPr/>
+        <p:txBody>
+          <a:bodyPr/>
+          <a:lstStyle/>
+          <a:p>
+            <a:r>
+              <a:rPr lang="vi-VN" dirty="0" smtClean="0"/>
+              <a:t>CĂN VĂN BẢN </a:t>
+            </a:r>
+            <a:endParaRPr lang="vi-VN" dirty="0"/>
+          </a:p>
+        </p:txBody>
+      </p:sp>
+      <p:sp>
+        <p:nvSpPr>
+          <p:cNvPr id="3" name="Content Placeholder 2"/>
+          <p:cNvSpPr>
+            <a:spLocks noGrp="1"/>
+          </p:cNvSpPr>
+          <p:nvPr>
+            <p:ph idx="1"/>
+          </p:nvPr>
+        </p:nvSpPr>
+        <p:spPr/>
+        <p:txBody>
+          <a:bodyPr/>
+          <a:lstStyle/>
+          <a:p>
+            <a:r>
+              <a:rPr lang="vi-VN" sz="2800" dirty="0" smtClean="0"/>
+              <a:t>Mặc định trong Latex ,  văn bản được căn giữa </a:t>
+            </a:r>
+          </a:p>
+          <a:p>
+            <a:r>
+              <a:rPr lang="vi-VN" sz="2800" dirty="0" smtClean="0"/>
+              <a:t>Lệnh căn trái văn bản :</a:t>
+            </a:r>
+          </a:p>
+          <a:p>
+            <a:pPr marL="0" indent="0">
+              <a:buNone/>
+            </a:pPr>
+            <a:endParaRPr lang="vi-VN" dirty="0" smtClean="0"/>
+          </a:p>
+          <a:p>
+            <a:pPr marL="1371600" lvl="3" indent="0">
+              <a:buNone/>
+            </a:pPr>
+            <a:r>
+              <a:rPr lang="vi-VN" sz="3600" b="1" dirty="0" smtClean="0"/>
+              <a:t>\begin{flushleft}</a:t>
+            </a:r>
+          </a:p>
+          <a:p>
+            <a:pPr marL="1371600" lvl="3" indent="0">
+              <a:buNone/>
+            </a:pPr>
+            <a:r>
+              <a:rPr lang="vi-VN" sz="3600" b="1" dirty="0" smtClean="0"/>
+              <a:t>	Nội dung văn bản</a:t>
+            </a:r>
+          </a:p>
+          <a:p>
+            <a:pPr marL="1371600" lvl="3" indent="0">
+              <a:buNone/>
+            </a:pPr>
+            <a:r>
+              <a:rPr lang="vi-VN" sz="3600" b="1" dirty="0" smtClean="0"/>
+              <a:t>\end{flushleft}</a:t>
+            </a:r>
+            <a:endParaRPr lang="vi-VN" sz="3600" b="1" dirty="0"/>
+          </a:p>
+        </p:txBody>
+      </p:sp>
+    </p:spTree>
+    <p:extLst>
+      <p:ext uri="{BB962C8B-B14F-4D97-AF65-F5344CB8AC3E}">
+        <p14:creationId xmlns:p14="http://schemas.microsoft.com/office/powerpoint/2010/main" val="3089724981"/>
+      </p:ext>
+    </p:extLst>
+  </p:cSld>
+  <p:clrMapOvr>
+    <a:masterClrMapping/>
+  </p:clrMapOvr>
+</p:sld>
+</file>
+
+<file path=ppt/slides/slide22.xml><?xml version="1.0" encoding="utf-8"?>
+<p:sld xmlns:a="http://schemas.openxmlformats.org/drawingml/2006/main" xmlns:r="http://schemas.openxmlformats.org/officeDocument/2006/relationships" xmlns:p="http://schemas.openxmlformats.org/presentationml/2006/main">
+  <p:cSld>
+    <p:spTree>
+      <p:nvGrpSpPr>
+        <p:cNvPr id="1" name=""/>
+        <p:cNvGrpSpPr/>
+        <p:nvPr/>
+      </p:nvGrpSpPr>
+      <p:grpSpPr>
+        <a:xfrm>
+          <a:off x="0" y="0"/>
+          <a:ext cx="0" cy="0"/>
+          <a:chOff x="0" y="0"/>
+          <a:chExt cx="0" cy="0"/>
+        </a:xfrm>
+      </p:grpSpPr>
+      <p:sp>
+        <p:nvSpPr>
+          <p:cNvPr id="2" name="Title 1"/>
+          <p:cNvSpPr>
+            <a:spLocks noGrp="1"/>
+          </p:cNvSpPr>
+          <p:nvPr>
+            <p:ph type="title"/>
+          </p:nvPr>
+        </p:nvSpPr>
+        <p:spPr/>
+        <p:txBody>
+          <a:bodyPr/>
+          <a:lstStyle/>
+          <a:p>
+            <a:r>
+              <a:rPr lang="vi-VN" dirty="0" smtClean="0"/>
+              <a:t>CĂN VĂN BẢN </a:t>
+            </a:r>
+            <a:endParaRPr lang="vi-VN" dirty="0"/>
+          </a:p>
+        </p:txBody>
+      </p:sp>
+      <p:sp>
+        <p:nvSpPr>
+          <p:cNvPr id="3" name="Content Placeholder 2"/>
+          <p:cNvSpPr>
+            <a:spLocks noGrp="1"/>
+          </p:cNvSpPr>
+          <p:nvPr>
+            <p:ph idx="1"/>
+          </p:nvPr>
+        </p:nvSpPr>
+        <p:spPr/>
+        <p:txBody>
+          <a:bodyPr/>
+          <a:lstStyle/>
+          <a:p>
+            <a:r>
+              <a:rPr lang="vi-VN" sz="2800" dirty="0" smtClean="0"/>
+              <a:t>Mặc định trong Latex ,  văn bản được căn giữa </a:t>
+            </a:r>
+          </a:p>
+          <a:p>
+            <a:r>
+              <a:rPr lang="vi-VN" sz="2800" dirty="0" smtClean="0"/>
+              <a:t>Lệnh căn phải văn bản :</a:t>
+            </a:r>
+          </a:p>
+          <a:p>
+            <a:pPr marL="0" indent="0">
+              <a:buNone/>
+            </a:pPr>
+            <a:endParaRPr lang="vi-VN" dirty="0" smtClean="0"/>
+          </a:p>
+          <a:p>
+            <a:pPr marL="1371600" lvl="3" indent="0">
+              <a:buNone/>
+            </a:pPr>
+            <a:r>
+              <a:rPr lang="vi-VN" sz="3600" b="1" dirty="0" smtClean="0"/>
+              <a:t>\begin{flushright}</a:t>
+            </a:r>
+          </a:p>
+          <a:p>
+            <a:pPr marL="1371600" lvl="3" indent="0">
+              <a:buNone/>
+            </a:pPr>
+            <a:r>
+              <a:rPr lang="vi-VN" sz="3600" b="1" dirty="0" smtClean="0"/>
+              <a:t>	Nội dung văn bản</a:t>
+            </a:r>
+          </a:p>
+          <a:p>
+            <a:pPr marL="1371600" lvl="3" indent="0">
+              <a:buNone/>
+            </a:pPr>
+            <a:r>
+              <a:rPr lang="vi-VN" sz="3600" b="1" smtClean="0"/>
+              <a:t>\end{flushright}</a:t>
+            </a:r>
+            <a:endParaRPr lang="vi-VN" sz="3600" b="1" dirty="0"/>
+          </a:p>
+        </p:txBody>
+      </p:sp>
+    </p:spTree>
+    <p:extLst>
+      <p:ext uri="{BB962C8B-B14F-4D97-AF65-F5344CB8AC3E}">
+        <p14:creationId xmlns:p14="http://schemas.microsoft.com/office/powerpoint/2010/main" val="1971028081"/>
+      </p:ext>
+    </p:extLst>
+  </p:cSld>
+  <p:clrMapOvr>
+    <a:masterClrMapping/>
+  </p:clrMapOvr>
 </p:sld>
 </file>
 

--- a/Bài 2/LATEX_CO_BAN_BAI_2.pptx
+++ b/Bài 2/LATEX_CO_BAN_BAI_2.pptx
@@ -6,27 +6,31 @@
   </p:sldMasterIdLst>
   <p:sldIdLst>
     <p:sldId id="256" r:id="rId2"/>
-    <p:sldId id="257" r:id="rId3"/>
-    <p:sldId id="258" r:id="rId4"/>
+    <p:sldId id="258" r:id="rId3"/>
+    <p:sldId id="257" r:id="rId4"/>
     <p:sldId id="259" r:id="rId5"/>
     <p:sldId id="260" r:id="rId6"/>
     <p:sldId id="261" r:id="rId7"/>
     <p:sldId id="262" r:id="rId8"/>
-    <p:sldId id="263" r:id="rId9"/>
-    <p:sldId id="264" r:id="rId10"/>
-    <p:sldId id="273" r:id="rId11"/>
-    <p:sldId id="274" r:id="rId12"/>
-    <p:sldId id="276" r:id="rId13"/>
-    <p:sldId id="265" r:id="rId14"/>
-    <p:sldId id="266" r:id="rId15"/>
-    <p:sldId id="270" r:id="rId16"/>
-    <p:sldId id="271" r:id="rId17"/>
-    <p:sldId id="269" r:id="rId18"/>
-    <p:sldId id="267" r:id="rId19"/>
-    <p:sldId id="268" r:id="rId20"/>
-    <p:sldId id="272" r:id="rId21"/>
-    <p:sldId id="275" r:id="rId22"/>
-    <p:sldId id="277" r:id="rId23"/>
+    <p:sldId id="264" r:id="rId9"/>
+    <p:sldId id="263" r:id="rId10"/>
+    <p:sldId id="274" r:id="rId11"/>
+    <p:sldId id="273" r:id="rId12"/>
+    <p:sldId id="280" r:id="rId13"/>
+    <p:sldId id="276" r:id="rId14"/>
+    <p:sldId id="265" r:id="rId15"/>
+    <p:sldId id="268" r:id="rId16"/>
+    <p:sldId id="266" r:id="rId17"/>
+    <p:sldId id="270" r:id="rId18"/>
+    <p:sldId id="269" r:id="rId19"/>
+    <p:sldId id="267" r:id="rId20"/>
+    <p:sldId id="271" r:id="rId21"/>
+    <p:sldId id="279" r:id="rId22"/>
+    <p:sldId id="272" r:id="rId23"/>
+    <p:sldId id="275" r:id="rId24"/>
+    <p:sldId id="277" r:id="rId25"/>
+    <p:sldId id="281" r:id="rId26"/>
+    <p:sldId id="278" r:id="rId27"/>
   </p:sldIdLst>
   <p:sldSz cx="12192000" cy="6858000"/>
   <p:notesSz cx="6858000" cy="9144000"/>
@@ -711,7 +715,7 @@
           </a:lstStyle>
           <a:p>
             <a:r>
-              <a:rPr lang="en-US" smtClean="0"/>
+              <a:rPr lang="en-US"/>
               <a:t>Click to edit Master title style</a:t>
             </a:r>
             <a:endParaRPr lang="en-US" dirty="0"/>
@@ -831,7 +835,7 @@
           </a:lstStyle>
           <a:p>
             <a:r>
-              <a:rPr lang="en-US" smtClean="0"/>
+              <a:rPr lang="en-US"/>
               <a:t>Click to edit Master subtitle style</a:t>
             </a:r>
             <a:endParaRPr lang="en-US" dirty="0"/>
@@ -855,7 +859,7 @@
           <a:p>
             <a:fld id="{5755E7A3-0450-4D83-99EB-6FE88B2CB866}" type="datetimeFigureOut">
               <a:rPr lang="vi-VN" smtClean="0"/>
-              <a:t>21/05/2021</a:t>
+              <a:t>23/05/2021</a:t>
             </a:fld>
             <a:endParaRPr lang="vi-VN"/>
           </a:p>
@@ -960,7 +964,7 @@
           </a:lstStyle>
           <a:p>
             <a:r>
-              <a:rPr lang="en-US" smtClean="0"/>
+              <a:rPr lang="en-US"/>
               <a:t>Click to edit Master title style</a:t>
             </a:r>
             <a:endParaRPr lang="en-US" dirty="0"/>
@@ -1083,7 +1087,7 @@
           <a:p>
             <a:pPr lvl="0"/>
             <a:r>
-              <a:rPr lang="en-US" smtClean="0"/>
+              <a:rPr lang="en-US"/>
               <a:t>Click to edit Master text styles</a:t>
             </a:r>
           </a:p>
@@ -1106,7 +1110,7 @@
           <a:p>
             <a:fld id="{5755E7A3-0450-4D83-99EB-6FE88B2CB866}" type="datetimeFigureOut">
               <a:rPr lang="vi-VN" smtClean="0"/>
-              <a:t>21/05/2021</a:t>
+              <a:t>23/05/2021</a:t>
             </a:fld>
             <a:endParaRPr lang="vi-VN"/>
           </a:p>
@@ -1211,7 +1215,7 @@
           </a:lstStyle>
           <a:p>
             <a:r>
-              <a:rPr lang="en-US" smtClean="0"/>
+              <a:rPr lang="en-US"/>
               <a:t>Click to edit Master title style</a:t>
             </a:r>
             <a:endParaRPr lang="en-US" dirty="0"/>
@@ -1275,7 +1279,7 @@
           <a:p>
             <a:pPr lvl="0"/>
             <a:r>
-              <a:rPr lang="en-US" smtClean="0"/>
+              <a:rPr lang="en-US"/>
               <a:t>Click to edit Master text styles</a:t>
             </a:r>
           </a:p>
@@ -1397,7 +1401,7 @@
           <a:p>
             <a:pPr lvl="0"/>
             <a:r>
-              <a:rPr lang="en-US" smtClean="0"/>
+              <a:rPr lang="en-US"/>
               <a:t>Click to edit Master text styles</a:t>
             </a:r>
           </a:p>
@@ -1420,7 +1424,7 @@
           <a:p>
             <a:fld id="{5755E7A3-0450-4D83-99EB-6FE88B2CB866}" type="datetimeFigureOut">
               <a:rPr lang="vi-VN" smtClean="0"/>
-              <a:t>21/05/2021</a:t>
+              <a:t>23/05/2021</a:t>
             </a:fld>
             <a:endParaRPr lang="vi-VN"/>
           </a:p>
@@ -1615,7 +1619,7 @@
           </a:lstStyle>
           <a:p>
             <a:r>
-              <a:rPr lang="en-US" smtClean="0"/>
+              <a:rPr lang="en-US"/>
               <a:t>Click to edit Master title style</a:t>
             </a:r>
             <a:endParaRPr lang="en-US" dirty="0"/>
@@ -1738,7 +1742,7 @@
           <a:p>
             <a:pPr lvl="0"/>
             <a:r>
-              <a:rPr lang="en-US" smtClean="0"/>
+              <a:rPr lang="en-US"/>
               <a:t>Click to edit Master text styles</a:t>
             </a:r>
           </a:p>
@@ -1761,7 +1765,7 @@
           <a:p>
             <a:fld id="{5755E7A3-0450-4D83-99EB-6FE88B2CB866}" type="datetimeFigureOut">
               <a:rPr lang="vi-VN" smtClean="0"/>
-              <a:t>21/05/2021</a:t>
+              <a:t>23/05/2021</a:t>
             </a:fld>
             <a:endParaRPr lang="vi-VN"/>
           </a:p>
@@ -1866,7 +1870,7 @@
           </a:lstStyle>
           <a:p>
             <a:r>
-              <a:rPr lang="en-US" smtClean="0"/>
+              <a:rPr lang="en-US"/>
               <a:t>Click to edit Master title style</a:t>
             </a:r>
             <a:endParaRPr lang="en-US" dirty="0"/>
@@ -1930,7 +1934,7 @@
           <a:p>
             <a:pPr lvl="0"/>
             <a:r>
-              <a:rPr lang="en-US" smtClean="0"/>
+              <a:rPr lang="en-US"/>
               <a:t>Click to edit Master text styles</a:t>
             </a:r>
           </a:p>
@@ -2052,7 +2056,7 @@
           <a:p>
             <a:pPr lvl="0"/>
             <a:r>
-              <a:rPr lang="en-US" smtClean="0"/>
+              <a:rPr lang="en-US"/>
               <a:t>Click to edit Master text styles</a:t>
             </a:r>
           </a:p>
@@ -2075,7 +2079,7 @@
           <a:p>
             <a:fld id="{5755E7A3-0450-4D83-99EB-6FE88B2CB866}" type="datetimeFigureOut">
               <a:rPr lang="vi-VN" smtClean="0"/>
-              <a:t>21/05/2021</a:t>
+              <a:t>23/05/2021</a:t>
             </a:fld>
             <a:endParaRPr lang="vi-VN"/>
           </a:p>
@@ -2262,7 +2266,7 @@
           </a:lstStyle>
           <a:p>
             <a:r>
-              <a:rPr lang="en-US" smtClean="0"/>
+              <a:rPr lang="en-US"/>
               <a:t>Click to edit Master title style</a:t>
             </a:r>
             <a:endParaRPr lang="en-US" dirty="0"/>
@@ -2323,7 +2327,7 @@
           <a:p>
             <a:pPr lvl="0"/>
             <a:r>
-              <a:rPr lang="en-US" smtClean="0"/>
+              <a:rPr lang="en-US"/>
               <a:t>Click to edit Master text styles</a:t>
             </a:r>
           </a:p>
@@ -2445,7 +2449,7 @@
           <a:p>
             <a:pPr lvl="0"/>
             <a:r>
-              <a:rPr lang="en-US" smtClean="0"/>
+              <a:rPr lang="en-US"/>
               <a:t>Click to edit Master text styles</a:t>
             </a:r>
           </a:p>
@@ -2468,7 +2472,7 @@
           <a:p>
             <a:fld id="{5755E7A3-0450-4D83-99EB-6FE88B2CB866}" type="datetimeFigureOut">
               <a:rPr lang="vi-VN" smtClean="0"/>
-              <a:t>21/05/2021</a:t>
+              <a:t>23/05/2021</a:t>
             </a:fld>
             <a:endParaRPr lang="vi-VN"/>
           </a:p>
@@ -2562,7 +2566,7 @@
           <a:lstStyle/>
           <a:p>
             <a:r>
-              <a:rPr lang="en-US" smtClean="0"/>
+              <a:rPr lang="en-US"/>
               <a:t>Click to edit Master title style</a:t>
             </a:r>
             <a:endParaRPr lang="en-US" dirty="0"/>
@@ -2586,35 +2590,35 @@
           <a:p>
             <a:pPr lvl="0"/>
             <a:r>
-              <a:rPr lang="en-US" smtClean="0"/>
+              <a:rPr lang="en-US"/>
               <a:t>Click to edit Master text styles</a:t>
             </a:r>
           </a:p>
           <a:p>
             <a:pPr lvl="1"/>
             <a:r>
-              <a:rPr lang="en-US" smtClean="0"/>
+              <a:rPr lang="en-US"/>
               <a:t>Second level</a:t>
             </a:r>
           </a:p>
           <a:p>
             <a:pPr lvl="2"/>
             <a:r>
-              <a:rPr lang="en-US" smtClean="0"/>
+              <a:rPr lang="en-US"/>
               <a:t>Third level</a:t>
             </a:r>
           </a:p>
           <a:p>
             <a:pPr lvl="3"/>
             <a:r>
-              <a:rPr lang="en-US" smtClean="0"/>
+              <a:rPr lang="en-US"/>
               <a:t>Fourth level</a:t>
             </a:r>
           </a:p>
           <a:p>
             <a:pPr lvl="4"/>
             <a:r>
-              <a:rPr lang="en-US" smtClean="0"/>
+              <a:rPr lang="en-US"/>
               <a:t>Fifth level</a:t>
             </a:r>
             <a:endParaRPr lang="en-US" dirty="0"/>
@@ -2638,7 +2642,7 @@
           <a:p>
             <a:fld id="{5755E7A3-0450-4D83-99EB-6FE88B2CB866}" type="datetimeFigureOut">
               <a:rPr lang="vi-VN" smtClean="0"/>
-              <a:t>21/05/2021</a:t>
+              <a:t>23/05/2021</a:t>
             </a:fld>
             <a:endParaRPr lang="vi-VN"/>
           </a:p>
@@ -2737,7 +2741,7 @@
           <a:lstStyle/>
           <a:p>
             <a:r>
-              <a:rPr lang="en-US" smtClean="0"/>
+              <a:rPr lang="en-US"/>
               <a:t>Click to edit Master title style</a:t>
             </a:r>
             <a:endParaRPr lang="en-US" dirty="0"/>
@@ -2766,35 +2770,35 @@
           <a:p>
             <a:pPr lvl="0"/>
             <a:r>
-              <a:rPr lang="en-US" smtClean="0"/>
+              <a:rPr lang="en-US"/>
               <a:t>Click to edit Master text styles</a:t>
             </a:r>
           </a:p>
           <a:p>
             <a:pPr lvl="1"/>
             <a:r>
-              <a:rPr lang="en-US" smtClean="0"/>
+              <a:rPr lang="en-US"/>
               <a:t>Second level</a:t>
             </a:r>
           </a:p>
           <a:p>
             <a:pPr lvl="2"/>
             <a:r>
-              <a:rPr lang="en-US" smtClean="0"/>
+              <a:rPr lang="en-US"/>
               <a:t>Third level</a:t>
             </a:r>
           </a:p>
           <a:p>
             <a:pPr lvl="3"/>
             <a:r>
-              <a:rPr lang="en-US" smtClean="0"/>
+              <a:rPr lang="en-US"/>
               <a:t>Fourth level</a:t>
             </a:r>
           </a:p>
           <a:p>
             <a:pPr lvl="4"/>
             <a:r>
-              <a:rPr lang="en-US" smtClean="0"/>
+              <a:rPr lang="en-US"/>
               <a:t>Fifth level</a:t>
             </a:r>
             <a:endParaRPr lang="en-US" dirty="0"/>
@@ -2818,7 +2822,7 @@
           <a:p>
             <a:fld id="{5755E7A3-0450-4D83-99EB-6FE88B2CB866}" type="datetimeFigureOut">
               <a:rPr lang="vi-VN" smtClean="0"/>
-              <a:t>21/05/2021</a:t>
+              <a:t>23/05/2021</a:t>
             </a:fld>
             <a:endParaRPr lang="vi-VN"/>
           </a:p>
@@ -2918,7 +2922,7 @@
           </a:lstStyle>
           <a:p>
             <a:r>
-              <a:rPr lang="en-US" smtClean="0"/>
+              <a:rPr lang="en-US"/>
               <a:t>Click to edit Master title style</a:t>
             </a:r>
             <a:endParaRPr lang="en-US" dirty="0"/>
@@ -2942,35 +2946,35 @@
           <a:p>
             <a:pPr lvl="0"/>
             <a:r>
-              <a:rPr lang="en-US" smtClean="0"/>
+              <a:rPr lang="en-US"/>
               <a:t>Click to edit Master text styles</a:t>
             </a:r>
           </a:p>
           <a:p>
             <a:pPr lvl="1"/>
             <a:r>
-              <a:rPr lang="en-US" smtClean="0"/>
+              <a:rPr lang="en-US"/>
               <a:t>Second level</a:t>
             </a:r>
           </a:p>
           <a:p>
             <a:pPr lvl="2"/>
             <a:r>
-              <a:rPr lang="en-US" smtClean="0"/>
+              <a:rPr lang="en-US"/>
               <a:t>Third level</a:t>
             </a:r>
           </a:p>
           <a:p>
             <a:pPr lvl="3"/>
             <a:r>
-              <a:rPr lang="en-US" smtClean="0"/>
+              <a:rPr lang="en-US"/>
               <a:t>Fourth level</a:t>
             </a:r>
           </a:p>
           <a:p>
             <a:pPr lvl="4"/>
             <a:r>
-              <a:rPr lang="en-US" smtClean="0"/>
+              <a:rPr lang="en-US"/>
               <a:t>Fifth level</a:t>
             </a:r>
             <a:endParaRPr lang="en-US" dirty="0"/>
@@ -2994,7 +2998,7 @@
           <a:p>
             <a:fld id="{5755E7A3-0450-4D83-99EB-6FE88B2CB866}" type="datetimeFigureOut">
               <a:rPr lang="vi-VN" smtClean="0"/>
-              <a:t>21/05/2021</a:t>
+              <a:t>23/05/2021</a:t>
             </a:fld>
             <a:endParaRPr lang="vi-VN"/>
           </a:p>
@@ -3097,7 +3101,7 @@
           </a:lstStyle>
           <a:p>
             <a:r>
-              <a:rPr lang="en-US" smtClean="0"/>
+              <a:rPr lang="en-US"/>
               <a:t>Click to edit Master title style</a:t>
             </a:r>
             <a:endParaRPr lang="en-US" dirty="0"/>
@@ -3218,7 +3222,7 @@
           <a:p>
             <a:pPr lvl="0"/>
             <a:r>
-              <a:rPr lang="en-US" smtClean="0"/>
+              <a:rPr lang="en-US"/>
               <a:t>Click to edit Master text styles</a:t>
             </a:r>
           </a:p>
@@ -3241,7 +3245,7 @@
           <a:p>
             <a:fld id="{5755E7A3-0450-4D83-99EB-6FE88B2CB866}" type="datetimeFigureOut">
               <a:rPr lang="vi-VN" smtClean="0"/>
-              <a:t>21/05/2021</a:t>
+              <a:t>23/05/2021</a:t>
             </a:fld>
             <a:endParaRPr lang="vi-VN"/>
           </a:p>
@@ -3335,7 +3339,7 @@
           <a:lstStyle/>
           <a:p>
             <a:r>
-              <a:rPr lang="en-US" smtClean="0"/>
+              <a:rPr lang="en-US"/>
               <a:t>Click to edit Master title style</a:t>
             </a:r>
             <a:endParaRPr lang="en-US" dirty="0"/>
@@ -3364,35 +3368,35 @@
           <a:p>
             <a:pPr lvl="0"/>
             <a:r>
-              <a:rPr lang="en-US" smtClean="0"/>
+              <a:rPr lang="en-US"/>
               <a:t>Click to edit Master text styles</a:t>
             </a:r>
           </a:p>
           <a:p>
             <a:pPr lvl="1"/>
             <a:r>
-              <a:rPr lang="en-US" smtClean="0"/>
+              <a:rPr lang="en-US"/>
               <a:t>Second level</a:t>
             </a:r>
           </a:p>
           <a:p>
             <a:pPr lvl="2"/>
             <a:r>
-              <a:rPr lang="en-US" smtClean="0"/>
+              <a:rPr lang="en-US"/>
               <a:t>Third level</a:t>
             </a:r>
           </a:p>
           <a:p>
             <a:pPr lvl="3"/>
             <a:r>
-              <a:rPr lang="en-US" smtClean="0"/>
+              <a:rPr lang="en-US"/>
               <a:t>Fourth level</a:t>
             </a:r>
           </a:p>
           <a:p>
             <a:pPr lvl="4"/>
             <a:r>
-              <a:rPr lang="en-US" smtClean="0"/>
+              <a:rPr lang="en-US"/>
               <a:t>Fifth level</a:t>
             </a:r>
             <a:endParaRPr lang="en-US" dirty="0"/>
@@ -3421,35 +3425,35 @@
           <a:p>
             <a:pPr lvl="0"/>
             <a:r>
-              <a:rPr lang="en-US" smtClean="0"/>
+              <a:rPr lang="en-US"/>
               <a:t>Click to edit Master text styles</a:t>
             </a:r>
           </a:p>
           <a:p>
             <a:pPr lvl="1"/>
             <a:r>
-              <a:rPr lang="en-US" smtClean="0"/>
+              <a:rPr lang="en-US"/>
               <a:t>Second level</a:t>
             </a:r>
           </a:p>
           <a:p>
             <a:pPr lvl="2"/>
             <a:r>
-              <a:rPr lang="en-US" smtClean="0"/>
+              <a:rPr lang="en-US"/>
               <a:t>Third level</a:t>
             </a:r>
           </a:p>
           <a:p>
             <a:pPr lvl="3"/>
             <a:r>
-              <a:rPr lang="en-US" smtClean="0"/>
+              <a:rPr lang="en-US"/>
               <a:t>Fourth level</a:t>
             </a:r>
           </a:p>
           <a:p>
             <a:pPr lvl="4"/>
             <a:r>
-              <a:rPr lang="en-US" smtClean="0"/>
+              <a:rPr lang="en-US"/>
               <a:t>Fifth level</a:t>
             </a:r>
             <a:endParaRPr lang="en-US" dirty="0"/>
@@ -3473,7 +3477,7 @@
           <a:p>
             <a:fld id="{5755E7A3-0450-4D83-99EB-6FE88B2CB866}" type="datetimeFigureOut">
               <a:rPr lang="vi-VN" smtClean="0"/>
-              <a:t>21/05/2021</a:t>
+              <a:t>23/05/2021</a:t>
             </a:fld>
             <a:endParaRPr lang="vi-VN"/>
           </a:p>
@@ -3571,7 +3575,7 @@
           </a:lstStyle>
           <a:p>
             <a:r>
-              <a:rPr lang="en-US" smtClean="0"/>
+              <a:rPr lang="en-US"/>
               <a:t>Click to edit Master title style</a:t>
             </a:r>
             <a:endParaRPr lang="en-US" dirty="0"/>
@@ -3639,7 +3643,7 @@
           <a:p>
             <a:pPr lvl="0"/>
             <a:r>
-              <a:rPr lang="en-US" smtClean="0"/>
+              <a:rPr lang="en-US"/>
               <a:t>Click to edit Master text styles</a:t>
             </a:r>
           </a:p>
@@ -3669,35 +3673,35 @@
           <a:p>
             <a:pPr lvl="0"/>
             <a:r>
-              <a:rPr lang="en-US" smtClean="0"/>
+              <a:rPr lang="en-US"/>
               <a:t>Click to edit Master text styles</a:t>
             </a:r>
           </a:p>
           <a:p>
             <a:pPr lvl="1"/>
             <a:r>
-              <a:rPr lang="en-US" smtClean="0"/>
+              <a:rPr lang="en-US"/>
               <a:t>Second level</a:t>
             </a:r>
           </a:p>
           <a:p>
             <a:pPr lvl="2"/>
             <a:r>
-              <a:rPr lang="en-US" smtClean="0"/>
+              <a:rPr lang="en-US"/>
               <a:t>Third level</a:t>
             </a:r>
           </a:p>
           <a:p>
             <a:pPr lvl="3"/>
             <a:r>
-              <a:rPr lang="en-US" smtClean="0"/>
+              <a:rPr lang="en-US"/>
               <a:t>Fourth level</a:t>
             </a:r>
           </a:p>
           <a:p>
             <a:pPr lvl="4"/>
             <a:r>
-              <a:rPr lang="en-US" smtClean="0"/>
+              <a:rPr lang="en-US"/>
               <a:t>Fifth level</a:t>
             </a:r>
             <a:endParaRPr lang="en-US" dirty="0"/>
@@ -3765,7 +3769,7 @@
           <a:p>
             <a:pPr lvl="0"/>
             <a:r>
-              <a:rPr lang="en-US" smtClean="0"/>
+              <a:rPr lang="en-US"/>
               <a:t>Click to edit Master text styles</a:t>
             </a:r>
           </a:p>
@@ -3795,35 +3799,35 @@
           <a:p>
             <a:pPr lvl="0"/>
             <a:r>
-              <a:rPr lang="en-US" smtClean="0"/>
+              <a:rPr lang="en-US"/>
               <a:t>Click to edit Master text styles</a:t>
             </a:r>
           </a:p>
           <a:p>
             <a:pPr lvl="1"/>
             <a:r>
-              <a:rPr lang="en-US" smtClean="0"/>
+              <a:rPr lang="en-US"/>
               <a:t>Second level</a:t>
             </a:r>
           </a:p>
           <a:p>
             <a:pPr lvl="2"/>
             <a:r>
-              <a:rPr lang="en-US" smtClean="0"/>
+              <a:rPr lang="en-US"/>
               <a:t>Third level</a:t>
             </a:r>
           </a:p>
           <a:p>
             <a:pPr lvl="3"/>
             <a:r>
-              <a:rPr lang="en-US" smtClean="0"/>
+              <a:rPr lang="en-US"/>
               <a:t>Fourth level</a:t>
             </a:r>
           </a:p>
           <a:p>
             <a:pPr lvl="4"/>
             <a:r>
-              <a:rPr lang="en-US" smtClean="0"/>
+              <a:rPr lang="en-US"/>
               <a:t>Fifth level</a:t>
             </a:r>
             <a:endParaRPr lang="en-US" dirty="0"/>
@@ -3847,7 +3851,7 @@
           <a:p>
             <a:fld id="{5755E7A3-0450-4D83-99EB-6FE88B2CB866}" type="datetimeFigureOut">
               <a:rPr lang="vi-VN" smtClean="0"/>
-              <a:t>21/05/2021</a:t>
+              <a:t>23/05/2021</a:t>
             </a:fld>
             <a:endParaRPr lang="vi-VN"/>
           </a:p>
@@ -3946,7 +3950,7 @@
           <a:lstStyle/>
           <a:p>
             <a:r>
-              <a:rPr lang="en-US" smtClean="0"/>
+              <a:rPr lang="en-US"/>
               <a:t>Click to edit Master title style</a:t>
             </a:r>
             <a:endParaRPr lang="en-US" dirty="0"/>
@@ -3970,7 +3974,7 @@
           <a:p>
             <a:fld id="{5755E7A3-0450-4D83-99EB-6FE88B2CB866}" type="datetimeFigureOut">
               <a:rPr lang="vi-VN" smtClean="0"/>
-              <a:t>21/05/2021</a:t>
+              <a:t>23/05/2021</a:t>
             </a:fld>
             <a:endParaRPr lang="vi-VN"/>
           </a:p>
@@ -4065,7 +4069,7 @@
           <a:p>
             <a:fld id="{5755E7A3-0450-4D83-99EB-6FE88B2CB866}" type="datetimeFigureOut">
               <a:rPr lang="vi-VN" smtClean="0"/>
-              <a:t>21/05/2021</a:t>
+              <a:t>23/05/2021</a:t>
             </a:fld>
             <a:endParaRPr lang="vi-VN"/>
           </a:p>
@@ -4170,7 +4174,7 @@
           </a:lstStyle>
           <a:p>
             <a:r>
-              <a:rPr lang="en-US" smtClean="0"/>
+              <a:rPr lang="en-US"/>
               <a:t>Click to edit Master title style</a:t>
             </a:r>
             <a:endParaRPr lang="en-US" dirty="0"/>
@@ -4201,35 +4205,35 @@
           <a:p>
             <a:pPr lvl="0"/>
             <a:r>
-              <a:rPr lang="en-US" smtClean="0"/>
+              <a:rPr lang="en-US"/>
               <a:t>Click to edit Master text styles</a:t>
             </a:r>
           </a:p>
           <a:p>
             <a:pPr lvl="1"/>
             <a:r>
-              <a:rPr lang="en-US" smtClean="0"/>
+              <a:rPr lang="en-US"/>
               <a:t>Second level</a:t>
             </a:r>
           </a:p>
           <a:p>
             <a:pPr lvl="2"/>
             <a:r>
-              <a:rPr lang="en-US" smtClean="0"/>
+              <a:rPr lang="en-US"/>
               <a:t>Third level</a:t>
             </a:r>
           </a:p>
           <a:p>
             <a:pPr lvl="3"/>
             <a:r>
-              <a:rPr lang="en-US" smtClean="0"/>
+              <a:rPr lang="en-US"/>
               <a:t>Fourth level</a:t>
             </a:r>
           </a:p>
           <a:p>
             <a:pPr lvl="4"/>
             <a:r>
-              <a:rPr lang="en-US" smtClean="0"/>
+              <a:rPr lang="en-US"/>
               <a:t>Fifth level</a:t>
             </a:r>
             <a:endParaRPr lang="en-US" dirty="0"/>
@@ -4297,7 +4301,7 @@
           <a:p>
             <a:pPr lvl="0"/>
             <a:r>
-              <a:rPr lang="en-US" smtClean="0"/>
+              <a:rPr lang="en-US"/>
               <a:t>Click to edit Master text styles</a:t>
             </a:r>
           </a:p>
@@ -4320,7 +4324,7 @@
           <a:p>
             <a:fld id="{5755E7A3-0450-4D83-99EB-6FE88B2CB866}" type="datetimeFigureOut">
               <a:rPr lang="vi-VN" smtClean="0"/>
-              <a:t>21/05/2021</a:t>
+              <a:t>23/05/2021</a:t>
             </a:fld>
             <a:endParaRPr lang="vi-VN"/>
           </a:p>
@@ -4425,7 +4429,7 @@
           </a:lstStyle>
           <a:p>
             <a:r>
-              <a:rPr lang="en-US" smtClean="0"/>
+              <a:rPr lang="en-US"/>
               <a:t>Click to edit Master title style</a:t>
             </a:r>
             <a:endParaRPr lang="en-US" dirty="0"/>
@@ -4492,7 +4496,7 @@
           </a:lstStyle>
           <a:p>
             <a:r>
-              <a:rPr lang="en-US" smtClean="0"/>
+              <a:rPr lang="en-US"/>
               <a:t>Click icon to add picture</a:t>
             </a:r>
             <a:endParaRPr lang="en-US" dirty="0"/>
@@ -4560,7 +4564,7 @@
           <a:p>
             <a:pPr lvl="0"/>
             <a:r>
-              <a:rPr lang="en-US" smtClean="0"/>
+              <a:rPr lang="en-US"/>
               <a:t>Click to edit Master text styles</a:t>
             </a:r>
           </a:p>
@@ -4583,7 +4587,7 @@
           <a:p>
             <a:fld id="{5755E7A3-0450-4D83-99EB-6FE88B2CB866}" type="datetimeFigureOut">
               <a:rPr lang="vi-VN" smtClean="0"/>
-              <a:t>21/05/2021</a:t>
+              <a:t>23/05/2021</a:t>
             </a:fld>
             <a:endParaRPr lang="vi-VN"/>
           </a:p>
@@ -5222,7 +5226,7 @@
           <a:lstStyle/>
           <a:p>
             <a:r>
-              <a:rPr lang="en-US" smtClean="0"/>
+              <a:rPr lang="en-US"/>
               <a:t>Click to edit Master title style</a:t>
             </a:r>
             <a:endParaRPr lang="en-US" dirty="0"/>
@@ -5256,35 +5260,35 @@
           <a:p>
             <a:pPr lvl="0"/>
             <a:r>
-              <a:rPr lang="en-US" smtClean="0"/>
+              <a:rPr lang="en-US"/>
               <a:t>Click to edit Master text styles</a:t>
             </a:r>
           </a:p>
           <a:p>
             <a:pPr lvl="1"/>
             <a:r>
-              <a:rPr lang="en-US" smtClean="0"/>
+              <a:rPr lang="en-US"/>
               <a:t>Second level</a:t>
             </a:r>
           </a:p>
           <a:p>
             <a:pPr lvl="2"/>
             <a:r>
-              <a:rPr lang="en-US" smtClean="0"/>
+              <a:rPr lang="en-US"/>
               <a:t>Third level</a:t>
             </a:r>
           </a:p>
           <a:p>
             <a:pPr lvl="3"/>
             <a:r>
-              <a:rPr lang="en-US" smtClean="0"/>
+              <a:rPr lang="en-US"/>
               <a:t>Fourth level</a:t>
             </a:r>
           </a:p>
           <a:p>
             <a:pPr lvl="4"/>
             <a:r>
-              <a:rPr lang="en-US" smtClean="0"/>
+              <a:rPr lang="en-US"/>
               <a:t>Fifth level</a:t>
             </a:r>
             <a:endParaRPr lang="en-US" dirty="0"/>
@@ -5326,7 +5330,7 @@
           <a:p>
             <a:fld id="{5755E7A3-0450-4D83-99EB-6FE88B2CB866}" type="datetimeFigureOut">
               <a:rPr lang="vi-VN" smtClean="0"/>
-              <a:t>21/05/2021</a:t>
+              <a:t>23/05/2021</a:t>
             </a:fld>
             <a:endParaRPr lang="vi-VN"/>
           </a:p>
@@ -5871,7 +5875,7 @@
           <a:lstStyle/>
           <a:p>
             <a:r>
-              <a:rPr lang="en-US" sz="7200" b="1" dirty="0" smtClean="0">
+              <a:rPr lang="en-US" sz="7200" b="1" dirty="0">
                 <a:latin typeface="SVN-Agency FB" panose="02040603050506020204" pitchFamily="18" charset="0"/>
               </a:rPr>
               <a:t>DỰ ÁN LATEX CƠ BẢN</a:t>
@@ -5903,49 +5907,49 @@
           <a:lstStyle/>
           <a:p>
             <a:r>
-              <a:rPr lang="en-US" sz="3200" dirty="0" err="1" smtClean="0">
+              <a:rPr lang="en-US" sz="3200" dirty="0" err="1">
                 <a:latin typeface="Times New Roman" panose="02020603050405020304" pitchFamily="18" charset="0"/>
                 <a:cs typeface="Times New Roman" panose="02020603050405020304" pitchFamily="18" charset="0"/>
               </a:rPr>
               <a:t>Nhóm</a:t>
             </a:r>
             <a:r>
-              <a:rPr lang="en-US" sz="3200" dirty="0" smtClean="0">
+              <a:rPr lang="en-US" sz="3200" dirty="0">
                 <a:latin typeface="Times New Roman" panose="02020603050405020304" pitchFamily="18" charset="0"/>
                 <a:cs typeface="Times New Roman" panose="02020603050405020304" pitchFamily="18" charset="0"/>
               </a:rPr>
               <a:t> </a:t>
             </a:r>
             <a:r>
-              <a:rPr lang="en-US" sz="3200" dirty="0" err="1" smtClean="0">
+              <a:rPr lang="en-US" sz="3200" dirty="0" err="1">
                 <a:latin typeface="Times New Roman" panose="02020603050405020304" pitchFamily="18" charset="0"/>
                 <a:cs typeface="Times New Roman" panose="02020603050405020304" pitchFamily="18" charset="0"/>
               </a:rPr>
               <a:t>Mèo</a:t>
             </a:r>
             <a:r>
-              <a:rPr lang="en-US" sz="3200" dirty="0" smtClean="0">
+              <a:rPr lang="en-US" sz="3200" dirty="0">
                 <a:latin typeface="Times New Roman" panose="02020603050405020304" pitchFamily="18" charset="0"/>
                 <a:cs typeface="Times New Roman" panose="02020603050405020304" pitchFamily="18" charset="0"/>
               </a:rPr>
               <a:t> </a:t>
             </a:r>
             <a:r>
-              <a:rPr lang="en-US" sz="3200" dirty="0" err="1" smtClean="0">
+              <a:rPr lang="en-US" sz="3200" dirty="0" err="1">
                 <a:latin typeface="Times New Roman" panose="02020603050405020304" pitchFamily="18" charset="0"/>
                 <a:cs typeface="Times New Roman" panose="02020603050405020304" pitchFamily="18" charset="0"/>
               </a:rPr>
               <a:t>Méo</a:t>
             </a:r>
             <a:r>
-              <a:rPr lang="en-US" sz="3200" dirty="0" smtClean="0">
+              <a:rPr lang="en-US" sz="3200" dirty="0">
                 <a:latin typeface="Times New Roman" panose="02020603050405020304" pitchFamily="18" charset="0"/>
                 <a:cs typeface="Times New Roman" panose="02020603050405020304" pitchFamily="18" charset="0"/>
               </a:rPr>
               <a:t> </a:t>
             </a:r>
             <a:r>
-              <a:rPr lang="en-US" sz="3200" dirty="0" err="1" smtClean="0">
+              <a:rPr lang="en-US" sz="3200" dirty="0" err="1">
                 <a:latin typeface="Times New Roman" panose="02020603050405020304" pitchFamily="18" charset="0"/>
                 <a:cs typeface="Times New Roman" panose="02020603050405020304" pitchFamily="18" charset="0"/>
               </a:rPr>
@@ -5968,13 +5972,6 @@
   <p:clrMapOvr>
     <a:masterClrMapping/>
   </p:clrMapOvr>
-  <p:timing>
-    <p:tnLst>
-      <p:par>
-        <p:cTn id="1" dur="indefinite" restart="never" nodeType="tmRoot"/>
-      </p:par>
-    </p:tnLst>
-  </p:timing>
 </p:sld>
 </file>
 
@@ -6010,103 +6007,10 @@
           <a:bodyPr/>
           <a:lstStyle/>
           <a:p>
-            <a:endParaRPr lang="vi-VN"/>
-          </a:p>
-        </p:txBody>
-      </p:sp>
-      <p:sp>
-        <p:nvSpPr>
-          <p:cNvPr id="3" name="Content Placeholder 2"/>
-          <p:cNvSpPr>
-            <a:spLocks noGrp="1"/>
-          </p:cNvSpPr>
-          <p:nvPr>
-            <p:ph idx="1"/>
-          </p:nvPr>
-        </p:nvSpPr>
-        <p:spPr/>
-        <p:txBody>
-          <a:bodyPr/>
-          <a:lstStyle/>
-          <a:p>
-            <a:endParaRPr lang="vi-VN"/>
-          </a:p>
-        </p:txBody>
-      </p:sp>
-      <p:pic>
-        <p:nvPicPr>
-          <p:cNvPr id="4" name="Picture 3"/>
-          <p:cNvPicPr>
-            <a:picLocks noChangeAspect="1"/>
-          </p:cNvPicPr>
-          <p:nvPr/>
-        </p:nvPicPr>
-        <p:blipFill>
-          <a:blip r:embed="rId2"/>
-          <a:stretch>
-            <a:fillRect/>
-          </a:stretch>
-        </p:blipFill>
-        <p:spPr>
-          <a:xfrm>
-            <a:off x="485192" y="698505"/>
-            <a:ext cx="8980952" cy="5342857"/>
-          </a:xfrm>
-          <a:prstGeom prst="rect">
-            <a:avLst/>
-          </a:prstGeom>
-        </p:spPr>
-      </p:pic>
-    </p:spTree>
-    <p:extLst>
-      <p:ext uri="{BB962C8B-B14F-4D97-AF65-F5344CB8AC3E}">
-        <p14:creationId xmlns:p14="http://schemas.microsoft.com/office/powerpoint/2010/main" val="19904176"/>
-      </p:ext>
-    </p:extLst>
-  </p:cSld>
-  <p:clrMapOvr>
-    <a:masterClrMapping/>
-  </p:clrMapOvr>
-</p:sld>
-</file>
-
-<file path=ppt/slides/slide11.xml><?xml version="1.0" encoding="utf-8"?>
-<p:sld xmlns:a="http://schemas.openxmlformats.org/drawingml/2006/main" xmlns:r="http://schemas.openxmlformats.org/officeDocument/2006/relationships" xmlns:p="http://schemas.openxmlformats.org/presentationml/2006/main">
-  <p:cSld>
-    <p:spTree>
-      <p:nvGrpSpPr>
-        <p:cNvPr id="1" name=""/>
-        <p:cNvGrpSpPr/>
-        <p:nvPr/>
-      </p:nvGrpSpPr>
-      <p:grpSpPr>
-        <a:xfrm>
-          <a:off x="0" y="0"/>
-          <a:ext cx="0" cy="0"/>
-          <a:chOff x="0" y="0"/>
-          <a:chExt cx="0" cy="0"/>
-        </a:xfrm>
-      </p:grpSpPr>
-      <p:sp>
-        <p:nvSpPr>
-          <p:cNvPr id="2" name="Title 1"/>
-          <p:cNvSpPr>
-            <a:spLocks noGrp="1"/>
-          </p:cNvSpPr>
-          <p:nvPr>
-            <p:ph type="title"/>
-          </p:nvPr>
-        </p:nvSpPr>
-        <p:spPr/>
-        <p:txBody>
-          <a:bodyPr/>
-          <a:lstStyle/>
-          <a:p>
-            <a:r>
-              <a:rPr lang="vi-VN" dirty="0" smtClean="0"/>
+            <a:r>
+              <a:rPr lang="vi-VN" dirty="0"/>
               <a:t>LATEX HỖ TRỢ CÁC LOẠI PHÔNG MẶC ĐỊNH </a:t>
             </a:r>
-            <a:endParaRPr lang="vi-VN" dirty="0"/>
           </a:p>
         </p:txBody>
       </p:sp>
@@ -6147,6 +6051,98 @@
 </p:sld>
 </file>
 
+<file path=ppt/slides/slide11.xml><?xml version="1.0" encoding="utf-8"?>
+<p:sld xmlns:a="http://schemas.openxmlformats.org/drawingml/2006/main" xmlns:r="http://schemas.openxmlformats.org/officeDocument/2006/relationships" xmlns:p="http://schemas.openxmlformats.org/presentationml/2006/main">
+  <p:cSld>
+    <p:spTree>
+      <p:nvGrpSpPr>
+        <p:cNvPr id="1" name=""/>
+        <p:cNvGrpSpPr/>
+        <p:nvPr/>
+      </p:nvGrpSpPr>
+      <p:grpSpPr>
+        <a:xfrm>
+          <a:off x="0" y="0"/>
+          <a:ext cx="0" cy="0"/>
+          <a:chOff x="0" y="0"/>
+          <a:chExt cx="0" cy="0"/>
+        </a:xfrm>
+      </p:grpSpPr>
+      <p:sp>
+        <p:nvSpPr>
+          <p:cNvPr id="2" name="Title 1"/>
+          <p:cNvSpPr>
+            <a:spLocks noGrp="1"/>
+          </p:cNvSpPr>
+          <p:nvPr>
+            <p:ph type="title"/>
+          </p:nvPr>
+        </p:nvSpPr>
+        <p:spPr/>
+        <p:txBody>
+          <a:bodyPr/>
+          <a:lstStyle/>
+          <a:p>
+            <a:endParaRPr lang="vi-VN"/>
+          </a:p>
+        </p:txBody>
+      </p:sp>
+      <p:sp>
+        <p:nvSpPr>
+          <p:cNvPr id="3" name="Content Placeholder 2"/>
+          <p:cNvSpPr>
+            <a:spLocks noGrp="1"/>
+          </p:cNvSpPr>
+          <p:nvPr>
+            <p:ph idx="1"/>
+          </p:nvPr>
+        </p:nvSpPr>
+        <p:spPr/>
+        <p:txBody>
+          <a:bodyPr/>
+          <a:lstStyle/>
+          <a:p>
+            <a:endParaRPr lang="vi-VN"/>
+          </a:p>
+        </p:txBody>
+      </p:sp>
+      <p:pic>
+        <p:nvPicPr>
+          <p:cNvPr id="4" name="Picture 3"/>
+          <p:cNvPicPr>
+            <a:picLocks noChangeAspect="1"/>
+          </p:cNvPicPr>
+          <p:nvPr/>
+        </p:nvPicPr>
+        <p:blipFill>
+          <a:blip r:embed="rId2"/>
+          <a:stretch>
+            <a:fillRect/>
+          </a:stretch>
+        </p:blipFill>
+        <p:spPr>
+          <a:xfrm>
+            <a:off x="594249" y="609600"/>
+            <a:ext cx="8980952" cy="5514363"/>
+          </a:xfrm>
+          <a:prstGeom prst="rect">
+            <a:avLst/>
+          </a:prstGeom>
+        </p:spPr>
+      </p:pic>
+    </p:spTree>
+    <p:extLst>
+      <p:ext uri="{BB962C8B-B14F-4D97-AF65-F5344CB8AC3E}">
+        <p14:creationId xmlns:p14="http://schemas.microsoft.com/office/powerpoint/2010/main" val="19904176"/>
+      </p:ext>
+    </p:extLst>
+  </p:cSld>
+  <p:clrMapOvr>
+    <a:masterClrMapping/>
+  </p:clrMapOvr>
+</p:sld>
+</file>
+
 <file path=ppt/slides/slide12.xml><?xml version="1.0" encoding="utf-8"?>
 <p:sld xmlns:a="http://schemas.openxmlformats.org/drawingml/2006/main" xmlns:r="http://schemas.openxmlformats.org/officeDocument/2006/relationships" xmlns:p="http://schemas.openxmlformats.org/presentationml/2006/main">
   <p:cSld>
@@ -6166,142 +6162,316 @@
       </p:grpSpPr>
       <p:sp>
         <p:nvSpPr>
-          <p:cNvPr id="2" name="Title 1"/>
+          <p:cNvPr id="2" name="Title 1">
+            <a:extLst>
+              <a:ext uri="{FF2B5EF4-FFF2-40B4-BE49-F238E27FC236}">
+                <a16:creationId xmlns:a16="http://schemas.microsoft.com/office/drawing/2014/main" id="{E5766233-32F7-4505-A48F-90D92E647BC6}"/>
+              </a:ext>
+            </a:extLst>
+          </p:cNvPr>
           <p:cNvSpPr>
             <a:spLocks noGrp="1"/>
           </p:cNvSpPr>
           <p:nvPr>
             <p:ph type="title"/>
-          </p:nvPr>
-        </p:nvSpPr>
-        <p:spPr/>
-        <p:txBody>
-          <a:bodyPr/>
-          <a:lstStyle/>
-          <a:p>
-            <a:r>
-              <a:rPr lang="vi-VN" dirty="0" smtClean="0"/>
-              <a:t>ĐỔI MÀU CHỮ TRONG LATEX</a:t>
-            </a:r>
-            <a:endParaRPr lang="vi-VN" dirty="0"/>
-          </a:p>
-        </p:txBody>
-      </p:sp>
-      <p:sp>
-        <p:nvSpPr>
-          <p:cNvPr id="3" name="Content Placeholder 2"/>
-          <p:cNvSpPr>
-            <a:spLocks noGrp="1"/>
-          </p:cNvSpPr>
-          <p:nvPr>
-            <p:ph idx="1"/>
           </p:nvPr>
         </p:nvSpPr>
         <p:spPr>
           <a:xfrm>
-            <a:off x="677334" y="1774223"/>
-            <a:ext cx="8596668" cy="3880773"/>
+            <a:off x="459220" y="290819"/>
+            <a:ext cx="8596668" cy="1320800"/>
           </a:xfrm>
         </p:spPr>
         <p:txBody>
+          <a:bodyPr/>
+          <a:lstStyle/>
+          <a:p>
+            <a:r>
+              <a:rPr lang="en-US" dirty="0">
+                <a:latin typeface="Arial" panose="020B0604020202020204" pitchFamily="34" charset="0"/>
+                <a:cs typeface="Arial" panose="020B0604020202020204" pitchFamily="34" charset="0"/>
+              </a:rPr>
+              <a:t>CỠ CHỮ</a:t>
+            </a:r>
+          </a:p>
+        </p:txBody>
+      </p:sp>
+      <p:sp>
+        <p:nvSpPr>
+          <p:cNvPr id="3" name="Content Placeholder 2">
+            <a:extLst>
+              <a:ext uri="{FF2B5EF4-FFF2-40B4-BE49-F238E27FC236}">
+                <a16:creationId xmlns:a16="http://schemas.microsoft.com/office/drawing/2014/main" id="{C9EB383A-7D00-4F7E-A226-63A3078B0DFB}"/>
+              </a:ext>
+            </a:extLst>
+          </p:cNvPr>
+          <p:cNvSpPr>
+            <a:spLocks noGrp="1"/>
+          </p:cNvSpPr>
+          <p:nvPr>
+            <p:ph idx="1"/>
+          </p:nvPr>
+        </p:nvSpPr>
+        <p:spPr>
+          <a:xfrm>
+            <a:off x="140876" y="1050986"/>
+            <a:ext cx="9741791" cy="6130863"/>
+          </a:xfrm>
+        </p:spPr>
+        <p:txBody>
           <a:bodyPr>
-            <a:normAutofit fontScale="92500"/>
+            <a:normAutofit fontScale="92500" lnSpcReduction="20000"/>
           </a:bodyPr>
           <a:lstStyle/>
           <a:p>
-            <a:pPr marL="0" indent="0">
-              <a:buNone/>
+            <a:pPr algn="just"/>
+            <a:r>
+              <a:rPr lang="vi-VN" sz="2600" b="0" i="0" dirty="0">
+                <a:solidFill>
+                  <a:srgbClr val="333333"/>
+                </a:solidFill>
+                <a:effectLst/>
+                <a:latin typeface="Arial" panose="020B0604020202020204" pitchFamily="34" charset="0"/>
+              </a:rPr>
+              <a:t>Về cơ bản </a:t>
+            </a:r>
+            <a:r>
+              <a:rPr lang="vi-VN" sz="3000" b="0" i="0" dirty="0">
+                <a:solidFill>
+                  <a:srgbClr val="333333"/>
+                </a:solidFill>
+                <a:effectLst/>
+                <a:latin typeface="Arial" panose="020B0604020202020204" pitchFamily="34" charset="0"/>
+              </a:rPr>
+              <a:t>LaTeX</a:t>
+            </a:r>
+            <a:r>
+              <a:rPr lang="vi-VN" sz="2600" b="0" i="0" dirty="0">
+                <a:solidFill>
+                  <a:srgbClr val="333333"/>
+                </a:solidFill>
+                <a:effectLst/>
+                <a:latin typeface="Arial" panose="020B0604020202020204" pitchFamily="34" charset="0"/>
+              </a:rPr>
+              <a:t> cung cấp cho ta 10 cỡ chữ bạn sử dụng các dòng lệnh bên dưới để thay đổi cỡ chữ, thứ tự được sắp theo từ nhỏ đến lớn</a:t>
+            </a:r>
+          </a:p>
+          <a:p>
+            <a:pPr algn="l">
+              <a:buFont typeface="Arial" panose="020B0604020202020204" pitchFamily="34" charset="0"/>
+              <a:buChar char="•"/>
             </a:pPr>
             <a:r>
-              <a:rPr lang="vi-VN" sz="3600" dirty="0" smtClean="0"/>
-              <a:t>Thêm gói :</a:t>
-            </a:r>
-          </a:p>
-          <a:p>
-            <a:pPr marL="0" indent="0">
-              <a:buNone/>
+              <a:rPr lang="vi-VN" sz="3000" b="0" i="0" dirty="0">
+                <a:solidFill>
+                  <a:srgbClr val="333333"/>
+                </a:solidFill>
+                <a:effectLst/>
+                <a:latin typeface="Arial" panose="020B0604020202020204" pitchFamily="34" charset="0"/>
+              </a:rPr>
+              <a:t>{\tiny }</a:t>
+            </a:r>
+          </a:p>
+          <a:p>
+            <a:pPr algn="l">
+              <a:buFont typeface="Arial" panose="020B0604020202020204" pitchFamily="34" charset="0"/>
+              <a:buChar char="•"/>
             </a:pPr>
             <a:r>
-              <a:rPr lang="vi-VN" sz="3600" dirty="0" smtClean="0"/>
-              <a:t>				 </a:t>
-            </a:r>
-            <a:r>
-              <a:rPr lang="vi-VN" sz="3600" b="1" dirty="0" smtClean="0"/>
-              <a:t>\usepackage{color}</a:t>
-            </a:r>
-          </a:p>
-          <a:p>
-            <a:pPr marL="0" indent="0">
-              <a:buNone/>
+              <a:rPr lang="vi-VN" sz="3000" b="0" i="0" dirty="0">
+                <a:solidFill>
+                  <a:srgbClr val="333333"/>
+                </a:solidFill>
+                <a:effectLst/>
+                <a:latin typeface="Arial" panose="020B0604020202020204" pitchFamily="34" charset="0"/>
+              </a:rPr>
+              <a:t>{\scriptsize }</a:t>
+            </a:r>
+          </a:p>
+          <a:p>
+            <a:pPr algn="l">
+              <a:buFont typeface="Arial" panose="020B0604020202020204" pitchFamily="34" charset="0"/>
+              <a:buChar char="•"/>
             </a:pPr>
             <a:r>
-              <a:rPr lang="vi-VN" sz="3600" dirty="0" smtClean="0"/>
-              <a:t>Lệnh:</a:t>
-            </a:r>
-          </a:p>
-          <a:p>
-            <a:pPr marL="0" indent="0">
-              <a:buNone/>
+              <a:rPr lang="vi-VN" sz="3000" b="0" i="0" dirty="0">
+                <a:solidFill>
+                  <a:srgbClr val="333333"/>
+                </a:solidFill>
+                <a:effectLst/>
+                <a:latin typeface="Arial" panose="020B0604020202020204" pitchFamily="34" charset="0"/>
+              </a:rPr>
+              <a:t>{\footnotesize }</a:t>
+            </a:r>
+          </a:p>
+          <a:p>
+            <a:pPr algn="l">
+              <a:buFont typeface="Arial" panose="020B0604020202020204" pitchFamily="34" charset="0"/>
+              <a:buChar char="•"/>
             </a:pPr>
             <a:r>
-              <a:rPr lang="vi-VN" sz="3600" b="1" dirty="0"/>
-              <a:t>\pagecolor{tên màu</a:t>
-            </a:r>
-            <a:r>
-              <a:rPr lang="vi-VN" sz="3600" b="1" dirty="0" smtClean="0"/>
-              <a:t>} </a:t>
-            </a:r>
-            <a:r>
-              <a:rPr lang="vi-VN" sz="3600" dirty="0" smtClean="0"/>
-              <a:t>cho page</a:t>
-            </a:r>
-          </a:p>
-          <a:p>
-            <a:pPr marL="0" indent="0">
-              <a:buNone/>
+              <a:rPr lang="vi-VN" sz="3000" b="0" i="0" dirty="0">
+                <a:solidFill>
+                  <a:srgbClr val="333333"/>
+                </a:solidFill>
+                <a:effectLst/>
+                <a:latin typeface="Arial" panose="020B0604020202020204" pitchFamily="34" charset="0"/>
+              </a:rPr>
+              <a:t>{\small }</a:t>
+            </a:r>
+          </a:p>
+          <a:p>
+            <a:pPr algn="l">
+              <a:buFont typeface="Arial" panose="020B0604020202020204" pitchFamily="34" charset="0"/>
+              <a:buChar char="•"/>
             </a:pPr>
             <a:r>
-              <a:rPr lang="vi-VN" sz="3600" b="1" dirty="0" smtClean="0"/>
-              <a:t>\</a:t>
-            </a:r>
-            <a:r>
-              <a:rPr lang="vi-VN" sz="3600" b="1" dirty="0"/>
-              <a:t>textcolor{tên màu}{văn bản</a:t>
-            </a:r>
-            <a:r>
-              <a:rPr lang="vi-VN" sz="3600" b="1" dirty="0" smtClean="0"/>
-              <a:t>} </a:t>
-            </a:r>
-            <a:r>
-              <a:rPr lang="vi-VN" sz="3600" dirty="0" smtClean="0"/>
-              <a:t>Đổ màu cho</a:t>
-            </a:r>
-          </a:p>
-          <a:p>
-            <a:pPr marL="0" indent="0">
-              <a:buNone/>
+              <a:rPr lang="vi-VN" sz="3000" b="0" i="0" dirty="0">
+                <a:solidFill>
+                  <a:srgbClr val="333333"/>
+                </a:solidFill>
+                <a:effectLst/>
+                <a:latin typeface="Arial" panose="020B0604020202020204" pitchFamily="34" charset="0"/>
+              </a:rPr>
+              <a:t>{\normalsize }</a:t>
+            </a:r>
+          </a:p>
+          <a:p>
+            <a:pPr algn="l">
+              <a:buFont typeface="Arial" panose="020B0604020202020204" pitchFamily="34" charset="0"/>
+              <a:buChar char="•"/>
             </a:pPr>
             <a:r>
-              <a:rPr lang="vi-VN" sz="3600" dirty="0"/>
-              <a:t>v</a:t>
-            </a:r>
-            <a:r>
-              <a:rPr lang="vi-VN" sz="3600" dirty="0" smtClean="0"/>
-              <a:t>ăn bản nhất định </a:t>
-            </a:r>
-          </a:p>
-          <a:p>
-            <a:pPr marL="0" indent="0">
-              <a:buNone/>
+              <a:rPr lang="vi-VN" sz="3000" b="0" i="0" dirty="0">
+                <a:solidFill>
+                  <a:srgbClr val="333333"/>
+                </a:solidFill>
+                <a:effectLst/>
+                <a:latin typeface="Arial" panose="020B0604020202020204" pitchFamily="34" charset="0"/>
+              </a:rPr>
+              <a:t>{\large }</a:t>
+            </a:r>
+          </a:p>
+          <a:p>
+            <a:pPr algn="l">
+              <a:buFont typeface="Arial" panose="020B0604020202020204" pitchFamily="34" charset="0"/>
+              <a:buChar char="•"/>
             </a:pPr>
-            <a:endParaRPr lang="vi-VN" sz="3600" b="1" dirty="0"/>
-          </a:p>
-        </p:txBody>
-      </p:sp>
+            <a:r>
+              <a:rPr lang="vi-VN" sz="3000" b="0" i="0" dirty="0">
+                <a:solidFill>
+                  <a:srgbClr val="333333"/>
+                </a:solidFill>
+                <a:effectLst/>
+                <a:latin typeface="Arial" panose="020B0604020202020204" pitchFamily="34" charset="0"/>
+              </a:rPr>
+              <a:t>{\Large }</a:t>
+            </a:r>
+          </a:p>
+          <a:p>
+            <a:pPr algn="l">
+              <a:buFont typeface="Arial" panose="020B0604020202020204" pitchFamily="34" charset="0"/>
+              <a:buChar char="•"/>
+            </a:pPr>
+            <a:r>
+              <a:rPr lang="vi-VN" sz="3000" b="0" i="0" dirty="0">
+                <a:solidFill>
+                  <a:srgbClr val="333333"/>
+                </a:solidFill>
+                <a:effectLst/>
+                <a:latin typeface="Arial" panose="020B0604020202020204" pitchFamily="34" charset="0"/>
+              </a:rPr>
+              <a:t>{\LARGE }</a:t>
+            </a:r>
+          </a:p>
+          <a:p>
+            <a:pPr algn="l">
+              <a:buFont typeface="Arial" panose="020B0604020202020204" pitchFamily="34" charset="0"/>
+              <a:buChar char="•"/>
+            </a:pPr>
+            <a:r>
+              <a:rPr lang="vi-VN" sz="3000" b="0" i="0" dirty="0">
+                <a:solidFill>
+                  <a:srgbClr val="333333"/>
+                </a:solidFill>
+                <a:effectLst/>
+                <a:latin typeface="Arial" panose="020B0604020202020204" pitchFamily="34" charset="0"/>
+              </a:rPr>
+              <a:t>{\huge }</a:t>
+            </a:r>
+          </a:p>
+          <a:p>
+            <a:pPr algn="l">
+              <a:buFont typeface="Arial" panose="020B0604020202020204" pitchFamily="34" charset="0"/>
+              <a:buChar char="•"/>
+            </a:pPr>
+            <a:r>
+              <a:rPr lang="vi-VN" sz="3000" b="0" i="0" dirty="0">
+                <a:solidFill>
+                  <a:srgbClr val="333333"/>
+                </a:solidFill>
+                <a:effectLst/>
+                <a:latin typeface="Arial" panose="020B0604020202020204" pitchFamily="34" charset="0"/>
+              </a:rPr>
+              <a:t>{\Huge }</a:t>
+            </a:r>
+          </a:p>
+          <a:p>
+            <a:endParaRPr lang="en-US" sz="2400" dirty="0"/>
+          </a:p>
+        </p:txBody>
+      </p:sp>
+      <p:pic>
+        <p:nvPicPr>
+          <p:cNvPr id="1028" name="Picture 4" descr="dinh-dang-van-ban-trong-latex (10)">
+            <a:extLst>
+              <a:ext uri="{FF2B5EF4-FFF2-40B4-BE49-F238E27FC236}">
+                <a16:creationId xmlns:a16="http://schemas.microsoft.com/office/drawing/2014/main" id="{00489EE4-F19F-4CB3-833D-43F645708F38}"/>
+              </a:ext>
+            </a:extLst>
+          </p:cNvPr>
+          <p:cNvPicPr>
+            <a:picLocks noChangeAspect="1" noChangeArrowheads="1"/>
+          </p:cNvPicPr>
+          <p:nvPr/>
+        </p:nvPicPr>
+        <p:blipFill>
+          <a:blip r:embed="rId2">
+            <a:extLst>
+              <a:ext uri="{28A0092B-C50C-407E-A947-70E740481C1C}">
+                <a14:useLocalDpi xmlns:a14="http://schemas.microsoft.com/office/drawing/2010/main" val="0"/>
+              </a:ext>
+            </a:extLst>
+          </a:blip>
+          <a:srcRect/>
+          <a:stretch>
+            <a:fillRect/>
+          </a:stretch>
+        </p:blipFill>
+        <p:spPr bwMode="auto">
+          <a:xfrm>
+            <a:off x="3236140" y="2133662"/>
+            <a:ext cx="8521369" cy="4366844"/>
+          </a:xfrm>
+          <a:prstGeom prst="rect">
+            <a:avLst/>
+          </a:prstGeom>
+          <a:noFill/>
+          <a:extLst>
+            <a:ext uri="{909E8E84-426E-40DD-AFC4-6F175D3DCCD1}">
+              <a14:hiddenFill xmlns:a14="http://schemas.microsoft.com/office/drawing/2010/main">
+                <a:solidFill>
+                  <a:srgbClr val="FFFFFF"/>
+                </a:solidFill>
+              </a14:hiddenFill>
+            </a:ext>
+          </a:extLst>
+        </p:spPr>
+      </p:pic>
     </p:spTree>
     <p:extLst>
       <p:ext uri="{BB962C8B-B14F-4D97-AF65-F5344CB8AC3E}">
-        <p14:creationId xmlns:p14="http://schemas.microsoft.com/office/powerpoint/2010/main" val="1053932247"/>
+        <p14:creationId xmlns:p14="http://schemas.microsoft.com/office/powerpoint/2010/main" val="44825596"/>
       </p:ext>
     </p:extLst>
   </p:cSld>
@@ -6330,6 +6500,28 @@
       </p:grpSpPr>
       <p:sp>
         <p:nvSpPr>
+          <p:cNvPr id="2" name="Title 1"/>
+          <p:cNvSpPr>
+            <a:spLocks noGrp="1"/>
+          </p:cNvSpPr>
+          <p:nvPr>
+            <p:ph type="title"/>
+          </p:nvPr>
+        </p:nvSpPr>
+        <p:spPr/>
+        <p:txBody>
+          <a:bodyPr/>
+          <a:lstStyle/>
+          <a:p>
+            <a:r>
+              <a:rPr lang="vi-VN" dirty="0"/>
+              <a:t>ĐỔI MÀU CHỮ TRONG LATEX</a:t>
+            </a:r>
+          </a:p>
+        </p:txBody>
+      </p:sp>
+      <p:sp>
+        <p:nvSpPr>
           <p:cNvPr id="3" name="Content Placeholder 2"/>
           <p:cNvSpPr>
             <a:spLocks noGrp="1"/>
@@ -6340,13 +6532,13 @@
         </p:nvSpPr>
         <p:spPr>
           <a:xfrm>
-            <a:off x="678547" y="1930400"/>
+            <a:off x="677334" y="1774223"/>
             <a:ext cx="8596668" cy="3880773"/>
           </a:xfrm>
         </p:spPr>
         <p:txBody>
           <a:bodyPr>
-            <a:normAutofit lnSpcReduction="10000"/>
+            <a:normAutofit fontScale="92500"/>
           </a:bodyPr>
           <a:lstStyle/>
           <a:p>
@@ -6354,18 +6546,21 @@
               <a:buNone/>
             </a:pPr>
             <a:r>
-              <a:rPr lang="vi-VN" sz="2800" dirty="0" smtClean="0"/>
-              <a:t>Trong Latex có 3 cách xuống dòng </a:t>
-            </a:r>
-            <a:endParaRPr lang="vi-VN" sz="2800" dirty="0"/>
+              <a:rPr lang="vi-VN" sz="3600" dirty="0"/>
+              <a:t>Thêm gói :</a:t>
+            </a:r>
           </a:p>
           <a:p>
             <a:pPr marL="0" indent="0">
               <a:buNone/>
             </a:pPr>
             <a:r>
-              <a:rPr lang="vi-VN" sz="2800" dirty="0" smtClean="0"/>
-              <a:t>+ Sử dụng enter</a:t>
+              <a:rPr lang="vi-VN" sz="3600" dirty="0"/>
+              <a:t>				 </a:t>
+            </a:r>
+            <a:r>
+              <a:rPr lang="vi-VN" sz="3600" b="1" dirty="0"/>
+              <a:t>\usepackage{color}</a:t>
             </a:r>
           </a:p>
           <a:p>
@@ -6373,8 +6568,8 @@
               <a:buNone/>
             </a:pPr>
             <a:r>
-              <a:rPr lang="vi-VN" sz="2800" dirty="0" smtClean="0"/>
-              <a:t>+ Sử dụng lệnh \par (xuống dòng tự canh tab cho dòng đầu tiên)</a:t>
+              <a:rPr lang="vi-VN" sz="3600" dirty="0"/>
+              <a:t>Lệnh:</a:t>
             </a:r>
           </a:p>
           <a:p>
@@ -6382,8 +6577,12 @@
               <a:buNone/>
             </a:pPr>
             <a:r>
-              <a:rPr lang="vi-VN" sz="2800" dirty="0" smtClean="0"/>
-              <a:t>+ Sử dụng dụng lệnh \\</a:t>
+              <a:rPr lang="vi-VN" sz="3600" b="1" dirty="0"/>
+              <a:t>\pagecolor{tên màu} </a:t>
+            </a:r>
+            <a:r>
+              <a:rPr lang="vi-VN" sz="3600" dirty="0"/>
+              <a:t>cho page</a:t>
             </a:r>
           </a:p>
           <a:p>
@@ -6391,39 +6590,35 @@
               <a:buNone/>
             </a:pPr>
             <a:r>
-              <a:rPr lang="vi-VN" sz="2800" dirty="0" smtClean="0"/>
-              <a:t>Tuy nhiên dù tạo khoảng xuống dòng nhiều lần bằng enter trong văn bản nhưng latex chỉ chấp nhận xuống dòng 1 khoảng cách</a:t>
-            </a:r>
-          </a:p>
-        </p:txBody>
-      </p:sp>
-      <p:sp>
-        <p:nvSpPr>
-          <p:cNvPr id="4" name="Title 3"/>
-          <p:cNvSpPr>
-            <a:spLocks noGrp="1"/>
-          </p:cNvSpPr>
-          <p:nvPr>
-            <p:ph type="title"/>
-          </p:nvPr>
-        </p:nvSpPr>
-        <p:spPr/>
-        <p:txBody>
-          <a:bodyPr/>
-          <a:lstStyle/>
-          <a:p>
-            <a:r>
-              <a:rPr lang="vi-VN" dirty="0" smtClean="0"/>
-              <a:t>DẤU XUỐNG DÒNG TRONG LATEX</a:t>
-            </a:r>
-            <a:endParaRPr lang="vi-VN" dirty="0"/>
+              <a:rPr lang="vi-VN" sz="3600" b="1" dirty="0"/>
+              <a:t>\textcolor{tên màu}{văn bản} </a:t>
+            </a:r>
+            <a:r>
+              <a:rPr lang="vi-VN" sz="3600" dirty="0"/>
+              <a:t>Đổ màu cho</a:t>
+            </a:r>
+          </a:p>
+          <a:p>
+            <a:pPr marL="0" indent="0">
+              <a:buNone/>
+            </a:pPr>
+            <a:r>
+              <a:rPr lang="vi-VN" sz="3600" dirty="0"/>
+              <a:t>văn bản nhất định </a:t>
+            </a:r>
+          </a:p>
+          <a:p>
+            <a:pPr marL="0" indent="0">
+              <a:buNone/>
+            </a:pPr>
+            <a:endParaRPr lang="vi-VN" sz="3600" b="1" dirty="0"/>
           </a:p>
         </p:txBody>
       </p:sp>
     </p:spTree>
     <p:extLst>
       <p:ext uri="{BB962C8B-B14F-4D97-AF65-F5344CB8AC3E}">
-        <p14:creationId xmlns:p14="http://schemas.microsoft.com/office/powerpoint/2010/main" val="1549622419"/>
+        <p14:creationId xmlns:p14="http://schemas.microsoft.com/office/powerpoint/2010/main" val="1053932247"/>
       </p:ext>
     </p:extLst>
   </p:cSld>
@@ -6452,6 +6647,198 @@
       </p:grpSpPr>
       <p:sp>
         <p:nvSpPr>
+          <p:cNvPr id="3" name="Content Placeholder 2"/>
+          <p:cNvSpPr>
+            <a:spLocks noGrp="1"/>
+          </p:cNvSpPr>
+          <p:nvPr>
+            <p:ph idx="1"/>
+          </p:nvPr>
+        </p:nvSpPr>
+        <p:spPr>
+          <a:xfrm>
+            <a:off x="678547" y="1930400"/>
+            <a:ext cx="8596668" cy="3880773"/>
+          </a:xfrm>
+        </p:spPr>
+        <p:txBody>
+          <a:bodyPr>
+            <a:normAutofit fontScale="92500" lnSpcReduction="20000"/>
+          </a:bodyPr>
+          <a:lstStyle/>
+          <a:p>
+            <a:pPr marL="0" indent="0">
+              <a:buNone/>
+            </a:pPr>
+            <a:r>
+              <a:rPr lang="vi-VN" sz="2800" dirty="0"/>
+              <a:t>Trong Latex có 3 cách xuống dòng </a:t>
+            </a:r>
+          </a:p>
+          <a:p>
+            <a:pPr marL="0" indent="0">
+              <a:buNone/>
+            </a:pPr>
+            <a:r>
+              <a:rPr lang="vi-VN" sz="2800" dirty="0"/>
+              <a:t>+ Sử dụng enter</a:t>
+            </a:r>
+          </a:p>
+          <a:p>
+            <a:pPr marL="0" indent="0">
+              <a:buNone/>
+            </a:pPr>
+            <a:r>
+              <a:rPr lang="vi-VN" sz="2800" dirty="0"/>
+              <a:t>+ Sử dụng lệnh \par (xuống dòng tự canh tab cho dòng đầu tiên)</a:t>
+            </a:r>
+          </a:p>
+          <a:p>
+            <a:pPr marL="0" indent="0">
+              <a:buNone/>
+            </a:pPr>
+            <a:r>
+              <a:rPr lang="vi-VN" sz="2800" dirty="0"/>
+              <a:t>+ Sử dụng dụng lệnh \\</a:t>
+            </a:r>
+          </a:p>
+          <a:p>
+            <a:pPr marL="0" indent="0">
+              <a:buNone/>
+            </a:pPr>
+            <a:r>
+              <a:rPr lang="vi-VN" sz="2800" dirty="0"/>
+              <a:t>Tuy nhiên dù tạo khoảng xuống dòng nhiều lần bằng enter trong văn bản nhưng latex chỉ chấp nhận xuống dòng 1 khoảng cách</a:t>
+            </a:r>
+            <a:endParaRPr lang="en-US" sz="2800" dirty="0"/>
+          </a:p>
+          <a:p>
+            <a:pPr marL="0" indent="0">
+              <a:buNone/>
+            </a:pPr>
+            <a:r>
+              <a:rPr lang="en-US" sz="2800" b="0" i="0" dirty="0">
+                <a:solidFill>
+                  <a:srgbClr val="1C1E21"/>
+                </a:solidFill>
+                <a:effectLst/>
+                <a:latin typeface="Arial" panose="020B0604020202020204" pitchFamily="34" charset="0"/>
+                <a:cs typeface="Arial" panose="020B0604020202020204" pitchFamily="34" charset="0"/>
+              </a:rPr>
+              <a:t>+ </a:t>
+            </a:r>
+            <a:r>
+              <a:rPr lang="en-US" sz="2800" dirty="0" err="1"/>
+              <a:t>Xuống</a:t>
+            </a:r>
+            <a:r>
+              <a:rPr lang="en-US" sz="2800" dirty="0"/>
+              <a:t> 1 </a:t>
+            </a:r>
+            <a:r>
+              <a:rPr lang="en-US" sz="2800" dirty="0" err="1"/>
+              <a:t>lúc</a:t>
+            </a:r>
+            <a:r>
+              <a:rPr lang="en-US" sz="2800" dirty="0"/>
+              <a:t> </a:t>
+            </a:r>
+            <a:r>
+              <a:rPr lang="en-US" sz="2800" dirty="0" err="1"/>
+              <a:t>nhiều</a:t>
+            </a:r>
+            <a:r>
+              <a:rPr lang="en-US" sz="2800" dirty="0"/>
+              <a:t> </a:t>
+            </a:r>
+            <a:r>
+              <a:rPr lang="en-US" sz="2800" dirty="0" err="1"/>
+              <a:t>dòng</a:t>
+            </a:r>
+            <a:r>
+              <a:rPr lang="en-US" sz="2800" dirty="0"/>
+              <a:t> \\[số </a:t>
+            </a:r>
+            <a:r>
+              <a:rPr lang="en-US" sz="2800" dirty="0" err="1"/>
+              <a:t>dòng</a:t>
+            </a:r>
+            <a:r>
+              <a:rPr lang="en-US" sz="2800" dirty="0"/>
+              <a:t>\</a:t>
+            </a:r>
+            <a:r>
+              <a:rPr lang="en-US" sz="2800" dirty="0" err="1"/>
+              <a:t>baselineskip</a:t>
+            </a:r>
+            <a:r>
+              <a:rPr lang="en-US" sz="2800" dirty="0"/>
+              <a:t>]</a:t>
+            </a:r>
+            <a:endParaRPr lang="vi-VN" sz="2800" dirty="0"/>
+          </a:p>
+          <a:p>
+            <a:pPr marL="0" indent="0">
+              <a:buNone/>
+            </a:pPr>
+            <a:endParaRPr lang="vi-VN" sz="2800" dirty="0"/>
+          </a:p>
+        </p:txBody>
+      </p:sp>
+      <p:sp>
+        <p:nvSpPr>
+          <p:cNvPr id="4" name="Title 3"/>
+          <p:cNvSpPr>
+            <a:spLocks noGrp="1"/>
+          </p:cNvSpPr>
+          <p:nvPr>
+            <p:ph type="title"/>
+          </p:nvPr>
+        </p:nvSpPr>
+        <p:spPr/>
+        <p:txBody>
+          <a:bodyPr/>
+          <a:lstStyle/>
+          <a:p>
+            <a:r>
+              <a:rPr lang="vi-VN" dirty="0"/>
+              <a:t>DẤU XUỐNG DÒNG TRONG LATEX</a:t>
+            </a:r>
+          </a:p>
+        </p:txBody>
+      </p:sp>
+    </p:spTree>
+    <p:extLst>
+      <p:ext uri="{BB962C8B-B14F-4D97-AF65-F5344CB8AC3E}">
+        <p14:creationId xmlns:p14="http://schemas.microsoft.com/office/powerpoint/2010/main" val="1549622419"/>
+      </p:ext>
+    </p:extLst>
+  </p:cSld>
+  <p:clrMapOvr>
+    <a:masterClrMapping/>
+  </p:clrMapOvr>
+</p:sld>
+</file>
+
+<file path=ppt/slides/slide15.xml><?xml version="1.0" encoding="utf-8"?>
+<p:sld xmlns:a="http://schemas.openxmlformats.org/drawingml/2006/main" xmlns:r="http://schemas.openxmlformats.org/officeDocument/2006/relationships" xmlns:p="http://schemas.openxmlformats.org/presentationml/2006/main">
+  <p:cSld>
+    <p:spTree>
+      <p:nvGrpSpPr>
+        <p:cNvPr id="1" name=""/>
+        <p:cNvGrpSpPr/>
+        <p:nvPr/>
+      </p:nvGrpSpPr>
+      <p:grpSpPr>
+        <a:xfrm>
+          <a:off x="0" y="0"/>
+          <a:ext cx="0" cy="0"/>
+          <a:chOff x="0" y="0"/>
+          <a:chExt cx="0" cy="0"/>
+        </a:xfrm>
+      </p:grpSpPr>
+      <p:sp>
+        <p:nvSpPr>
           <p:cNvPr id="2" name="Title 1"/>
           <p:cNvSpPr>
             <a:spLocks noGrp="1"/>
@@ -6466,10 +6853,111 @@
           <a:lstStyle/>
           <a:p>
             <a:r>
-              <a:rPr lang="vi-VN" dirty="0" smtClean="0"/>
+              <a:rPr lang="vi-VN" dirty="0"/>
               <a:t>ĐỊNH DẠNG ĐOẠN VĂN BẢN</a:t>
             </a:r>
-            <a:endParaRPr lang="vi-VN" dirty="0"/>
+          </a:p>
+        </p:txBody>
+      </p:sp>
+      <p:sp>
+        <p:nvSpPr>
+          <p:cNvPr id="3" name="Content Placeholder 2"/>
+          <p:cNvSpPr>
+            <a:spLocks noGrp="1"/>
+          </p:cNvSpPr>
+          <p:nvPr>
+            <p:ph idx="1"/>
+          </p:nvPr>
+        </p:nvSpPr>
+        <p:spPr>
+          <a:xfrm>
+            <a:off x="806124" y="1838618"/>
+            <a:ext cx="8596668" cy="3880773"/>
+          </a:xfrm>
+        </p:spPr>
+        <p:txBody>
+          <a:bodyPr>
+            <a:normAutofit/>
+          </a:bodyPr>
+          <a:lstStyle/>
+          <a:p>
+            <a:pPr marL="0" indent="0">
+              <a:buNone/>
+            </a:pPr>
+            <a:r>
+              <a:rPr lang="vi-VN" sz="2800" dirty="0"/>
+              <a:t>Tương tự , bạn có thể điều chỉnh khoảng cách giữa 2 dòng bằng lệnh</a:t>
+            </a:r>
+          </a:p>
+          <a:p>
+            <a:pPr marL="0" indent="0" algn="ctr">
+              <a:buNone/>
+            </a:pPr>
+            <a:r>
+              <a:rPr lang="vi-VN" sz="3200" b="1" dirty="0"/>
+              <a:t>\setlength{\parskip}{1cm}</a:t>
+            </a:r>
+          </a:p>
+          <a:p>
+            <a:pPr marL="0" indent="0">
+              <a:buNone/>
+            </a:pPr>
+            <a:r>
+              <a:rPr lang="vi-VN" sz="2800" dirty="0"/>
+              <a:t>Có thể tùy chỉnh 1cm thành nhiều nhiều kích cỡ khác nhau , lệnh trên hỗ trợ các đơn vị như cm , em , ..</a:t>
+            </a:r>
+          </a:p>
+        </p:txBody>
+      </p:sp>
+    </p:spTree>
+    <p:extLst>
+      <p:ext uri="{BB962C8B-B14F-4D97-AF65-F5344CB8AC3E}">
+        <p14:creationId xmlns:p14="http://schemas.microsoft.com/office/powerpoint/2010/main" val="2223102301"/>
+      </p:ext>
+    </p:extLst>
+  </p:cSld>
+  <p:clrMapOvr>
+    <a:masterClrMapping/>
+  </p:clrMapOvr>
+</p:sld>
+</file>
+
+<file path=ppt/slides/slide16.xml><?xml version="1.0" encoding="utf-8"?>
+<p:sld xmlns:a="http://schemas.openxmlformats.org/drawingml/2006/main" xmlns:r="http://schemas.openxmlformats.org/officeDocument/2006/relationships" xmlns:p="http://schemas.openxmlformats.org/presentationml/2006/main">
+  <p:cSld>
+    <p:spTree>
+      <p:nvGrpSpPr>
+        <p:cNvPr id="1" name=""/>
+        <p:cNvGrpSpPr/>
+        <p:nvPr/>
+      </p:nvGrpSpPr>
+      <p:grpSpPr>
+        <a:xfrm>
+          <a:off x="0" y="0"/>
+          <a:ext cx="0" cy="0"/>
+          <a:chOff x="0" y="0"/>
+          <a:chExt cx="0" cy="0"/>
+        </a:xfrm>
+      </p:grpSpPr>
+      <p:sp>
+        <p:nvSpPr>
+          <p:cNvPr id="2" name="Title 1"/>
+          <p:cNvSpPr>
+            <a:spLocks noGrp="1"/>
+          </p:cNvSpPr>
+          <p:nvPr>
+            <p:ph type="title"/>
+          </p:nvPr>
+        </p:nvSpPr>
+        <p:spPr/>
+        <p:txBody>
+          <a:bodyPr/>
+          <a:lstStyle/>
+          <a:p>
+            <a:r>
+              <a:rPr lang="vi-VN" dirty="0"/>
+              <a:t>ĐỊNH DẠNG ĐOẠN VĂN BẢN</a:t>
+            </a:r>
           </a:p>
         </p:txBody>
       </p:sp>
@@ -6499,7 +6987,7 @@
               <a:buNone/>
             </a:pPr>
             <a:r>
-              <a:rPr lang="vi-VN" sz="3200" dirty="0" smtClean="0"/>
+              <a:rPr lang="vi-VN" sz="3200" dirty="0"/>
               <a:t>Một đoạn văn bản trong LaTeX sẽ được canh tab xuống dòng sẵn , bạn có thể tùy chỉnh khoảng cách tab bằng lệnh </a:t>
             </a:r>
           </a:p>
@@ -6508,16 +6996,8 @@
               <a:buNone/>
             </a:pPr>
             <a:r>
-              <a:rPr lang="vi-VN" sz="3600" b="1" dirty="0" smtClean="0"/>
-              <a:t>\</a:t>
-            </a:r>
-            <a:r>
               <a:rPr lang="vi-VN" sz="3600" b="1" dirty="0"/>
-              <a:t>setlength{\</a:t>
-            </a:r>
-            <a:r>
-              <a:rPr lang="vi-VN" sz="3600" b="1" dirty="0" smtClean="0"/>
-              <a:t>parindent}{1cm}</a:t>
+              <a:t>\setlength{\parindent}{1cm}</a:t>
             </a:r>
           </a:p>
           <a:p>
@@ -6525,10 +7005,9 @@
               <a:buNone/>
             </a:pPr>
             <a:r>
-              <a:rPr lang="vi-VN" sz="3200" dirty="0" smtClean="0"/>
+              <a:rPr lang="vi-VN" sz="3200" dirty="0"/>
               <a:t>Có thể tùy chỉnh 1cm thành nhiều nhiều kích cỡ khác nhau , lệnh trên hỗ trợ các đơn vị như cm , em , ..</a:t>
             </a:r>
-            <a:endParaRPr lang="vi-VN" sz="3200" dirty="0"/>
           </a:p>
         </p:txBody>
       </p:sp>
@@ -6545,7 +7024,7 @@
 </p:sld>
 </file>
 
-<file path=ppt/slides/slide15.xml><?xml version="1.0" encoding="utf-8"?>
+<file path=ppt/slides/slide17.xml><?xml version="1.0" encoding="utf-8"?>
 <p:sld xmlns:a="http://schemas.openxmlformats.org/drawingml/2006/main" xmlns:r="http://schemas.openxmlformats.org/officeDocument/2006/relationships" xmlns:p="http://schemas.openxmlformats.org/presentationml/2006/main">
   <p:cSld>
     <p:spTree>
@@ -6578,7 +7057,7 @@
         </p:blipFill>
         <p:spPr>
           <a:xfrm>
-            <a:off x="1012791" y="982052"/>
+            <a:off x="1298017" y="1069700"/>
             <a:ext cx="8106058" cy="4718600"/>
           </a:xfrm>
           <a:prstGeom prst="rect">
@@ -6599,78 +7078,7 @@
 </p:sld>
 </file>
 
-<file path=ppt/slides/slide16.xml><?xml version="1.0" encoding="utf-8"?>
-<p:sld xmlns:a="http://schemas.openxmlformats.org/drawingml/2006/main" xmlns:r="http://schemas.openxmlformats.org/officeDocument/2006/relationships" xmlns:p="http://schemas.openxmlformats.org/presentationml/2006/main">
-  <p:cSld>
-    <p:spTree>
-      <p:nvGrpSpPr>
-        <p:cNvPr id="1" name=""/>
-        <p:cNvGrpSpPr/>
-        <p:nvPr/>
-      </p:nvGrpSpPr>
-      <p:grpSpPr>
-        <a:xfrm>
-          <a:off x="0" y="0"/>
-          <a:ext cx="0" cy="0"/>
-          <a:chOff x="0" y="0"/>
-          <a:chExt cx="0" cy="0"/>
-        </a:xfrm>
-      </p:grpSpPr>
-      <p:pic>
-        <p:nvPicPr>
-          <p:cNvPr id="2050" name="Picture 2" descr="ParagraphFormattingEx2.png"/>
-          <p:cNvPicPr>
-            <a:picLocks noChangeAspect="1" noChangeArrowheads="1"/>
-          </p:cNvPicPr>
-          <p:nvPr/>
-        </p:nvPicPr>
-        <p:blipFill>
-          <a:blip r:embed="rId2">
-            <a:extLst>
-              <a:ext uri="{28A0092B-C50C-407E-A947-70E740481C1C}">
-                <a14:useLocalDpi xmlns:a14="http://schemas.microsoft.com/office/drawing/2010/main" val="0"/>
-              </a:ext>
-            </a:extLst>
-          </a:blip>
-          <a:srcRect/>
-          <a:stretch>
-            <a:fillRect/>
-          </a:stretch>
-        </p:blipFill>
-        <p:spPr bwMode="auto">
-          <a:xfrm>
-            <a:off x="680565" y="1740417"/>
-            <a:ext cx="9068743" cy="3063401"/>
-          </a:xfrm>
-          <a:prstGeom prst="rect">
-            <a:avLst/>
-          </a:prstGeom>
-          <a:noFill/>
-          <a:extLst>
-            <a:ext uri="{909E8E84-426E-40DD-AFC4-6F175D3DCCD1}">
-              <a14:hiddenFill xmlns:a14="http://schemas.microsoft.com/office/drawing/2010/main">
-                <a:solidFill>
-                  <a:srgbClr val="FFFFFF"/>
-                </a:solidFill>
-              </a14:hiddenFill>
-            </a:ext>
-          </a:extLst>
-        </p:spPr>
-      </p:pic>
-    </p:spTree>
-    <p:extLst>
-      <p:ext uri="{BB962C8B-B14F-4D97-AF65-F5344CB8AC3E}">
-        <p14:creationId xmlns:p14="http://schemas.microsoft.com/office/powerpoint/2010/main" val="1278210418"/>
-      </p:ext>
-    </p:extLst>
-  </p:cSld>
-  <p:clrMapOvr>
-    <a:masterClrMapping/>
-  </p:clrMapOvr>
-</p:sld>
-</file>
-
-<file path=ppt/slides/slide17.xml><?xml version="1.0" encoding="utf-8"?>
+<file path=ppt/slides/slide18.xml><?xml version="1.0" encoding="utf-8"?>
 <p:sld xmlns:a="http://schemas.openxmlformats.org/drawingml/2006/main" xmlns:r="http://schemas.openxmlformats.org/officeDocument/2006/relationships" xmlns:p="http://schemas.openxmlformats.org/presentationml/2006/main">
   <p:cSld>
     <p:spTree>
@@ -6741,160 +7149,6 @@
 </p:sld>
 </file>
 
-<file path=ppt/slides/slide18.xml><?xml version="1.0" encoding="utf-8"?>
-<p:sld xmlns:a="http://schemas.openxmlformats.org/drawingml/2006/main" xmlns:r="http://schemas.openxmlformats.org/officeDocument/2006/relationships" xmlns:p="http://schemas.openxmlformats.org/presentationml/2006/main">
-  <p:cSld>
-    <p:spTree>
-      <p:nvGrpSpPr>
-        <p:cNvPr id="1" name=""/>
-        <p:cNvGrpSpPr/>
-        <p:nvPr/>
-      </p:nvGrpSpPr>
-      <p:grpSpPr>
-        <a:xfrm>
-          <a:off x="0" y="0"/>
-          <a:ext cx="0" cy="0"/>
-          <a:chOff x="0" y="0"/>
-          <a:chExt cx="0" cy="0"/>
-        </a:xfrm>
-      </p:grpSpPr>
-      <p:sp>
-        <p:nvSpPr>
-          <p:cNvPr id="2" name="Title 1"/>
-          <p:cNvSpPr>
-            <a:spLocks noGrp="1"/>
-          </p:cNvSpPr>
-          <p:nvPr>
-            <p:ph type="title"/>
-          </p:nvPr>
-        </p:nvSpPr>
-        <p:spPr/>
-        <p:txBody>
-          <a:bodyPr/>
-          <a:lstStyle/>
-          <a:p>
-            <a:r>
-              <a:rPr lang="vi-VN" dirty="0"/>
-              <a:t>ĐỊNH DẠNG ĐOẠN VĂN BẢN</a:t>
-            </a:r>
-          </a:p>
-        </p:txBody>
-      </p:sp>
-      <p:sp>
-        <p:nvSpPr>
-          <p:cNvPr id="3" name="Content Placeholder 2"/>
-          <p:cNvSpPr>
-            <a:spLocks noGrp="1"/>
-          </p:cNvSpPr>
-          <p:nvPr>
-            <p:ph idx="1"/>
-          </p:nvPr>
-        </p:nvSpPr>
-        <p:spPr>
-          <a:xfrm>
-            <a:off x="677334" y="1930400"/>
-            <a:ext cx="8596668" cy="1340834"/>
-          </a:xfrm>
-        </p:spPr>
-        <p:txBody>
-          <a:bodyPr>
-            <a:normAutofit lnSpcReduction="10000"/>
-          </a:bodyPr>
-          <a:lstStyle/>
-          <a:p>
-            <a:pPr marL="0" indent="0">
-              <a:buNone/>
-            </a:pPr>
-            <a:r>
-              <a:rPr lang="vi-VN" sz="3200" dirty="0" smtClean="0"/>
-              <a:t>Chủ động tab đầu hàng dòng bằng lệnh:</a:t>
-            </a:r>
-          </a:p>
-          <a:p>
-            <a:pPr marL="0" indent="0" algn="ctr">
-              <a:buNone/>
-            </a:pPr>
-            <a:r>
-              <a:rPr lang="vi-VN" sz="4400" b="1" dirty="0" smtClean="0"/>
-              <a:t>\indent</a:t>
-            </a:r>
-          </a:p>
-          <a:p>
-            <a:pPr marL="0" indent="0" algn="ctr">
-              <a:buNone/>
-            </a:pPr>
-            <a:endParaRPr lang="vi-VN" sz="4400" b="1" dirty="0"/>
-          </a:p>
-          <a:p>
-            <a:pPr marL="0" indent="0" algn="ctr">
-              <a:buNone/>
-            </a:pPr>
-            <a:endParaRPr lang="vi-VN" sz="4400" b="1" dirty="0" smtClean="0"/>
-          </a:p>
-          <a:p>
-            <a:pPr marL="0" indent="0" algn="ctr">
-              <a:buNone/>
-            </a:pPr>
-            <a:endParaRPr lang="vi-VN" sz="4400" b="1" dirty="0" smtClean="0"/>
-          </a:p>
-          <a:p>
-            <a:pPr marL="0" indent="0" algn="ctr">
-              <a:buNone/>
-            </a:pPr>
-            <a:endParaRPr lang="vi-VN" sz="4400" b="1" dirty="0"/>
-          </a:p>
-        </p:txBody>
-      </p:sp>
-      <p:sp>
-        <p:nvSpPr>
-          <p:cNvPr id="6" name="TextBox 5"/>
-          <p:cNvSpPr txBox="1"/>
-          <p:nvPr/>
-        </p:nvSpPr>
-        <p:spPr>
-          <a:xfrm>
-            <a:off x="677334" y="3618964"/>
-            <a:ext cx="7701566" cy="1261884"/>
-          </a:xfrm>
-          <a:prstGeom prst="rect">
-            <a:avLst/>
-          </a:prstGeom>
-          <a:noFill/>
-        </p:spPr>
-        <p:txBody>
-          <a:bodyPr wrap="square" rtlCol="0">
-            <a:spAutoFit/>
-          </a:bodyPr>
-          <a:lstStyle/>
-          <a:p>
-            <a:r>
-              <a:rPr lang="vi-VN" sz="3200" dirty="0" smtClean="0"/>
-              <a:t>Và chủ động không tab bằng lệnh:</a:t>
-            </a:r>
-          </a:p>
-          <a:p>
-            <a:pPr algn="ctr"/>
-            <a:r>
-              <a:rPr lang="vi-VN" sz="4400" b="1" dirty="0" smtClean="0"/>
-              <a:t>    \noindent</a:t>
-            </a:r>
-            <a:endParaRPr lang="vi-VN" sz="4400" b="1" dirty="0"/>
-          </a:p>
-        </p:txBody>
-      </p:sp>
-    </p:spTree>
-    <p:extLst>
-      <p:ext uri="{BB962C8B-B14F-4D97-AF65-F5344CB8AC3E}">
-        <p14:creationId xmlns:p14="http://schemas.microsoft.com/office/powerpoint/2010/main" val="642104998"/>
-      </p:ext>
-    </p:extLst>
-  </p:cSld>
-  <p:clrMapOvr>
-    <a:masterClrMapping/>
-  </p:clrMapOvr>
-</p:sld>
-</file>
-
 <file path=ppt/slides/slide19.xml><?xml version="1.0" encoding="utf-8"?>
 <p:sld xmlns:a="http://schemas.openxmlformats.org/drawingml/2006/main" xmlns:r="http://schemas.openxmlformats.org/officeDocument/2006/relationships" xmlns:p="http://schemas.openxmlformats.org/presentationml/2006/main">
   <p:cSld>
@@ -6928,10 +7182,9 @@
           <a:lstStyle/>
           <a:p>
             <a:r>
-              <a:rPr lang="vi-VN" dirty="0" smtClean="0"/>
+              <a:rPr lang="vi-VN" dirty="0"/>
               <a:t>ĐỊNH DẠNG ĐOẠN VĂN BẢN</a:t>
             </a:r>
-            <a:endParaRPr lang="vi-VN" dirty="0"/>
           </a:p>
         </p:txBody>
       </p:sp>
@@ -6947,13 +7200,13 @@
         </p:nvSpPr>
         <p:spPr>
           <a:xfrm>
-            <a:off x="806124" y="1838618"/>
-            <a:ext cx="8596668" cy="3880773"/>
+            <a:off x="677334" y="1930400"/>
+            <a:ext cx="8596668" cy="1340834"/>
           </a:xfrm>
         </p:spPr>
         <p:txBody>
           <a:bodyPr>
-            <a:normAutofit/>
+            <a:normAutofit lnSpcReduction="10000"/>
           </a:bodyPr>
           <a:lstStyle/>
           <a:p>
@@ -6961,8 +7214,8 @@
               <a:buNone/>
             </a:pPr>
             <a:r>
-              <a:rPr lang="vi-VN" sz="2800" dirty="0" smtClean="0"/>
-              <a:t>Tương tự , bạn có thể điều chỉnh khoảng cách giữa 2 dòng bằng lệnh</a:t>
+              <a:rPr lang="vi-VN" sz="3200" dirty="0"/>
+              <a:t>Chủ động tab đầu hàng dòng bằng lệnh:</a:t>
             </a:r>
           </a:p>
           <a:p>
@@ -6970,34 +7223,76 @@
               <a:buNone/>
             </a:pPr>
             <a:r>
-              <a:rPr lang="vi-VN" sz="3200" b="1" dirty="0" smtClean="0"/>
-              <a:t>\</a:t>
-            </a:r>
-            <a:r>
-              <a:rPr lang="vi-VN" sz="3200" b="1" dirty="0"/>
-              <a:t>setlength</a:t>
-            </a:r>
-            <a:r>
-              <a:rPr lang="vi-VN" sz="3200" b="1" dirty="0" smtClean="0"/>
-              <a:t>{\parskip}{1cm}</a:t>
-            </a:r>
-          </a:p>
-          <a:p>
-            <a:pPr marL="0" indent="0">
+              <a:rPr lang="vi-VN" sz="4400" b="1" dirty="0"/>
+              <a:t>\indent</a:t>
+            </a:r>
+          </a:p>
+          <a:p>
+            <a:pPr marL="0" indent="0" algn="ctr">
               <a:buNone/>
             </a:pPr>
-            <a:r>
-              <a:rPr lang="vi-VN" sz="2800" dirty="0" smtClean="0"/>
-              <a:t>Có thể tùy chỉnh 1cm thành nhiều nhiều kích cỡ khác nhau , lệnh trên hỗ trợ các đơn vị như cm , em , ..</a:t>
-            </a:r>
-            <a:endParaRPr lang="vi-VN" sz="2800" dirty="0"/>
+            <a:endParaRPr lang="vi-VN" sz="4400" b="1" dirty="0"/>
+          </a:p>
+          <a:p>
+            <a:pPr marL="0" indent="0" algn="ctr">
+              <a:buNone/>
+            </a:pPr>
+            <a:endParaRPr lang="vi-VN" sz="4400" b="1" dirty="0"/>
+          </a:p>
+          <a:p>
+            <a:pPr marL="0" indent="0" algn="ctr">
+              <a:buNone/>
+            </a:pPr>
+            <a:endParaRPr lang="vi-VN" sz="4400" b="1" dirty="0"/>
+          </a:p>
+          <a:p>
+            <a:pPr marL="0" indent="0" algn="ctr">
+              <a:buNone/>
+            </a:pPr>
+            <a:endParaRPr lang="vi-VN" sz="4400" b="1" dirty="0"/>
+          </a:p>
+        </p:txBody>
+      </p:sp>
+      <p:sp>
+        <p:nvSpPr>
+          <p:cNvPr id="6" name="TextBox 5"/>
+          <p:cNvSpPr txBox="1"/>
+          <p:nvPr/>
+        </p:nvSpPr>
+        <p:spPr>
+          <a:xfrm>
+            <a:off x="1124885" y="3711243"/>
+            <a:ext cx="7701566" cy="1261884"/>
+          </a:xfrm>
+          <a:prstGeom prst="rect">
+            <a:avLst/>
+          </a:prstGeom>
+          <a:noFill/>
+        </p:spPr>
+        <p:txBody>
+          <a:bodyPr wrap="square" rtlCol="0">
+            <a:spAutoFit/>
+          </a:bodyPr>
+          <a:lstStyle/>
+          <a:p>
+            <a:r>
+              <a:rPr lang="vi-VN" sz="3200" dirty="0"/>
+              <a:t>Và chủ động không tab bằng lệnh:</a:t>
+            </a:r>
+          </a:p>
+          <a:p>
+            <a:pPr algn="ctr"/>
+            <a:r>
+              <a:rPr lang="vi-VN" sz="4400" b="1" dirty="0"/>
+              <a:t>    \noindent</a:t>
+            </a:r>
           </a:p>
         </p:txBody>
       </p:sp>
     </p:spTree>
     <p:extLst>
       <p:ext uri="{BB962C8B-B14F-4D97-AF65-F5344CB8AC3E}">
-        <p14:creationId xmlns:p14="http://schemas.microsoft.com/office/powerpoint/2010/main" val="2223102301"/>
+        <p14:creationId xmlns:p14="http://schemas.microsoft.com/office/powerpoint/2010/main" val="642104998"/>
       </p:ext>
     </p:extLst>
   </p:cSld>
@@ -7036,8 +7331,8 @@
         </p:nvSpPr>
         <p:spPr>
           <a:xfrm>
-            <a:off x="561423" y="3043706"/>
-            <a:ext cx="9509856" cy="1320800"/>
+            <a:off x="691426" y="609600"/>
+            <a:ext cx="8596668" cy="1320800"/>
           </a:xfrm>
         </p:spPr>
         <p:txBody>
@@ -7045,36 +7340,157 @@
           <a:lstStyle/>
           <a:p>
             <a:r>
-              <a:rPr lang="en-US" b="1" dirty="0" smtClean="0">
-                <a:latin typeface="Arial" panose="020B0604020202020204" pitchFamily="34" charset="0"/>
-                <a:cs typeface="Arial" panose="020B0604020202020204" pitchFamily="34" charset="0"/>
-              </a:rPr>
-              <a:t>BÀI 2:  ĐỊNH DẠNG CHỮ , ĐOẠN VĂN BẢN</a:t>
-            </a:r>
-            <a:endParaRPr lang="vi-VN" b="1" dirty="0">
-              <a:latin typeface="Arial" panose="020B0604020202020204" pitchFamily="34" charset="0"/>
-              <a:cs typeface="Arial" panose="020B0604020202020204" pitchFamily="34" charset="0"/>
-            </a:endParaRPr>
+              <a:rPr lang="en-US" dirty="0"/>
+              <a:t>Review Code </a:t>
+            </a:r>
+            <a:r>
+              <a:rPr lang="en-US" dirty="0" err="1"/>
+              <a:t>Bài</a:t>
+            </a:r>
+            <a:r>
+              <a:rPr lang="en-US" dirty="0"/>
+              <a:t> 1</a:t>
+            </a:r>
+            <a:endParaRPr lang="vi-VN" dirty="0"/>
+          </a:p>
+        </p:txBody>
+      </p:sp>
+      <p:sp>
+        <p:nvSpPr>
+          <p:cNvPr id="3" name="Content Placeholder 2"/>
+          <p:cNvSpPr>
+            <a:spLocks noGrp="1"/>
+          </p:cNvSpPr>
+          <p:nvPr>
+            <p:ph idx="1"/>
+          </p:nvPr>
+        </p:nvSpPr>
+        <p:spPr>
+          <a:xfrm>
+            <a:off x="781578" y="1270000"/>
+            <a:ext cx="8596668" cy="5374081"/>
+          </a:xfrm>
+        </p:spPr>
+        <p:txBody>
+          <a:bodyPr>
+            <a:noAutofit/>
+          </a:bodyPr>
+          <a:lstStyle/>
+          <a:p>
+            <a:pPr marL="0" indent="0">
+              <a:buNone/>
+            </a:pPr>
+            <a:r>
+              <a:rPr lang="vi-VN" dirty="0"/>
+              <a:t>\documentclass[15pt]{article}</a:t>
+            </a:r>
+          </a:p>
+          <a:p>
+            <a:pPr marL="0" indent="0">
+              <a:buNone/>
+            </a:pPr>
+            <a:r>
+              <a:rPr lang="vi-VN" dirty="0"/>
+              <a:t>\usepackage[utf8]{vietnam}</a:t>
+            </a:r>
+            <a:endParaRPr lang="en-US" dirty="0"/>
+          </a:p>
+          <a:p>
+            <a:pPr marL="0" indent="0">
+              <a:buNone/>
+            </a:pPr>
+            <a:endParaRPr lang="vi-VN" dirty="0"/>
+          </a:p>
+          <a:p>
+            <a:pPr marL="0" indent="0">
+              <a:buNone/>
+            </a:pPr>
+            <a:r>
+              <a:rPr lang="vi-VN" dirty="0"/>
+              <a:t>\title{First document}</a:t>
+            </a:r>
+          </a:p>
+          <a:p>
+            <a:pPr marL="0" indent="0">
+              <a:buNone/>
+            </a:pPr>
+            <a:r>
+              <a:rPr lang="vi-VN" dirty="0"/>
+              <a:t>\author{Hubert Farnsworth \thanks{funded by Meomeomeo} }</a:t>
+            </a:r>
+          </a:p>
+          <a:p>
+            <a:pPr marL="0" indent="0">
+              <a:buNone/>
+            </a:pPr>
+            <a:r>
+              <a:rPr lang="vi-VN" dirty="0"/>
+              <a:t>\date{February 2021}</a:t>
+            </a:r>
+          </a:p>
+          <a:p>
+            <a:pPr marL="0" indent="0">
+              <a:buNone/>
+            </a:pPr>
+            <a:endParaRPr lang="vi-VN" dirty="0"/>
+          </a:p>
+          <a:p>
+            <a:pPr marL="0" indent="0">
+              <a:buNone/>
+            </a:pPr>
+            <a:r>
+              <a:rPr lang="vi-VN" dirty="0"/>
+              <a:t>\begin{document}   </a:t>
+            </a:r>
+          </a:p>
+          <a:p>
+            <a:pPr marL="400050" lvl="1" indent="0">
+              <a:buNone/>
+            </a:pPr>
+            <a:r>
+              <a:rPr lang="vi-VN" sz="1800" dirty="0"/>
+              <a:t>\begin{titlepage} </a:t>
+            </a:r>
+          </a:p>
+          <a:p>
+            <a:pPr marL="400050" lvl="1" indent="0">
+              <a:buNone/>
+            </a:pPr>
+            <a:r>
+              <a:rPr lang="vi-VN" sz="1800" dirty="0"/>
+              <a:t>		\maketitle</a:t>
+            </a:r>
+          </a:p>
+          <a:p>
+            <a:pPr marL="400050" lvl="1" indent="0">
+              <a:buNone/>
+            </a:pPr>
+            <a:r>
+              <a:rPr lang="vi-VN" sz="1800" dirty="0"/>
+              <a:t> \end{titlepage}</a:t>
+            </a:r>
+          </a:p>
+          <a:p>
+            <a:pPr marL="0" indent="0">
+              <a:buNone/>
+            </a:pPr>
+            <a:r>
+              <a:rPr lang="vi-VN" dirty="0"/>
+              <a:t>\end{document}</a:t>
+            </a:r>
           </a:p>
         </p:txBody>
       </p:sp>
     </p:spTree>
     <p:extLst>
       <p:ext uri="{BB962C8B-B14F-4D97-AF65-F5344CB8AC3E}">
-        <p14:creationId xmlns:p14="http://schemas.microsoft.com/office/powerpoint/2010/main" val="1685572085"/>
+        <p14:creationId xmlns:p14="http://schemas.microsoft.com/office/powerpoint/2010/main" val="4130788344"/>
       </p:ext>
     </p:extLst>
   </p:cSld>
   <p:clrMapOvr>
     <a:masterClrMapping/>
   </p:clrMapOvr>
-  <p:timing>
-    <p:tnLst>
-      <p:par>
-        <p:cTn id="1" dur="indefinite" restart="never" nodeType="tmRoot"/>
-      </p:par>
-    </p:tnLst>
-  </p:timing>
 </p:sld>
 </file>
 
@@ -7097,88 +7513,138 @@
       </p:grpSpPr>
       <p:sp>
         <p:nvSpPr>
-          <p:cNvPr id="2" name="Title 1"/>
-          <p:cNvSpPr>
-            <a:spLocks noGrp="1"/>
-          </p:cNvSpPr>
-          <p:nvPr>
-            <p:ph type="title"/>
-          </p:nvPr>
-        </p:nvSpPr>
-        <p:spPr/>
-        <p:txBody>
-          <a:bodyPr/>
-          <a:lstStyle/>
-          <a:p>
-            <a:r>
-              <a:rPr lang="vi-VN" dirty="0" smtClean="0"/>
-              <a:t>KHOẢNG CÁCH GIỮA CÁC HÀNG</a:t>
-            </a:r>
-            <a:endParaRPr lang="vi-VN" dirty="0"/>
-          </a:p>
-        </p:txBody>
-      </p:sp>
-      <p:sp>
-        <p:nvSpPr>
-          <p:cNvPr id="3" name="Content Placeholder 2"/>
-          <p:cNvSpPr>
-            <a:spLocks noGrp="1"/>
-          </p:cNvSpPr>
-          <p:nvPr>
-            <p:ph idx="1"/>
-          </p:nvPr>
+          <p:cNvPr id="4" name="TextBox 3">
+            <a:extLst>
+              <a:ext uri="{FF2B5EF4-FFF2-40B4-BE49-F238E27FC236}">
+                <a16:creationId xmlns:a16="http://schemas.microsoft.com/office/drawing/2014/main" id="{DCB36C21-F67A-4021-8694-BAD64E549476}"/>
+              </a:ext>
+            </a:extLst>
+          </p:cNvPr>
+          <p:cNvSpPr txBox="1"/>
+          <p:nvPr/>
         </p:nvSpPr>
         <p:spPr>
           <a:xfrm>
-            <a:off x="677333" y="2160589"/>
-            <a:ext cx="9896221" cy="3880773"/>
+            <a:off x="289420" y="1228397"/>
+            <a:ext cx="9517310" cy="4401205"/>
           </a:xfrm>
+          <a:prstGeom prst="rect">
+            <a:avLst/>
+          </a:prstGeom>
+          <a:noFill/>
         </p:spPr>
         <p:txBody>
-          <a:bodyPr>
-            <a:normAutofit/>
+          <a:bodyPr wrap="square">
+            <a:spAutoFit/>
           </a:bodyPr>
           <a:lstStyle/>
           <a:p>
-            <a:pPr marL="0" indent="0">
-              <a:buNone/>
-            </a:pPr>
-            <a:r>
-              <a:rPr lang="vi-VN" sz="3200" dirty="0" smtClean="0"/>
-              <a:t>Tùy chỉnh khoảng các giữa các hàng bằng lệnh :</a:t>
-            </a:r>
-          </a:p>
-          <a:p>
-            <a:pPr marL="0" indent="0" algn="ctr">
-              <a:lnSpc>
-                <a:spcPct val="150000"/>
-              </a:lnSpc>
-              <a:buNone/>
-            </a:pPr>
-            <a:r>
-              <a:rPr lang="vi-VN" sz="3200" b="1" dirty="0" smtClean="0"/>
-              <a:t>\renewcommand{\baselinestretch}{1.5}</a:t>
-            </a:r>
-          </a:p>
-          <a:p>
-            <a:pPr marL="0" indent="0">
-              <a:lnSpc>
-                <a:spcPct val="150000"/>
-              </a:lnSpc>
-              <a:buNone/>
-            </a:pPr>
-            <a:r>
-              <a:rPr lang="vi-VN" sz="3200" dirty="0" smtClean="0"/>
-              <a:t>Trong đó 1.5 là độ lớn khoảng cách của dòng so với mặc định</a:t>
-            </a:r>
-            <a:endParaRPr lang="vi-VN" sz="3200" dirty="0"/>
+            <a:pPr algn="just"/>
+            <a:r>
+              <a:rPr lang="en-US" sz="2800" dirty="0">
+                <a:effectLst/>
+                <a:latin typeface="Times New Roman" panose="02020603050405020304" pitchFamily="18" charset="0"/>
+                <a:cs typeface="Times New Roman" panose="02020603050405020304" pitchFamily="18" charset="0"/>
+              </a:rPr>
+              <a:t>	</a:t>
+            </a:r>
+            <a:r>
+              <a:rPr lang="en-US" sz="2800" b="1" dirty="0">
+                <a:effectLst/>
+                <a:latin typeface="Times New Roman" panose="02020603050405020304" pitchFamily="18" charset="0"/>
+                <a:cs typeface="Times New Roman" panose="02020603050405020304" pitchFamily="18" charset="0"/>
+              </a:rPr>
+              <a:t>This is the text in first paragraph. This is the text in first paragraph. This is the text in first paragraph. </a:t>
+            </a:r>
+          </a:p>
+          <a:p>
+            <a:pPr algn="just"/>
+            <a:endParaRPr lang="en-US" sz="2800" dirty="0">
+              <a:effectLst/>
+              <a:latin typeface="Times New Roman" panose="02020603050405020304" pitchFamily="18" charset="0"/>
+              <a:cs typeface="Times New Roman" panose="02020603050405020304" pitchFamily="18" charset="0"/>
+            </a:endParaRPr>
+          </a:p>
+          <a:p>
+            <a:pPr algn="just"/>
+            <a:r>
+              <a:rPr lang="en-US" sz="2800" dirty="0">
+                <a:effectLst/>
+                <a:latin typeface="Times New Roman" panose="02020603050405020304" pitchFamily="18" charset="0"/>
+                <a:cs typeface="Times New Roman" panose="02020603050405020304" pitchFamily="18" charset="0"/>
+              </a:rPr>
+              <a:t>	</a:t>
+            </a:r>
+            <a:r>
+              <a:rPr lang="en-US" sz="2800" b="1" i="1" u="sng" dirty="0">
+                <a:effectLst/>
+                <a:latin typeface="Times New Roman" panose="02020603050405020304" pitchFamily="18" charset="0"/>
+                <a:cs typeface="Times New Roman" panose="02020603050405020304" pitchFamily="18" charset="0"/>
+              </a:rPr>
+              <a:t>This is the text in second paragraph. This is the text in second para- graph. This is the text in second paragraph. </a:t>
+            </a:r>
+          </a:p>
+          <a:p>
+            <a:pPr algn="just"/>
+            <a:endParaRPr lang="en-US" sz="2800" dirty="0">
+              <a:effectLst/>
+              <a:latin typeface="Times New Roman" panose="02020603050405020304" pitchFamily="18" charset="0"/>
+              <a:cs typeface="Times New Roman" panose="02020603050405020304" pitchFamily="18" charset="0"/>
+            </a:endParaRPr>
+          </a:p>
+          <a:p>
+            <a:pPr algn="just"/>
+            <a:r>
+              <a:rPr lang="en-US" sz="2800" i="1" dirty="0">
+                <a:effectLst/>
+                <a:latin typeface="Times New Roman" panose="02020603050405020304" pitchFamily="18" charset="0"/>
+                <a:cs typeface="Times New Roman" panose="02020603050405020304" pitchFamily="18" charset="0"/>
+              </a:rPr>
+              <a:t>This is another paragraph, contains some text to test the paragraph interlining. paragraph indentation and some other features. Also, is </a:t>
+            </a:r>
+            <a:r>
+              <a:rPr lang="en-US" sz="2800" i="1" dirty="0" err="1">
+                <a:effectLst/>
+                <a:latin typeface="Times New Roman" panose="02020603050405020304" pitchFamily="18" charset="0"/>
+                <a:cs typeface="Times New Roman" panose="02020603050405020304" pitchFamily="18" charset="0"/>
+              </a:rPr>
+              <a:t>casy</a:t>
+            </a:r>
+            <a:r>
+              <a:rPr lang="en-US" sz="2800" i="1" dirty="0">
+                <a:effectLst/>
+                <a:latin typeface="Times New Roman" panose="02020603050405020304" pitchFamily="18" charset="0"/>
+                <a:cs typeface="Times New Roman" panose="02020603050405020304" pitchFamily="18" charset="0"/>
+              </a:rPr>
+              <a:t> to see how new paragraphs are defined by simply entering a </a:t>
+            </a:r>
+            <a:r>
+              <a:rPr lang="en-US" sz="2800" i="1" dirty="0" err="1">
+                <a:effectLst/>
+                <a:latin typeface="Times New Roman" panose="02020603050405020304" pitchFamily="18" charset="0"/>
+                <a:cs typeface="Times New Roman" panose="02020603050405020304" pitchFamily="18" charset="0"/>
+              </a:rPr>
+              <a:t>donble</a:t>
+            </a:r>
+            <a:r>
+              <a:rPr lang="en-US" sz="2800" i="1" dirty="0">
+                <a:effectLst/>
+                <a:latin typeface="Times New Roman" panose="02020603050405020304" pitchFamily="18" charset="0"/>
+                <a:cs typeface="Times New Roman" panose="02020603050405020304" pitchFamily="18" charset="0"/>
+              </a:rPr>
+              <a:t> blank space.</a:t>
+            </a:r>
+            <a:endParaRPr lang="en-US" sz="2800" i="1" dirty="0">
+              <a:latin typeface="Times New Roman" panose="02020603050405020304" pitchFamily="18" charset="0"/>
+              <a:cs typeface="Times New Roman" panose="02020603050405020304" pitchFamily="18" charset="0"/>
+            </a:endParaRPr>
           </a:p>
         </p:txBody>
       </p:sp>
     </p:spTree>
     <p:extLst>
       <p:ext uri="{BB962C8B-B14F-4D97-AF65-F5344CB8AC3E}">
-        <p14:creationId xmlns:p14="http://schemas.microsoft.com/office/powerpoint/2010/main" val="509810798"/>
+        <p14:creationId xmlns:p14="http://schemas.microsoft.com/office/powerpoint/2010/main" val="1278210418"/>
       </p:ext>
     </p:extLst>
   </p:cSld>
@@ -7207,7 +7673,13 @@
       </p:grpSpPr>
       <p:sp>
         <p:nvSpPr>
-          <p:cNvPr id="2" name="Title 1"/>
+          <p:cNvPr id="2" name="Title 1">
+            <a:extLst>
+              <a:ext uri="{FF2B5EF4-FFF2-40B4-BE49-F238E27FC236}">
+                <a16:creationId xmlns:a16="http://schemas.microsoft.com/office/drawing/2014/main" id="{7951CB0D-48C5-4309-941A-6280B8F11FD9}"/>
+              </a:ext>
+            </a:extLst>
+          </p:cNvPr>
           <p:cNvSpPr>
             <a:spLocks noGrp="1"/>
           </p:cNvSpPr>
@@ -7221,16 +7693,30 @@
           <a:lstStyle/>
           <a:p>
             <a:r>
-              <a:rPr lang="vi-VN" dirty="0" smtClean="0"/>
-              <a:t>CĂN VĂN BẢN </a:t>
-            </a:r>
-            <a:endParaRPr lang="vi-VN" dirty="0"/>
-          </a:p>
-        </p:txBody>
-      </p:sp>
-      <p:sp>
-        <p:nvSpPr>
-          <p:cNvPr id="3" name="Content Placeholder 2"/>
+              <a:rPr lang="vi-VN" dirty="0"/>
+              <a:t>ĐỊNH DẠNG </a:t>
+            </a:r>
+            <a:r>
+              <a:rPr lang="en-US" dirty="0"/>
+              <a:t>TRANG</a:t>
+            </a:r>
+            <a:r>
+              <a:rPr lang="vi-VN" dirty="0"/>
+              <a:t> VĂN BẢN</a:t>
+            </a:r>
+            <a:endParaRPr lang="en-US" dirty="0"/>
+          </a:p>
+        </p:txBody>
+      </p:sp>
+      <p:sp>
+        <p:nvSpPr>
+          <p:cNvPr id="3" name="Content Placeholder 2">
+            <a:extLst>
+              <a:ext uri="{FF2B5EF4-FFF2-40B4-BE49-F238E27FC236}">
+                <a16:creationId xmlns:a16="http://schemas.microsoft.com/office/drawing/2014/main" id="{E78C8A28-4498-4F27-95C2-1ADC719838AD}"/>
+              </a:ext>
+            </a:extLst>
+          </p:cNvPr>
           <p:cNvSpPr>
             <a:spLocks noGrp="1"/>
           </p:cNvSpPr>
@@ -7238,62 +7724,106 @@
             <p:ph idx="1"/>
           </p:nvPr>
         </p:nvSpPr>
-        <p:spPr/>
-        <p:txBody>
-          <a:bodyPr/>
-          <a:lstStyle/>
-          <a:p>
-            <a:r>
-              <a:rPr lang="vi-VN" sz="2800" dirty="0" smtClean="0"/>
-              <a:t>Mặc định trong Latex ,  văn bản được căn giữa </a:t>
-            </a:r>
-          </a:p>
-          <a:p>
-            <a:r>
-              <a:rPr lang="vi-VN" sz="2800" dirty="0" smtClean="0"/>
-              <a:t>Lệnh căn trái văn bản :</a:t>
-            </a:r>
-          </a:p>
-          <a:p>
-            <a:pPr marL="0" indent="0">
+        <p:spPr>
+          <a:xfrm>
+            <a:off x="677333" y="2160589"/>
+            <a:ext cx="9204898" cy="3443257"/>
+          </a:xfrm>
+        </p:spPr>
+        <p:txBody>
+          <a:bodyPr>
+            <a:normAutofit fontScale="92500"/>
+          </a:bodyPr>
+          <a:lstStyle/>
+          <a:p>
+            <a:pPr marL="0" indent="0" algn="just">
               <a:buNone/>
             </a:pPr>
-            <a:endParaRPr lang="vi-VN" dirty="0" smtClean="0"/>
-          </a:p>
-          <a:p>
-            <a:pPr marL="1371600" lvl="3" indent="0">
+            <a:r>
+              <a:rPr lang="vi-VN" sz="3200" dirty="0"/>
+              <a:t>Một </a:t>
+            </a:r>
+            <a:r>
+              <a:rPr lang="en-US" sz="3200" dirty="0"/>
+              <a:t>Trang</a:t>
+            </a:r>
+            <a:r>
+              <a:rPr lang="vi-VN" sz="3200" dirty="0"/>
+              <a:t> văn bản trong LaTeX sẽ được </a:t>
+            </a:r>
+            <a:r>
+              <a:rPr lang="en-US" sz="3200" dirty="0" err="1"/>
+              <a:t>định</a:t>
+            </a:r>
+            <a:r>
+              <a:rPr lang="en-US" sz="3200" dirty="0"/>
+              <a:t> </a:t>
+            </a:r>
+            <a:r>
+              <a:rPr lang="en-US" sz="3200" dirty="0" err="1"/>
+              <a:t>dạng</a:t>
+            </a:r>
+            <a:r>
+              <a:rPr lang="en-US" sz="3200" dirty="0"/>
+              <a:t> </a:t>
+            </a:r>
+            <a:r>
+              <a:rPr lang="en-US" sz="3200" dirty="0" err="1"/>
+              <a:t>sẵn</a:t>
+            </a:r>
+            <a:r>
+              <a:rPr lang="vi-VN" sz="3200" dirty="0"/>
+              <a:t>, bạn có thể tùy chỉnh </a:t>
+            </a:r>
+            <a:r>
+              <a:rPr lang="en-US" sz="3200" dirty="0" err="1"/>
+              <a:t>định</a:t>
+            </a:r>
+            <a:r>
+              <a:rPr lang="en-US" sz="3200" dirty="0"/>
+              <a:t> </a:t>
+            </a:r>
+            <a:r>
+              <a:rPr lang="en-US" sz="3200" dirty="0" err="1"/>
+              <a:t>dạng</a:t>
+            </a:r>
+            <a:r>
+              <a:rPr lang="vi-VN" sz="3200" dirty="0"/>
+              <a:t> bằng lệnh </a:t>
+            </a:r>
+          </a:p>
+          <a:p>
+            <a:pPr marL="0" indent="0" algn="ctr">
               <a:buNone/>
             </a:pPr>
             <a:r>
-              <a:rPr lang="vi-VN" sz="3600" b="1" dirty="0" smtClean="0"/>
-              <a:t>\begin{flushleft}</a:t>
-            </a:r>
-          </a:p>
-          <a:p>
-            <a:pPr marL="1371600" lvl="3" indent="0">
+              <a:rPr lang="en-US" sz="3600" b="1" dirty="0"/>
+              <a:t>\</a:t>
+            </a:r>
+            <a:r>
+              <a:rPr lang="en-US" sz="3600" b="1" dirty="0" err="1"/>
+              <a:t>usepackage</a:t>
+            </a:r>
+            <a:r>
+              <a:rPr lang="en-US" sz="3600" b="1" dirty="0"/>
+              <a:t>[left=3.00cm, right=2.00cm, top=2.00cm, bottom=2.00cm]{geometry}</a:t>
+            </a:r>
+          </a:p>
+          <a:p>
+            <a:pPr marL="0" indent="0" algn="just">
               <a:buNone/>
             </a:pPr>
             <a:r>
-              <a:rPr lang="vi-VN" sz="3600" b="1" dirty="0" smtClean="0"/>
-              <a:t>	Nội dung văn bản</a:t>
-            </a:r>
-          </a:p>
-          <a:p>
-            <a:pPr marL="1371600" lvl="3" indent="0">
-              <a:buNone/>
-            </a:pPr>
-            <a:r>
-              <a:rPr lang="vi-VN" sz="3600" b="1" dirty="0" smtClean="0"/>
-              <a:t>\end{flushleft}</a:t>
-            </a:r>
-            <a:endParaRPr lang="vi-VN" sz="3600" b="1" dirty="0"/>
+              <a:rPr lang="vi-VN" sz="3200" dirty="0"/>
+              <a:t>Có thể tùy chỉnh 1cm thành nhiều nhiều kích cỡ khác nhau , lệnh trên hỗ trợ các đơn vị như cm , em , ..</a:t>
+            </a:r>
           </a:p>
         </p:txBody>
       </p:sp>
     </p:spTree>
     <p:extLst>
       <p:ext uri="{BB962C8B-B14F-4D97-AF65-F5344CB8AC3E}">
-        <p14:creationId xmlns:p14="http://schemas.microsoft.com/office/powerpoint/2010/main" val="3089724981"/>
+        <p14:creationId xmlns:p14="http://schemas.microsoft.com/office/powerpoint/2010/main" val="1561052229"/>
       </p:ext>
     </p:extLst>
   </p:cSld>
@@ -7336,11 +7866,239 @@
           <a:lstStyle/>
           <a:p>
             <a:r>
-              <a:rPr lang="vi-VN" dirty="0" smtClean="0"/>
+              <a:rPr lang="vi-VN" dirty="0"/>
+              <a:t>KHOẢNG CÁCH GIỮA CÁC HÀNG</a:t>
+            </a:r>
+          </a:p>
+        </p:txBody>
+      </p:sp>
+      <p:sp>
+        <p:nvSpPr>
+          <p:cNvPr id="3" name="Content Placeholder 2"/>
+          <p:cNvSpPr>
+            <a:spLocks noGrp="1"/>
+          </p:cNvSpPr>
+          <p:nvPr>
+            <p:ph idx="1"/>
+          </p:nvPr>
+        </p:nvSpPr>
+        <p:spPr>
+          <a:xfrm>
+            <a:off x="677333" y="2160589"/>
+            <a:ext cx="9896221" cy="3880773"/>
+          </a:xfrm>
+        </p:spPr>
+        <p:txBody>
+          <a:bodyPr>
+            <a:normAutofit/>
+          </a:bodyPr>
+          <a:lstStyle/>
+          <a:p>
+            <a:pPr marL="0" indent="0">
+              <a:buNone/>
+            </a:pPr>
+            <a:r>
+              <a:rPr lang="vi-VN" sz="3200" dirty="0"/>
+              <a:t>Tùy chỉnh khoảng các giữa các hàng bằng lệnh :</a:t>
+            </a:r>
+          </a:p>
+          <a:p>
+            <a:pPr marL="0" indent="0" algn="ctr">
+              <a:lnSpc>
+                <a:spcPct val="150000"/>
+              </a:lnSpc>
+              <a:buNone/>
+            </a:pPr>
+            <a:r>
+              <a:rPr lang="vi-VN" sz="3200" b="1" dirty="0"/>
+              <a:t>\renewcommand{\baselinestretch}{1.5}</a:t>
+            </a:r>
+          </a:p>
+          <a:p>
+            <a:pPr marL="0" indent="0">
+              <a:lnSpc>
+                <a:spcPct val="150000"/>
+              </a:lnSpc>
+              <a:buNone/>
+            </a:pPr>
+            <a:r>
+              <a:rPr lang="vi-VN" sz="3200" dirty="0"/>
+              <a:t>Trong đó 1.5 là độ lớn khoảng cách của dòng so với mặc định</a:t>
+            </a:r>
+          </a:p>
+        </p:txBody>
+      </p:sp>
+    </p:spTree>
+    <p:extLst>
+      <p:ext uri="{BB962C8B-B14F-4D97-AF65-F5344CB8AC3E}">
+        <p14:creationId xmlns:p14="http://schemas.microsoft.com/office/powerpoint/2010/main" val="509810798"/>
+      </p:ext>
+    </p:extLst>
+  </p:cSld>
+  <p:clrMapOvr>
+    <a:masterClrMapping/>
+  </p:clrMapOvr>
+</p:sld>
+</file>
+
+<file path=ppt/slides/slide23.xml><?xml version="1.0" encoding="utf-8"?>
+<p:sld xmlns:a="http://schemas.openxmlformats.org/drawingml/2006/main" xmlns:r="http://schemas.openxmlformats.org/officeDocument/2006/relationships" xmlns:p="http://schemas.openxmlformats.org/presentationml/2006/main">
+  <p:cSld>
+    <p:spTree>
+      <p:nvGrpSpPr>
+        <p:cNvPr id="1" name=""/>
+        <p:cNvGrpSpPr/>
+        <p:nvPr/>
+      </p:nvGrpSpPr>
+      <p:grpSpPr>
+        <a:xfrm>
+          <a:off x="0" y="0"/>
+          <a:ext cx="0" cy="0"/>
+          <a:chOff x="0" y="0"/>
+          <a:chExt cx="0" cy="0"/>
+        </a:xfrm>
+      </p:grpSpPr>
+      <p:sp>
+        <p:nvSpPr>
+          <p:cNvPr id="2" name="Title 1"/>
+          <p:cNvSpPr>
+            <a:spLocks noGrp="1"/>
+          </p:cNvSpPr>
+          <p:nvPr>
+            <p:ph type="title"/>
+          </p:nvPr>
+        </p:nvSpPr>
+        <p:spPr/>
+        <p:txBody>
+          <a:bodyPr/>
+          <a:lstStyle/>
+          <a:p>
+            <a:r>
+              <a:rPr lang="vi-VN" dirty="0"/>
               <a:t>CĂN VĂN BẢN </a:t>
             </a:r>
+          </a:p>
+        </p:txBody>
+      </p:sp>
+      <p:sp>
+        <p:nvSpPr>
+          <p:cNvPr id="3" name="Content Placeholder 2"/>
+          <p:cNvSpPr>
+            <a:spLocks noGrp="1"/>
+          </p:cNvSpPr>
+          <p:nvPr>
+            <p:ph idx="1"/>
+          </p:nvPr>
+        </p:nvSpPr>
+        <p:spPr/>
+        <p:txBody>
+          <a:bodyPr/>
+          <a:lstStyle/>
+          <a:p>
+            <a:r>
+              <a:rPr lang="vi-VN" sz="2800" dirty="0"/>
+              <a:t>Mặc định trong Latex ,  văn bản được căn </a:t>
+            </a:r>
+            <a:r>
+              <a:rPr lang="en-US" sz="2800" dirty="0" err="1"/>
+              <a:t>đều</a:t>
+            </a:r>
+            <a:r>
+              <a:rPr lang="vi-VN" sz="2800" dirty="0"/>
+              <a:t> </a:t>
+            </a:r>
+          </a:p>
+          <a:p>
+            <a:r>
+              <a:rPr lang="vi-VN" sz="2800" dirty="0"/>
+              <a:t>Lệnh căn trái văn bản :</a:t>
+            </a:r>
+          </a:p>
+          <a:p>
+            <a:pPr marL="0" indent="0">
+              <a:buNone/>
+            </a:pPr>
             <a:endParaRPr lang="vi-VN" dirty="0"/>
           </a:p>
+          <a:p>
+            <a:pPr marL="1371600" lvl="3" indent="0">
+              <a:buNone/>
+            </a:pPr>
+            <a:r>
+              <a:rPr lang="vi-VN" sz="3600" b="1" dirty="0"/>
+              <a:t>\begin{flushleft}</a:t>
+            </a:r>
+          </a:p>
+          <a:p>
+            <a:pPr marL="1371600" lvl="3" indent="0">
+              <a:buNone/>
+            </a:pPr>
+            <a:r>
+              <a:rPr lang="vi-VN" sz="3600" b="1" dirty="0"/>
+              <a:t>	Nội dung văn bản</a:t>
+            </a:r>
+          </a:p>
+          <a:p>
+            <a:pPr marL="1371600" lvl="3" indent="0">
+              <a:buNone/>
+            </a:pPr>
+            <a:r>
+              <a:rPr lang="vi-VN" sz="3600" b="1" dirty="0"/>
+              <a:t>\end{flushleft}</a:t>
+            </a:r>
+          </a:p>
+        </p:txBody>
+      </p:sp>
+    </p:spTree>
+    <p:extLst>
+      <p:ext uri="{BB962C8B-B14F-4D97-AF65-F5344CB8AC3E}">
+        <p14:creationId xmlns:p14="http://schemas.microsoft.com/office/powerpoint/2010/main" val="3089724981"/>
+      </p:ext>
+    </p:extLst>
+  </p:cSld>
+  <p:clrMapOvr>
+    <a:masterClrMapping/>
+  </p:clrMapOvr>
+</p:sld>
+</file>
+
+<file path=ppt/slides/slide24.xml><?xml version="1.0" encoding="utf-8"?>
+<p:sld xmlns:a="http://schemas.openxmlformats.org/drawingml/2006/main" xmlns:r="http://schemas.openxmlformats.org/officeDocument/2006/relationships" xmlns:p="http://schemas.openxmlformats.org/presentationml/2006/main">
+  <p:cSld>
+    <p:spTree>
+      <p:nvGrpSpPr>
+        <p:cNvPr id="1" name=""/>
+        <p:cNvGrpSpPr/>
+        <p:nvPr/>
+      </p:nvGrpSpPr>
+      <p:grpSpPr>
+        <a:xfrm>
+          <a:off x="0" y="0"/>
+          <a:ext cx="0" cy="0"/>
+          <a:chOff x="0" y="0"/>
+          <a:chExt cx="0" cy="0"/>
+        </a:xfrm>
+      </p:grpSpPr>
+      <p:sp>
+        <p:nvSpPr>
+          <p:cNvPr id="2" name="Title 1"/>
+          <p:cNvSpPr>
+            <a:spLocks noGrp="1"/>
+          </p:cNvSpPr>
+          <p:nvPr>
+            <p:ph type="title"/>
+          </p:nvPr>
+        </p:nvSpPr>
+        <p:spPr/>
+        <p:txBody>
+          <a:bodyPr/>
+          <a:lstStyle/>
+          <a:p>
+            <a:r>
+              <a:rPr lang="vi-VN" dirty="0"/>
+              <a:t>CĂN VĂN BẢN </a:t>
+            </a:r>
+          </a:p>
         </p:txBody>
       </p:sp>
       <p:sp>
@@ -7359,13 +8117,21 @@
           <a:lstStyle/>
           <a:p>
             <a:r>
-              <a:rPr lang="vi-VN" sz="2800" dirty="0" smtClean="0"/>
-              <a:t>Mặc định trong Latex ,  văn bản được căn giữa </a:t>
-            </a:r>
-          </a:p>
-          <a:p>
-            <a:r>
-              <a:rPr lang="vi-VN" sz="2800" dirty="0" smtClean="0"/>
+              <a:rPr lang="vi-VN" sz="2800" dirty="0"/>
+              <a:t>Mặc định trong Latex ,  văn bản được căn </a:t>
+            </a:r>
+            <a:r>
+              <a:rPr lang="en-US" sz="2800" dirty="0" err="1"/>
+              <a:t>đều</a:t>
+            </a:r>
+            <a:r>
+              <a:rPr lang="vi-VN" sz="2800" dirty="0"/>
+              <a:t> </a:t>
+            </a:r>
+          </a:p>
+          <a:p>
+            <a:r>
+              <a:rPr lang="vi-VN" sz="2800" dirty="0"/>
               <a:t>Lệnh căn phải văn bản :</a:t>
             </a:r>
           </a:p>
@@ -7373,14 +8139,14 @@
             <a:pPr marL="0" indent="0">
               <a:buNone/>
             </a:pPr>
-            <a:endParaRPr lang="vi-VN" dirty="0" smtClean="0"/>
+            <a:endParaRPr lang="vi-VN" dirty="0"/>
           </a:p>
           <a:p>
             <a:pPr marL="1371600" lvl="3" indent="0">
               <a:buNone/>
             </a:pPr>
             <a:r>
-              <a:rPr lang="vi-VN" sz="3600" b="1" dirty="0" smtClean="0"/>
+              <a:rPr lang="vi-VN" sz="3600" b="1" dirty="0"/>
               <a:t>\begin{flushright}</a:t>
             </a:r>
           </a:p>
@@ -7389,7 +8155,7 @@
               <a:buNone/>
             </a:pPr>
             <a:r>
-              <a:rPr lang="vi-VN" sz="3600" b="1" dirty="0" smtClean="0"/>
+              <a:rPr lang="vi-VN" sz="3600" b="1" dirty="0"/>
               <a:t>	Nội dung văn bản</a:t>
             </a:r>
           </a:p>
@@ -7398,10 +8164,9 @@
               <a:buNone/>
             </a:pPr>
             <a:r>
-              <a:rPr lang="vi-VN" sz="3600" b="1" smtClean="0"/>
+              <a:rPr lang="vi-VN" sz="3600" b="1" dirty="0"/>
               <a:t>\end{flushright}</a:t>
             </a:r>
-            <a:endParaRPr lang="vi-VN" sz="3600" b="1" dirty="0"/>
           </a:p>
         </p:txBody>
       </p:sp>
@@ -7409,6 +8174,233 @@
     <p:extLst>
       <p:ext uri="{BB962C8B-B14F-4D97-AF65-F5344CB8AC3E}">
         <p14:creationId xmlns:p14="http://schemas.microsoft.com/office/powerpoint/2010/main" val="1971028081"/>
+      </p:ext>
+    </p:extLst>
+  </p:cSld>
+  <p:clrMapOvr>
+    <a:masterClrMapping/>
+  </p:clrMapOvr>
+</p:sld>
+</file>
+
+<file path=ppt/slides/slide25.xml><?xml version="1.0" encoding="utf-8"?>
+<p:sld xmlns:a="http://schemas.openxmlformats.org/drawingml/2006/main" xmlns:r="http://schemas.openxmlformats.org/officeDocument/2006/relationships" xmlns:p="http://schemas.openxmlformats.org/presentationml/2006/main">
+  <p:cSld>
+    <p:spTree>
+      <p:nvGrpSpPr>
+        <p:cNvPr id="1" name=""/>
+        <p:cNvGrpSpPr/>
+        <p:nvPr/>
+      </p:nvGrpSpPr>
+      <p:grpSpPr>
+        <a:xfrm>
+          <a:off x="0" y="0"/>
+          <a:ext cx="0" cy="0"/>
+          <a:chOff x="0" y="0"/>
+          <a:chExt cx="0" cy="0"/>
+        </a:xfrm>
+      </p:grpSpPr>
+      <p:sp>
+        <p:nvSpPr>
+          <p:cNvPr id="2" name="Title 1">
+            <a:extLst>
+              <a:ext uri="{FF2B5EF4-FFF2-40B4-BE49-F238E27FC236}">
+                <a16:creationId xmlns:a16="http://schemas.microsoft.com/office/drawing/2014/main" id="{F57012AC-A07D-4CF5-B730-287E9DD87107}"/>
+              </a:ext>
+            </a:extLst>
+          </p:cNvPr>
+          <p:cNvSpPr>
+            <a:spLocks noGrp="1"/>
+          </p:cNvSpPr>
+          <p:nvPr>
+            <p:ph type="title"/>
+          </p:nvPr>
+        </p:nvSpPr>
+        <p:spPr/>
+        <p:txBody>
+          <a:bodyPr/>
+          <a:lstStyle/>
+          <a:p>
+            <a:r>
+              <a:rPr lang="vi-VN" dirty="0"/>
+              <a:t>CĂN VĂN BẢN </a:t>
+            </a:r>
+            <a:endParaRPr lang="en-US" dirty="0"/>
+          </a:p>
+        </p:txBody>
+      </p:sp>
+      <p:sp>
+        <p:nvSpPr>
+          <p:cNvPr id="3" name="Content Placeholder 2">
+            <a:extLst>
+              <a:ext uri="{FF2B5EF4-FFF2-40B4-BE49-F238E27FC236}">
+                <a16:creationId xmlns:a16="http://schemas.microsoft.com/office/drawing/2014/main" id="{A1ED8210-AABC-4284-B5BA-FDB3C832312B}"/>
+              </a:ext>
+            </a:extLst>
+          </p:cNvPr>
+          <p:cNvSpPr>
+            <a:spLocks noGrp="1"/>
+          </p:cNvSpPr>
+          <p:nvPr>
+            <p:ph idx="1"/>
+          </p:nvPr>
+        </p:nvSpPr>
+        <p:spPr/>
+        <p:txBody>
+          <a:bodyPr/>
+          <a:lstStyle/>
+          <a:p>
+            <a:r>
+              <a:rPr lang="vi-VN" sz="2800" dirty="0"/>
+              <a:t>Mặc định trong Latex ,  văn bản được căn </a:t>
+            </a:r>
+            <a:r>
+              <a:rPr lang="en-US" sz="2800" dirty="0" err="1"/>
+              <a:t>đều</a:t>
+            </a:r>
+            <a:r>
+              <a:rPr lang="vi-VN" sz="2800" dirty="0"/>
+              <a:t> </a:t>
+            </a:r>
+          </a:p>
+          <a:p>
+            <a:r>
+              <a:rPr lang="vi-VN" sz="2800" dirty="0"/>
+              <a:t>Lệnh căn </a:t>
+            </a:r>
+            <a:r>
+              <a:rPr lang="en-US" sz="2800" dirty="0" err="1"/>
+              <a:t>giữa</a:t>
+            </a:r>
+            <a:r>
+              <a:rPr lang="vi-VN" sz="2800" dirty="0"/>
+              <a:t> văn bản :</a:t>
+            </a:r>
+          </a:p>
+          <a:p>
+            <a:pPr marL="0" indent="0">
+              <a:buNone/>
+            </a:pPr>
+            <a:endParaRPr lang="vi-VN" dirty="0"/>
+          </a:p>
+          <a:p>
+            <a:pPr marL="1371600" lvl="3" indent="0">
+              <a:buNone/>
+            </a:pPr>
+            <a:r>
+              <a:rPr lang="vi-VN" sz="3600" b="1" dirty="0"/>
+              <a:t>\begin{</a:t>
+            </a:r>
+            <a:r>
+              <a:rPr lang="en-US" sz="3600" b="1" dirty="0"/>
+              <a:t>center</a:t>
+            </a:r>
+            <a:r>
+              <a:rPr lang="vi-VN" sz="3600" b="1" dirty="0"/>
+              <a:t>}</a:t>
+            </a:r>
+          </a:p>
+          <a:p>
+            <a:pPr marL="1371600" lvl="3" indent="0">
+              <a:buNone/>
+            </a:pPr>
+            <a:r>
+              <a:rPr lang="vi-VN" sz="3600" b="1" dirty="0"/>
+              <a:t>	Nội dung văn bản</a:t>
+            </a:r>
+          </a:p>
+          <a:p>
+            <a:pPr marL="1371600" lvl="3" indent="0">
+              <a:buNone/>
+            </a:pPr>
+            <a:r>
+              <a:rPr lang="vi-VN" sz="3600" b="1" dirty="0"/>
+              <a:t>\end{</a:t>
+            </a:r>
+            <a:r>
+              <a:rPr lang="en-US" sz="3600" b="1" dirty="0"/>
+              <a:t>center</a:t>
+            </a:r>
+            <a:r>
+              <a:rPr lang="vi-VN" sz="3600" b="1" dirty="0"/>
+              <a:t>}</a:t>
+            </a:r>
+          </a:p>
+          <a:p>
+            <a:endParaRPr lang="en-US" dirty="0"/>
+          </a:p>
+        </p:txBody>
+      </p:sp>
+    </p:spTree>
+    <p:extLst>
+      <p:ext uri="{BB962C8B-B14F-4D97-AF65-F5344CB8AC3E}">
+        <p14:creationId xmlns:p14="http://schemas.microsoft.com/office/powerpoint/2010/main" val="2860805522"/>
+      </p:ext>
+    </p:extLst>
+  </p:cSld>
+  <p:clrMapOvr>
+    <a:masterClrMapping/>
+  </p:clrMapOvr>
+</p:sld>
+</file>
+
+<file path=ppt/slides/slide26.xml><?xml version="1.0" encoding="utf-8"?>
+<p:sld xmlns:a="http://schemas.openxmlformats.org/drawingml/2006/main" xmlns:r="http://schemas.openxmlformats.org/officeDocument/2006/relationships" xmlns:p="http://schemas.openxmlformats.org/presentationml/2006/main">
+  <p:cSld>
+    <p:spTree>
+      <p:nvGrpSpPr>
+        <p:cNvPr id="1" name=""/>
+        <p:cNvGrpSpPr/>
+        <p:nvPr/>
+      </p:nvGrpSpPr>
+      <p:grpSpPr>
+        <a:xfrm>
+          <a:off x="0" y="0"/>
+          <a:ext cx="0" cy="0"/>
+          <a:chOff x="0" y="0"/>
+          <a:chExt cx="0" cy="0"/>
+        </a:xfrm>
+      </p:grpSpPr>
+      <p:sp>
+        <p:nvSpPr>
+          <p:cNvPr id="2" name="Title 1">
+            <a:extLst>
+              <a:ext uri="{FF2B5EF4-FFF2-40B4-BE49-F238E27FC236}">
+                <a16:creationId xmlns:a16="http://schemas.microsoft.com/office/drawing/2014/main" id="{1050E58A-39AE-44E1-AB70-A9CB847986FB}"/>
+              </a:ext>
+            </a:extLst>
+          </p:cNvPr>
+          <p:cNvSpPr>
+            <a:spLocks noGrp="1"/>
+          </p:cNvSpPr>
+          <p:nvPr>
+            <p:ph type="title"/>
+          </p:nvPr>
+        </p:nvSpPr>
+        <p:spPr>
+          <a:xfrm>
+            <a:off x="957943" y="1747729"/>
+            <a:ext cx="8592456" cy="5287861"/>
+          </a:xfrm>
+        </p:spPr>
+        <p:txBody>
+          <a:bodyPr>
+            <a:normAutofit/>
+          </a:bodyPr>
+          <a:lstStyle/>
+          <a:p>
+            <a:pPr algn="ctr"/>
+            <a:r>
+              <a:rPr lang="en-US" sz="11500" b="1" dirty="0"/>
+              <a:t>THANK FOR WATCHING</a:t>
+            </a:r>
+          </a:p>
+        </p:txBody>
+      </p:sp>
+    </p:spTree>
+    <p:extLst>
+      <p:ext uri="{BB962C8B-B14F-4D97-AF65-F5344CB8AC3E}">
+        <p14:creationId xmlns:p14="http://schemas.microsoft.com/office/powerpoint/2010/main" val="998379052"/>
       </p:ext>
     </p:extLst>
   </p:cSld>
@@ -7447,8 +8439,8 @@
         </p:nvSpPr>
         <p:spPr>
           <a:xfrm>
-            <a:off x="691426" y="609600"/>
-            <a:ext cx="8596668" cy="1320800"/>
+            <a:off x="561423" y="3043706"/>
+            <a:ext cx="9509856" cy="1320800"/>
           </a:xfrm>
         </p:spPr>
         <p:txBody>
@@ -7456,180 +8448,29 @@
           <a:lstStyle/>
           <a:p>
             <a:r>
-              <a:rPr lang="en-US" dirty="0" smtClean="0"/>
-              <a:t>Review Code </a:t>
-            </a:r>
-            <a:r>
-              <a:rPr lang="en-US" dirty="0" err="1" smtClean="0"/>
-              <a:t>Bài</a:t>
-            </a:r>
-            <a:r>
-              <a:rPr lang="en-US" dirty="0" smtClean="0"/>
-              <a:t> 1</a:t>
-            </a:r>
-            <a:endParaRPr lang="vi-VN" dirty="0"/>
-          </a:p>
-        </p:txBody>
-      </p:sp>
-      <p:sp>
-        <p:nvSpPr>
-          <p:cNvPr id="3" name="Content Placeholder 2"/>
-          <p:cNvSpPr>
-            <a:spLocks noGrp="1"/>
-          </p:cNvSpPr>
-          <p:nvPr>
-            <p:ph idx="1"/>
-          </p:nvPr>
-        </p:nvSpPr>
-        <p:spPr>
-          <a:xfrm>
-            <a:off x="781578" y="1270000"/>
-            <a:ext cx="8596668" cy="3880773"/>
-          </a:xfrm>
-        </p:spPr>
-        <p:txBody>
-          <a:bodyPr>
-            <a:noAutofit/>
-          </a:bodyPr>
-          <a:lstStyle/>
-          <a:p>
-            <a:pPr marL="0" indent="0">
-              <a:buNone/>
-            </a:pPr>
-            <a:r>
-              <a:rPr lang="vi-VN" dirty="0"/>
-              <a:t>\documentclass[15pt]{article}</a:t>
-            </a:r>
-          </a:p>
-          <a:p>
-            <a:pPr marL="0" indent="0">
-              <a:buNone/>
-            </a:pPr>
-            <a:r>
-              <a:rPr lang="vi-VN" dirty="0"/>
-              <a:t>\usepackage[utf8]{vietnam}</a:t>
-            </a:r>
-          </a:p>
-          <a:p>
-            <a:pPr marL="0" indent="0">
-              <a:buNone/>
-            </a:pPr>
-            <a:r>
-              <a:rPr lang="vi-VN" dirty="0"/>
-              <a:t>\usepackage{amsmath</a:t>
-            </a:r>
-            <a:r>
-              <a:rPr lang="vi-VN" dirty="0" smtClean="0"/>
-              <a:t>}</a:t>
-            </a:r>
-          </a:p>
-          <a:p>
-            <a:pPr marL="0" indent="0">
-              <a:buNone/>
-            </a:pPr>
-            <a:endParaRPr lang="vi-VN" dirty="0"/>
-          </a:p>
-          <a:p>
-            <a:pPr marL="0" indent="0">
-              <a:buNone/>
-            </a:pPr>
-            <a:r>
-              <a:rPr lang="vi-VN" dirty="0"/>
-              <a:t>\title{First document}</a:t>
-            </a:r>
-          </a:p>
-          <a:p>
-            <a:pPr marL="0" indent="0">
-              <a:buNone/>
-            </a:pPr>
-            <a:r>
-              <a:rPr lang="vi-VN" dirty="0"/>
-              <a:t>\author{Hubert Farnsworth \thanks{funded by Meomeomeo} }</a:t>
-            </a:r>
-          </a:p>
-          <a:p>
-            <a:pPr marL="0" indent="0">
-              <a:buNone/>
-            </a:pPr>
-            <a:r>
-              <a:rPr lang="vi-VN" dirty="0"/>
-              <a:t>\date{February 2021}</a:t>
-            </a:r>
-          </a:p>
-          <a:p>
-            <a:pPr marL="0" indent="0">
-              <a:buNone/>
-            </a:pPr>
-            <a:endParaRPr lang="vi-VN" dirty="0"/>
-          </a:p>
-          <a:p>
-            <a:pPr marL="0" indent="0">
-              <a:buNone/>
-            </a:pPr>
-            <a:r>
-              <a:rPr lang="vi-VN" dirty="0"/>
-              <a:t>\begin{document}   </a:t>
-            </a:r>
-          </a:p>
-          <a:p>
-            <a:pPr marL="400050" lvl="1" indent="0">
-              <a:buNone/>
-            </a:pPr>
-            <a:r>
-              <a:rPr lang="vi-VN" sz="1800" dirty="0"/>
-              <a:t>\begin{titlepage} </a:t>
-            </a:r>
-          </a:p>
-          <a:p>
-            <a:pPr marL="400050" lvl="1" indent="0">
-              <a:buNone/>
-            </a:pPr>
-            <a:r>
-              <a:rPr lang="vi-VN" sz="1800" dirty="0" smtClean="0"/>
-              <a:t>		\</a:t>
-            </a:r>
-            <a:r>
-              <a:rPr lang="vi-VN" sz="1800" dirty="0"/>
-              <a:t>maketitle</a:t>
-            </a:r>
-          </a:p>
-          <a:p>
-            <a:pPr marL="400050" lvl="1" indent="0">
-              <a:buNone/>
-            </a:pPr>
-            <a:r>
-              <a:rPr lang="vi-VN" sz="1800" dirty="0"/>
-              <a:t> \end{titlepage}</a:t>
-            </a:r>
-          </a:p>
-          <a:p>
-            <a:pPr marL="0" indent="0">
-              <a:buNone/>
-            </a:pPr>
-            <a:r>
-              <a:rPr lang="vi-VN" dirty="0"/>
-              <a:t>\end{document}</a:t>
-            </a:r>
+              <a:rPr lang="en-US" b="1" dirty="0">
+                <a:latin typeface="Arial" panose="020B0604020202020204" pitchFamily="34" charset="0"/>
+                <a:cs typeface="Arial" panose="020B0604020202020204" pitchFamily="34" charset="0"/>
+              </a:rPr>
+              <a:t>BÀI 2:  ĐỊNH DẠNG CHỮ , ĐOẠN VĂN BẢN</a:t>
+            </a:r>
+            <a:endParaRPr lang="vi-VN" b="1" dirty="0">
+              <a:latin typeface="Arial" panose="020B0604020202020204" pitchFamily="34" charset="0"/>
+              <a:cs typeface="Arial" panose="020B0604020202020204" pitchFamily="34" charset="0"/>
+            </a:endParaRPr>
           </a:p>
         </p:txBody>
       </p:sp>
     </p:spTree>
     <p:extLst>
       <p:ext uri="{BB962C8B-B14F-4D97-AF65-F5344CB8AC3E}">
-        <p14:creationId xmlns:p14="http://schemas.microsoft.com/office/powerpoint/2010/main" val="4130788344"/>
+        <p14:creationId xmlns:p14="http://schemas.microsoft.com/office/powerpoint/2010/main" val="1685572085"/>
       </p:ext>
     </p:extLst>
   </p:cSld>
   <p:clrMapOvr>
     <a:masterClrMapping/>
   </p:clrMapOvr>
-  <p:timing>
-    <p:tnLst>
-      <p:par>
-        <p:cTn id="1" dur="indefinite" restart="never" nodeType="tmRoot"/>
-      </p:par>
-    </p:tnLst>
-  </p:timing>
 </p:sld>
 </file>
 
@@ -7666,10 +8507,9 @@
           <a:lstStyle/>
           <a:p>
             <a:r>
-              <a:rPr lang="vi-VN" dirty="0" smtClean="0"/>
+              <a:rPr lang="vi-VN" dirty="0"/>
               <a:t>CÂU LỆNH ĐỊNH DẠNG CHỮ </a:t>
             </a:r>
-            <a:endParaRPr lang="vi-VN" dirty="0"/>
           </a:p>
         </p:txBody>
       </p:sp>
@@ -7699,7 +8539,7 @@
               <a:buNone/>
             </a:pPr>
             <a:r>
-              <a:rPr lang="vi-VN" sz="4400" b="1" dirty="0" smtClean="0"/>
+              <a:rPr lang="vi-VN" sz="4400" b="1" dirty="0"/>
               <a:t>Chữ in đậm</a:t>
             </a:r>
           </a:p>
@@ -7709,11 +8549,7 @@
             </a:pPr>
             <a:r>
               <a:rPr lang="vi-VN" sz="4400" b="1" dirty="0"/>
-              <a:t>\</a:t>
-            </a:r>
-            <a:r>
-              <a:rPr lang="vi-VN" sz="4400" b="1" dirty="0" smtClean="0"/>
-              <a:t>textbf{Nội dung}</a:t>
+              <a:t>\textbf{Nội dung}</a:t>
             </a:r>
           </a:p>
         </p:txBody>
@@ -7728,13 +8564,6 @@
   <p:clrMapOvr>
     <a:masterClrMapping/>
   </p:clrMapOvr>
-  <p:timing>
-    <p:tnLst>
-      <p:par>
-        <p:cTn id="1" dur="indefinite" restart="never" nodeType="tmRoot"/>
-      </p:par>
-    </p:tnLst>
-  </p:timing>
 </p:sld>
 </file>
 
@@ -7809,20 +8638,15 @@
             </a:pPr>
             <a:r>
               <a:rPr lang="vi-VN" sz="4400" b="1" dirty="0"/>
-              <a:t>Chữ in </a:t>
-            </a:r>
-            <a:r>
-              <a:rPr lang="vi-VN" sz="4400" b="1" dirty="0" smtClean="0"/>
-              <a:t>nghiêng</a:t>
-            </a:r>
-            <a:endParaRPr lang="vi-VN" sz="4400" b="1" dirty="0"/>
+              <a:t>Chữ in nghiêng</a:t>
+            </a:r>
           </a:p>
           <a:p>
             <a:pPr marL="0" indent="0" algn="ctr">
               <a:buNone/>
             </a:pPr>
             <a:r>
-              <a:rPr lang="vi-VN" sz="4400" b="1" dirty="0" smtClean="0"/>
+              <a:rPr lang="vi-VN" sz="4400" b="1" dirty="0"/>
               <a:t>\textit{Nội dung}</a:t>
             </a:r>
           </a:p>
@@ -7832,13 +8656,8 @@
             </a:pPr>
             <a:r>
               <a:rPr lang="vi-VN" sz="4400" b="1" dirty="0"/>
-              <a:t>h</a:t>
-            </a:r>
-            <a:r>
-              <a:rPr lang="vi-VN" sz="4400" b="1" dirty="0" smtClean="0"/>
-              <a:t>oặc \emph{Nội dung}</a:t>
-            </a:r>
-            <a:endParaRPr lang="vi-VN" sz="4400" b="1" dirty="0"/>
+              <a:t>hoặc \emph{Nội dung}</a:t>
+            </a:r>
           </a:p>
           <a:p>
             <a:endParaRPr lang="vi-VN" sz="4400" dirty="0"/>
@@ -7855,13 +8674,6 @@
   <p:clrMapOvr>
     <a:masterClrMapping/>
   </p:clrMapOvr>
-  <p:timing>
-    <p:tnLst>
-      <p:par>
-        <p:cTn id="1" dur="indefinite" restart="never" nodeType="tmRoot"/>
-      </p:par>
-    </p:tnLst>
-  </p:timing>
 </p:sld>
 </file>
 
@@ -7936,13 +8748,8 @@
             </a:pPr>
             <a:r>
               <a:rPr lang="vi-VN" sz="4400" b="1" dirty="0"/>
-              <a:t>Chữ in </a:t>
-            </a:r>
-            <a:r>
-              <a:rPr lang="vi-VN" sz="4400" b="1" dirty="0" smtClean="0"/>
-              <a:t>dưới</a:t>
-            </a:r>
-            <a:endParaRPr lang="vi-VN" sz="4400" b="1" dirty="0"/>
+              <a:t>Chữ in dưới</a:t>
+            </a:r>
           </a:p>
           <a:p>
             <a:pPr marL="0" indent="0" algn="ctr">
@@ -7950,15 +8757,7 @@
             </a:pPr>
             <a:r>
               <a:rPr lang="vi-VN" sz="4400" b="1" dirty="0"/>
-              <a:t>\</a:t>
-            </a:r>
-            <a:r>
-              <a:rPr lang="vi-VN" sz="4400" b="1" dirty="0" smtClean="0"/>
-              <a:t>underline{Nội </a:t>
-            </a:r>
-            <a:r>
-              <a:rPr lang="vi-VN" sz="4400" b="1" dirty="0"/>
-              <a:t>dung}</a:t>
+              <a:t>\underline{Nội dung}</a:t>
             </a:r>
           </a:p>
           <a:p>
@@ -7989,10 +8788,9 @@
           <a:lstStyle/>
           <a:p>
             <a:r>
-              <a:rPr lang="vi-VN" sz="2800" dirty="0" smtClean="0"/>
+              <a:rPr lang="vi-VN" sz="2800" dirty="0"/>
               <a:t>Hạn chế: Đối với đoạn văn khi gạch dưới , đoạn văn sẽ nằm trên 1 dòng </a:t>
             </a:r>
-            <a:endParaRPr lang="vi-VN" sz="2800" dirty="0"/>
           </a:p>
         </p:txBody>
       </p:sp>
@@ -8006,13 +8804,6 @@
   <p:clrMapOvr>
     <a:masterClrMapping/>
   </p:clrMapOvr>
-  <p:timing>
-    <p:tnLst>
-      <p:par>
-        <p:cTn id="1" dur="indefinite" restart="never" nodeType="tmRoot"/>
-      </p:par>
-    </p:tnLst>
-  </p:timing>
 </p:sld>
 </file>
 
@@ -8049,10 +8840,9 @@
           <a:lstStyle/>
           <a:p>
             <a:r>
-              <a:rPr lang="vi-VN" dirty="0" smtClean="0"/>
+              <a:rPr lang="vi-VN" dirty="0"/>
               <a:t>Giới thiệu gói hỗ trợ gạch dưới</a:t>
             </a:r>
-            <a:endParaRPr lang="vi-VN" dirty="0"/>
           </a:p>
         </p:txBody>
       </p:sp>
@@ -8083,13 +8873,8 @@
             </a:pPr>
             <a:r>
               <a:rPr lang="vi-VN" sz="4000" b="1" dirty="0"/>
-              <a:t>\</a:t>
-            </a:r>
-            <a:r>
-              <a:rPr lang="vi-VN" sz="4000" b="1" dirty="0" smtClean="0"/>
-              <a:t>usepackage{ulem}</a:t>
-            </a:r>
-            <a:endParaRPr lang="vi-VN" sz="4000" b="1" dirty="0"/>
+              <a:t>\usepackage{ulem}</a:t>
+            </a:r>
           </a:p>
         </p:txBody>
       </p:sp>
@@ -8116,7 +8901,7 @@
           <a:lstStyle/>
           <a:p>
             <a:r>
-              <a:rPr lang="vi-VN" sz="3600" dirty="0" smtClean="0">
+              <a:rPr lang="vi-VN" sz="3600" dirty="0">
                 <a:solidFill>
                   <a:schemeClr val="accent1"/>
                 </a:solidFill>
@@ -8125,7 +8910,7 @@
             </a:r>
           </a:p>
           <a:p>
-            <a:endParaRPr lang="vi-VN" sz="3600" dirty="0" smtClean="0">
+            <a:endParaRPr lang="vi-VN" sz="3600" dirty="0">
               <a:solidFill>
                 <a:schemeClr val="accent1"/>
               </a:solidFill>
@@ -8156,22 +8941,21 @@
           <a:lstStyle/>
           <a:p>
             <a:r>
-              <a:rPr lang="vi-VN" sz="2800" dirty="0" smtClean="0"/>
+              <a:rPr lang="vi-VN" sz="2800" dirty="0"/>
               <a:t>Gạch chân chữ: \uline{Nội dung}</a:t>
             </a:r>
           </a:p>
           <a:p>
             <a:r>
-              <a:rPr lang="vi-VN" sz="2800" dirty="0" smtClean="0"/>
+              <a:rPr lang="vi-VN" sz="2800" dirty="0"/>
               <a:t>Gạch chân 2 lần: \uuline{Nội dung}</a:t>
             </a:r>
           </a:p>
           <a:p>
             <a:r>
-              <a:rPr lang="vi-VN" sz="2800" dirty="0" smtClean="0"/>
+              <a:rPr lang="vi-VN" sz="2800" dirty="0"/>
               <a:t>Gạch chân dạng sóng: \uwave{Nội dung}</a:t>
             </a:r>
-            <a:endParaRPr lang="vi-VN" sz="2800" dirty="0"/>
           </a:p>
         </p:txBody>
       </p:sp>
@@ -8185,13 +8969,6 @@
   <p:clrMapOvr>
     <a:masterClrMapping/>
   </p:clrMapOvr>
-  <p:timing>
-    <p:tnLst>
-      <p:par>
-        <p:cTn id="1" dur="indefinite" restart="never" nodeType="tmRoot"/>
-      </p:par>
-    </p:tnLst>
-  </p:timing>
 </p:sld>
 </file>
 
@@ -8222,155 +8999,15 @@
             <p:ph type="title"/>
           </p:nvPr>
         </p:nvSpPr>
-        <p:spPr>
-          <a:xfrm>
-            <a:off x="677334" y="764147"/>
-            <a:ext cx="8596668" cy="1320800"/>
-          </a:xfrm>
-        </p:spPr>
+        <p:spPr/>
         <p:txBody>
           <a:bodyPr/>
           <a:lstStyle/>
           <a:p>
             <a:r>
-              <a:rPr lang="vi-VN" dirty="0" smtClean="0"/>
-              <a:t>Có thể chồng các lệnh nhau </a:t>
-            </a:r>
-            <a:endParaRPr lang="vi-VN" dirty="0"/>
-          </a:p>
-        </p:txBody>
-      </p:sp>
-      <p:sp>
-        <p:nvSpPr>
-          <p:cNvPr id="3" name="Content Placeholder 2"/>
-          <p:cNvSpPr>
-            <a:spLocks noGrp="1"/>
-          </p:cNvSpPr>
-          <p:nvPr>
-            <p:ph idx="1"/>
-          </p:nvPr>
-        </p:nvSpPr>
-        <p:spPr>
-          <a:xfrm>
-            <a:off x="677334" y="1930400"/>
-            <a:ext cx="8596668" cy="3880773"/>
-          </a:xfrm>
-        </p:spPr>
-        <p:txBody>
-          <a:bodyPr>
-            <a:normAutofit/>
-          </a:bodyPr>
-          <a:lstStyle/>
-          <a:p>
-            <a:pPr marL="0" indent="0">
-              <a:buNone/>
-            </a:pPr>
-            <a:r>
-              <a:rPr lang="vi-VN" sz="3600" dirty="0" smtClean="0"/>
-              <a:t>VÍ DỤ:</a:t>
-            </a:r>
-          </a:p>
-          <a:p>
-            <a:pPr marL="0" indent="0">
-              <a:buNone/>
-            </a:pPr>
-            <a:r>
-              <a:rPr lang="vi-VN" sz="3600" dirty="0" smtClean="0"/>
-              <a:t>	Vừa in hoa vừa nghiêng:</a:t>
-            </a:r>
-          </a:p>
-          <a:p>
-            <a:pPr lvl="1"/>
-            <a:r>
-              <a:rPr lang="vi-VN" sz="3200" dirty="0" smtClean="0"/>
-              <a:t>\textit{\textbf{Nội dung}}</a:t>
-            </a:r>
-          </a:p>
-          <a:p>
-            <a:pPr marL="457200" lvl="1" indent="0">
-              <a:buNone/>
-            </a:pPr>
-            <a:r>
-              <a:rPr lang="vi-VN" sz="3200" dirty="0" smtClean="0"/>
-              <a:t>Vừa gạch chân vừa nghiêng:</a:t>
-            </a:r>
-          </a:p>
-          <a:p>
-            <a:pPr lvl="1"/>
-            <a:r>
-              <a:rPr lang="vi-VN" sz="3200" dirty="0" smtClean="0"/>
-              <a:t>\underline{\textit{Nội dung}}</a:t>
-            </a:r>
-          </a:p>
-          <a:p>
-            <a:pPr marL="457200" lvl="1" indent="0">
-              <a:buNone/>
-            </a:pPr>
-            <a:endParaRPr lang="vi-VN" sz="3200" dirty="0"/>
-          </a:p>
-          <a:p>
-            <a:pPr lvl="1"/>
-            <a:endParaRPr lang="vi-VN" sz="3200" dirty="0" smtClean="0"/>
-          </a:p>
-        </p:txBody>
-      </p:sp>
-    </p:spTree>
-    <p:extLst>
-      <p:ext uri="{BB962C8B-B14F-4D97-AF65-F5344CB8AC3E}">
-        <p14:creationId xmlns:p14="http://schemas.microsoft.com/office/powerpoint/2010/main" val="2490052639"/>
-      </p:ext>
-    </p:extLst>
-  </p:cSld>
-  <p:clrMapOvr>
-    <a:masterClrMapping/>
-  </p:clrMapOvr>
-  <p:timing>
-    <p:tnLst>
-      <p:par>
-        <p:cTn id="1" dur="indefinite" restart="never" nodeType="tmRoot"/>
-      </p:par>
-    </p:tnLst>
-  </p:timing>
-</p:sld>
-</file>
-
-<file path=ppt/slides/slide9.xml><?xml version="1.0" encoding="utf-8"?>
-<p:sld xmlns:a="http://schemas.openxmlformats.org/drawingml/2006/main" xmlns:r="http://schemas.openxmlformats.org/officeDocument/2006/relationships" xmlns:p="http://schemas.openxmlformats.org/presentationml/2006/main">
-  <p:cSld>
-    <p:spTree>
-      <p:nvGrpSpPr>
-        <p:cNvPr id="1" name=""/>
-        <p:cNvGrpSpPr/>
-        <p:nvPr/>
-      </p:nvGrpSpPr>
-      <p:grpSpPr>
-        <a:xfrm>
-          <a:off x="0" y="0"/>
-          <a:ext cx="0" cy="0"/>
-          <a:chOff x="0" y="0"/>
-          <a:chExt cx="0" cy="0"/>
-        </a:xfrm>
-      </p:grpSpPr>
-      <p:sp>
-        <p:nvSpPr>
-          <p:cNvPr id="2" name="Title 1"/>
-          <p:cNvSpPr>
-            <a:spLocks noGrp="1"/>
-          </p:cNvSpPr>
-          <p:nvPr>
-            <p:ph type="title"/>
-          </p:nvPr>
-        </p:nvSpPr>
-        <p:spPr/>
-        <p:txBody>
-          <a:bodyPr/>
-          <a:lstStyle/>
-          <a:p>
-            <a:r>
-              <a:rPr lang="vi-VN" dirty="0" smtClean="0"/>
+              <a:rPr lang="vi-VN" dirty="0"/>
               <a:t>Ví dụ minh họa các trường hợp</a:t>
             </a:r>
-            <a:endParaRPr lang="vi-VN" dirty="0"/>
           </a:p>
         </p:txBody>
       </p:sp>
@@ -8398,28 +9035,23 @@
           <a:p>
             <a:r>
               <a:rPr lang="vi-VN" sz="2400" dirty="0"/>
-              <a:t> \textbf{Đây là dòng in đậm</a:t>
-            </a:r>
-            <a:r>
-              <a:rPr lang="vi-VN" sz="2400" dirty="0" smtClean="0"/>
-              <a:t>}</a:t>
+              <a:t> \textbf{Đây là dòng in đậm}</a:t>
             </a:r>
           </a:p>
           <a:p>
             <a:endParaRPr lang="vi-VN" sz="2400" dirty="0"/>
           </a:p>
           <a:p>
-            <a:endParaRPr lang="vi-VN" sz="2400" dirty="0" smtClean="0"/>
-          </a:p>
-          <a:p>
             <a:endParaRPr lang="vi-VN" sz="2400" dirty="0"/>
           </a:p>
           <a:p>
-            <a:r>
-              <a:rPr lang="vi-VN" sz="2400" dirty="0" smtClean="0"/>
+            <a:endParaRPr lang="vi-VN" sz="2400" dirty="0"/>
+          </a:p>
+          <a:p>
+            <a:r>
+              <a:rPr lang="vi-VN" sz="2400" dirty="0"/>
               <a:t>\textit{Đây là dòng in nghiêng}</a:t>
             </a:r>
-            <a:endParaRPr lang="vi-VN" sz="2400" dirty="0"/>
           </a:p>
         </p:txBody>
       </p:sp>
@@ -8494,12 +9126,8 @@
           <a:lstStyle/>
           <a:p>
             <a:r>
-              <a:rPr lang="vi-VN" sz="2300" dirty="0" smtClean="0"/>
-              <a:t>\underline </a:t>
-            </a:r>
-            <a:r>
               <a:rPr lang="vi-VN" sz="2300" dirty="0"/>
-              <a:t>{Đây là dòng gạch dưới}</a:t>
+              <a:t>\underline {Đây là dòng gạch dưới}</a:t>
             </a:r>
           </a:p>
         </p:txBody>
@@ -8538,13 +9166,137 @@
   <p:clrMapOvr>
     <a:masterClrMapping/>
   </p:clrMapOvr>
-  <p:timing>
-    <p:tnLst>
-      <p:par>
-        <p:cTn id="1" dur="indefinite" restart="never" nodeType="tmRoot"/>
-      </p:par>
-    </p:tnLst>
-  </p:timing>
+</p:sld>
+</file>
+
+<file path=ppt/slides/slide9.xml><?xml version="1.0" encoding="utf-8"?>
+<p:sld xmlns:a="http://schemas.openxmlformats.org/drawingml/2006/main" xmlns:r="http://schemas.openxmlformats.org/officeDocument/2006/relationships" xmlns:p="http://schemas.openxmlformats.org/presentationml/2006/main">
+  <p:cSld>
+    <p:spTree>
+      <p:nvGrpSpPr>
+        <p:cNvPr id="1" name=""/>
+        <p:cNvGrpSpPr/>
+        <p:nvPr/>
+      </p:nvGrpSpPr>
+      <p:grpSpPr>
+        <a:xfrm>
+          <a:off x="0" y="0"/>
+          <a:ext cx="0" cy="0"/>
+          <a:chOff x="0" y="0"/>
+          <a:chExt cx="0" cy="0"/>
+        </a:xfrm>
+      </p:grpSpPr>
+      <p:sp>
+        <p:nvSpPr>
+          <p:cNvPr id="2" name="Title 1"/>
+          <p:cNvSpPr>
+            <a:spLocks noGrp="1"/>
+          </p:cNvSpPr>
+          <p:nvPr>
+            <p:ph type="title"/>
+          </p:nvPr>
+        </p:nvSpPr>
+        <p:spPr>
+          <a:xfrm>
+            <a:off x="677334" y="764147"/>
+            <a:ext cx="8596668" cy="1320800"/>
+          </a:xfrm>
+        </p:spPr>
+        <p:txBody>
+          <a:bodyPr/>
+          <a:lstStyle/>
+          <a:p>
+            <a:r>
+              <a:rPr lang="vi-VN" dirty="0"/>
+              <a:t>Có thể chồng các lệnh nhau </a:t>
+            </a:r>
+          </a:p>
+        </p:txBody>
+      </p:sp>
+      <p:sp>
+        <p:nvSpPr>
+          <p:cNvPr id="3" name="Content Placeholder 2"/>
+          <p:cNvSpPr>
+            <a:spLocks noGrp="1"/>
+          </p:cNvSpPr>
+          <p:nvPr>
+            <p:ph idx="1"/>
+          </p:nvPr>
+        </p:nvSpPr>
+        <p:spPr>
+          <a:xfrm>
+            <a:off x="677334" y="1930400"/>
+            <a:ext cx="8596668" cy="3880773"/>
+          </a:xfrm>
+        </p:spPr>
+        <p:txBody>
+          <a:bodyPr>
+            <a:normAutofit/>
+          </a:bodyPr>
+          <a:lstStyle/>
+          <a:p>
+            <a:pPr marL="0" indent="0">
+              <a:buNone/>
+            </a:pPr>
+            <a:r>
+              <a:rPr lang="vi-VN" sz="3600" dirty="0"/>
+              <a:t>VÍ DỤ:</a:t>
+            </a:r>
+          </a:p>
+          <a:p>
+            <a:pPr marL="0" indent="0">
+              <a:buNone/>
+            </a:pPr>
+            <a:r>
+              <a:rPr lang="vi-VN" sz="3600" dirty="0"/>
+              <a:t>	Vừa in hoa vừa nghiêng:</a:t>
+            </a:r>
+          </a:p>
+          <a:p>
+            <a:pPr lvl="1"/>
+            <a:r>
+              <a:rPr lang="vi-VN" sz="3200" dirty="0"/>
+              <a:t>\textit{\textbf{Nội dung}}</a:t>
+            </a:r>
+          </a:p>
+          <a:p>
+            <a:pPr marL="457200" lvl="1" indent="0">
+              <a:buNone/>
+            </a:pPr>
+            <a:r>
+              <a:rPr lang="vi-VN" sz="3200" dirty="0"/>
+              <a:t>Vừa gạch chân vừa nghiêng:</a:t>
+            </a:r>
+          </a:p>
+          <a:p>
+            <a:pPr lvl="1"/>
+            <a:r>
+              <a:rPr lang="vi-VN" sz="3200" dirty="0"/>
+              <a:t>\underline{\textit{Nội dung}}</a:t>
+            </a:r>
+          </a:p>
+          <a:p>
+            <a:pPr marL="457200" lvl="1" indent="0">
+              <a:buNone/>
+            </a:pPr>
+            <a:endParaRPr lang="vi-VN" sz="3200" dirty="0"/>
+          </a:p>
+          <a:p>
+            <a:pPr lvl="1"/>
+            <a:endParaRPr lang="vi-VN" sz="3200" dirty="0"/>
+          </a:p>
+        </p:txBody>
+      </p:sp>
+    </p:spTree>
+    <p:extLst>
+      <p:ext uri="{BB962C8B-B14F-4D97-AF65-F5344CB8AC3E}">
+        <p14:creationId xmlns:p14="http://schemas.microsoft.com/office/powerpoint/2010/main" val="2490052639"/>
+      </p:ext>
+    </p:extLst>
+  </p:cSld>
+  <p:clrMapOvr>
+    <a:masterClrMapping/>
+  </p:clrMapOvr>
 </p:sld>
 </file>
 
